--- a/1. Angular 14/Day 6/Slides/9. Create, Read, Update, and Delete (CRUD) Using HTTP/create-read-update-and-delete-crud-using-http-slides.pptx
+++ b/1. Angular 14/Day 6/Slides/9. Create, Read, Update, and Delete (CRUD) Using HTTP/create-read-update-and-delete-crud-using-http-slides.pptx
@@ -5,52 +5,52 @@
     <p:sldMasterId id="2147483648" r:id="rId1"/>
   </p:sldMasterIdLst>
   <p:notesMasterIdLst>
-    <p:notesMasterId r:id="rId45"/>
+    <p:notesMasterId r:id="rId46"/>
   </p:notesMasterIdLst>
   <p:sldIdLst>
-    <p:sldId id="256" r:id="rId2"/>
-    <p:sldId id="257" r:id="rId3"/>
-    <p:sldId id="258" r:id="rId4"/>
-    <p:sldId id="297" r:id="rId5"/>
-    <p:sldId id="298" r:id="rId6"/>
-    <p:sldId id="259" r:id="rId7"/>
-    <p:sldId id="260" r:id="rId8"/>
-    <p:sldId id="261" r:id="rId9"/>
-    <p:sldId id="262" r:id="rId10"/>
-    <p:sldId id="263" r:id="rId11"/>
-    <p:sldId id="264" r:id="rId12"/>
-    <p:sldId id="265" r:id="rId13"/>
-    <p:sldId id="266" r:id="rId14"/>
-    <p:sldId id="299" r:id="rId15"/>
-    <p:sldId id="268" r:id="rId16"/>
-    <p:sldId id="269" r:id="rId17"/>
-    <p:sldId id="270" r:id="rId18"/>
-    <p:sldId id="271" r:id="rId19"/>
-    <p:sldId id="272" r:id="rId20"/>
-    <p:sldId id="273" r:id="rId21"/>
-    <p:sldId id="274" r:id="rId22"/>
-    <p:sldId id="275" r:id="rId23"/>
-    <p:sldId id="276" r:id="rId24"/>
-    <p:sldId id="277" r:id="rId25"/>
-    <p:sldId id="278" r:id="rId26"/>
-    <p:sldId id="279" r:id="rId27"/>
-    <p:sldId id="280" r:id="rId28"/>
-    <p:sldId id="281" r:id="rId29"/>
-    <p:sldId id="282" r:id="rId30"/>
-    <p:sldId id="283" r:id="rId31"/>
-    <p:sldId id="284" r:id="rId32"/>
-    <p:sldId id="285" r:id="rId33"/>
-    <p:sldId id="286" r:id="rId34"/>
-    <p:sldId id="287" r:id="rId35"/>
-    <p:sldId id="288" r:id="rId36"/>
-    <p:sldId id="289" r:id="rId37"/>
-    <p:sldId id="290" r:id="rId38"/>
-    <p:sldId id="291" r:id="rId39"/>
-    <p:sldId id="292" r:id="rId40"/>
-    <p:sldId id="293" r:id="rId41"/>
-    <p:sldId id="294" r:id="rId42"/>
-    <p:sldId id="295" r:id="rId43"/>
-    <p:sldId id="296" r:id="rId44"/>
+    <p:sldId id="256" r:id="rId3"/>
+    <p:sldId id="257" r:id="rId4"/>
+    <p:sldId id="258" r:id="rId5"/>
+    <p:sldId id="297" r:id="rId6"/>
+    <p:sldId id="298" r:id="rId7"/>
+    <p:sldId id="259" r:id="rId8"/>
+    <p:sldId id="260" r:id="rId9"/>
+    <p:sldId id="261" r:id="rId10"/>
+    <p:sldId id="262" r:id="rId11"/>
+    <p:sldId id="263" r:id="rId12"/>
+    <p:sldId id="264" r:id="rId13"/>
+    <p:sldId id="265" r:id="rId14"/>
+    <p:sldId id="266" r:id="rId15"/>
+    <p:sldId id="299" r:id="rId16"/>
+    <p:sldId id="268" r:id="rId17"/>
+    <p:sldId id="269" r:id="rId18"/>
+    <p:sldId id="270" r:id="rId19"/>
+    <p:sldId id="271" r:id="rId20"/>
+    <p:sldId id="272" r:id="rId21"/>
+    <p:sldId id="273" r:id="rId22"/>
+    <p:sldId id="274" r:id="rId23"/>
+    <p:sldId id="275" r:id="rId24"/>
+    <p:sldId id="276" r:id="rId25"/>
+    <p:sldId id="277" r:id="rId26"/>
+    <p:sldId id="278" r:id="rId27"/>
+    <p:sldId id="279" r:id="rId28"/>
+    <p:sldId id="280" r:id="rId29"/>
+    <p:sldId id="281" r:id="rId30"/>
+    <p:sldId id="282" r:id="rId31"/>
+    <p:sldId id="283" r:id="rId32"/>
+    <p:sldId id="284" r:id="rId33"/>
+    <p:sldId id="285" r:id="rId34"/>
+    <p:sldId id="286" r:id="rId35"/>
+    <p:sldId id="287" r:id="rId36"/>
+    <p:sldId id="288" r:id="rId37"/>
+    <p:sldId id="289" r:id="rId38"/>
+    <p:sldId id="290" r:id="rId39"/>
+    <p:sldId id="291" r:id="rId40"/>
+    <p:sldId id="292" r:id="rId41"/>
+    <p:sldId id="293" r:id="rId42"/>
+    <p:sldId id="294" r:id="rId43"/>
+    <p:sldId id="295" r:id="rId44"/>
+    <p:sldId id="296" r:id="rId45"/>
   </p:sldIdLst>
   <p:sldSz cx="12192000" cy="6858000"/>
   <p:notesSz cx="12192000" cy="6858000"/>
@@ -146,22 +146,6 @@
       </a:defRPr>
     </a:lvl9pPr>
   </p:defaultTextStyle>
-  <p:extLst>
-    <p:ext uri="{EFAFB233-063F-42B5-8137-9DF3F51BA10A}">
-      <p15:sldGuideLst xmlns:p15="http://schemas.microsoft.com/office/powerpoint/2012/main">
-        <p15:guide id="1" orient="horz" pos="2880">
-          <p15:clr>
-            <a:srgbClr val="A4A3A4"/>
-          </p15:clr>
-        </p15:guide>
-        <p15:guide id="2" pos="2160">
-          <p15:clr>
-            <a:srgbClr val="A4A3A4"/>
-          </p15:clr>
-        </p15:guide>
-      </p15:sldGuideLst>
-    </p:ext>
-  </p:extLst>
 </p:presentation>
 </file>
 
@@ -247,7 +231,6 @@
           <a:p>
             <a:fld id="{3EFD42F7-718C-4B98-AAEC-167E6DDD60A7}" type="datetimeFigureOut">
               <a:rPr lang="en-US" smtClean="0"/>
-              <a:t>6/2/2023</a:t>
             </a:fld>
             <a:endParaRPr lang="en-US"/>
           </a:p>
@@ -314,6 +297,7 @@
               <a:rPr lang="en-US"/>
               <a:t>Click to edit Master text styles</a:t>
             </a:r>
+            <a:endParaRPr lang="en-US"/>
           </a:p>
           <a:p>
             <a:pPr lvl="1"/>
@@ -321,6 +305,7 @@
               <a:rPr lang="en-US"/>
               <a:t>Second level</a:t>
             </a:r>
+            <a:endParaRPr lang="en-US"/>
           </a:p>
           <a:p>
             <a:pPr lvl="2"/>
@@ -328,6 +313,7 @@
               <a:rPr lang="en-US"/>
               <a:t>Third level</a:t>
             </a:r>
+            <a:endParaRPr lang="en-US"/>
           </a:p>
           <a:p>
             <a:pPr lvl="3"/>
@@ -335,6 +321,7 @@
               <a:rPr lang="en-US"/>
               <a:t>Fourth level</a:t>
             </a:r>
+            <a:endParaRPr lang="en-US"/>
           </a:p>
           <a:p>
             <a:pPr lvl="4"/>
@@ -342,6 +329,7 @@
               <a:rPr lang="en-US"/>
               <a:t>Fifth level</a:t>
             </a:r>
+            <a:endParaRPr lang="en-US"/>
           </a:p>
         </p:txBody>
       </p:sp>
@@ -405,7 +393,6 @@
           <a:p>
             <a:fld id="{21B2AA4F-B828-4D7C-AFD3-893933DAFCB4}" type="slidenum">
               <a:rPr lang="en-US" smtClean="0"/>
-              <a:t>‹#›</a:t>
             </a:fld>
             <a:endParaRPr lang="en-US"/>
           </a:p>
@@ -554,9 +541,7 @@
               <a:defRPr/>
             </a:lvl1pPr>
           </a:lstStyle>
-          <a:p>
-            <a:endParaRPr/>
-          </a:p>
+          <a:p/>
         </p:txBody>
       </p:sp>
       <p:sp>
@@ -587,9 +572,7 @@
               <a:defRPr/>
             </a:lvl1pPr>
           </a:lstStyle>
-          <a:p>
-            <a:endParaRPr/>
-          </a:p>
+          <a:p/>
         </p:txBody>
       </p:sp>
       <p:sp>
@@ -616,9 +599,7 @@
               </a:defRPr>
             </a:lvl1pPr>
           </a:lstStyle>
-          <a:p>
-            <a:endParaRPr/>
-          </a:p>
+          <a:p/>
         </p:txBody>
       </p:sp>
       <p:sp>
@@ -648,7 +629,6 @@
           <a:p>
             <a:fld id="{1D8BD707-D9CF-40AE-B4C6-C98DA3205C09}" type="datetimeFigureOut">
               <a:rPr lang="en-US"/>
-              <a:t>6/2/2023</a:t>
             </a:fld>
             <a:endParaRPr lang="en-US"/>
           </a:p>
@@ -681,7 +661,6 @@
           <a:p>
             <a:fld id="{B6F15528-21DE-4FAA-801E-634DDDAF4B2B}" type="slidenum">
               <a:rPr/>
-              <a:t>‹#›</a:t>
             </a:fld>
             <a:endParaRPr/>
           </a:p>
@@ -731,9 +710,7 @@
               <a:defRPr/>
             </a:lvl1pPr>
           </a:lstStyle>
-          <a:p>
-            <a:endParaRPr/>
-          </a:p>
+          <a:p/>
         </p:txBody>
       </p:sp>
       <p:sp>
@@ -754,9 +731,7 @@
               <a:defRPr/>
             </a:lvl1pPr>
           </a:lstStyle>
-          <a:p>
-            <a:endParaRPr/>
-          </a:p>
+          <a:p/>
         </p:txBody>
       </p:sp>
       <p:sp>
@@ -783,9 +758,7 @@
               </a:defRPr>
             </a:lvl1pPr>
           </a:lstStyle>
-          <a:p>
-            <a:endParaRPr/>
-          </a:p>
+          <a:p/>
         </p:txBody>
       </p:sp>
       <p:sp>
@@ -815,7 +788,6 @@
           <a:p>
             <a:fld id="{1D8BD707-D9CF-40AE-B4C6-C98DA3205C09}" type="datetimeFigureOut">
               <a:rPr lang="en-US"/>
-              <a:t>6/2/2023</a:t>
             </a:fld>
             <a:endParaRPr lang="en-US"/>
           </a:p>
@@ -848,7 +820,6 @@
           <a:p>
             <a:fld id="{B6F15528-21DE-4FAA-801E-634DDDAF4B2B}" type="slidenum">
               <a:rPr/>
-              <a:t>‹#›</a:t>
             </a:fld>
             <a:endParaRPr/>
           </a:p>
@@ -898,9 +869,7 @@
               <a:defRPr/>
             </a:lvl1pPr>
           </a:lstStyle>
-          <a:p>
-            <a:endParaRPr/>
-          </a:p>
+          <a:p/>
         </p:txBody>
       </p:sp>
       <p:sp>
@@ -931,9 +900,7 @@
               <a:defRPr/>
             </a:lvl1pPr>
           </a:lstStyle>
-          <a:p>
-            <a:endParaRPr/>
-          </a:p>
+          <a:p/>
         </p:txBody>
       </p:sp>
       <p:sp>
@@ -964,9 +931,7 @@
               <a:defRPr/>
             </a:lvl1pPr>
           </a:lstStyle>
-          <a:p>
-            <a:endParaRPr/>
-          </a:p>
+          <a:p/>
         </p:txBody>
       </p:sp>
       <p:sp>
@@ -993,9 +958,7 @@
               </a:defRPr>
             </a:lvl1pPr>
           </a:lstStyle>
-          <a:p>
-            <a:endParaRPr/>
-          </a:p>
+          <a:p/>
         </p:txBody>
       </p:sp>
       <p:sp>
@@ -1025,7 +988,6 @@
           <a:p>
             <a:fld id="{1D8BD707-D9CF-40AE-B4C6-C98DA3205C09}" type="datetimeFigureOut">
               <a:rPr lang="en-US"/>
-              <a:t>6/2/2023</a:t>
             </a:fld>
             <a:endParaRPr lang="en-US"/>
           </a:p>
@@ -1058,7 +1020,6 @@
           <a:p>
             <a:fld id="{B6F15528-21DE-4FAA-801E-634DDDAF4B2B}" type="slidenum">
               <a:rPr/>
-              <a:t>‹#›</a:t>
             </a:fld>
             <a:endParaRPr/>
           </a:p>
@@ -1108,9 +1069,7 @@
               <a:defRPr/>
             </a:lvl1pPr>
           </a:lstStyle>
-          <a:p>
-            <a:endParaRPr/>
-          </a:p>
+          <a:p/>
         </p:txBody>
       </p:sp>
       <p:sp>
@@ -1137,9 +1096,7 @@
               </a:defRPr>
             </a:lvl1pPr>
           </a:lstStyle>
-          <a:p>
-            <a:endParaRPr/>
-          </a:p>
+          <a:p/>
         </p:txBody>
       </p:sp>
       <p:sp>
@@ -1169,7 +1126,6 @@
           <a:p>
             <a:fld id="{1D8BD707-D9CF-40AE-B4C6-C98DA3205C09}" type="datetimeFigureOut">
               <a:rPr lang="en-US"/>
-              <a:t>6/2/2023</a:t>
             </a:fld>
             <a:endParaRPr lang="en-US"/>
           </a:p>
@@ -1202,7 +1158,6 @@
           <a:p>
             <a:fld id="{B6F15528-21DE-4FAA-801E-634DDDAF4B2B}" type="slidenum">
               <a:rPr/>
-              <a:t>‹#›</a:t>
             </a:fld>
             <a:endParaRPr/>
           </a:p>
@@ -1258,9 +1213,7 @@
               </a:defRPr>
             </a:lvl1pPr>
           </a:lstStyle>
-          <a:p>
-            <a:endParaRPr/>
-          </a:p>
+          <a:p/>
         </p:txBody>
       </p:sp>
       <p:sp>
@@ -1290,7 +1243,6 @@
           <a:p>
             <a:fld id="{1D8BD707-D9CF-40AE-B4C6-C98DA3205C09}" type="datetimeFigureOut">
               <a:rPr lang="en-US"/>
-              <a:t>6/2/2023</a:t>
             </a:fld>
             <a:endParaRPr lang="en-US"/>
           </a:p>
@@ -1323,7 +1275,6 @@
           <a:p>
             <a:fld id="{B6F15528-21DE-4FAA-801E-634DDDAF4B2B}" type="slidenum">
               <a:rPr/>
-              <a:t>‹#›</a:t>
             </a:fld>
             <a:endParaRPr/>
           </a:p>
@@ -1391,9 +1342,7 @@
               <a:defRPr/>
             </a:lvl1pPr>
           </a:lstStyle>
-          <a:p>
-            <a:endParaRPr/>
-          </a:p>
+          <a:p/>
         </p:txBody>
       </p:sp>
       <p:sp>
@@ -1424,9 +1373,7 @@
               <a:defRPr/>
             </a:lvl1pPr>
           </a:lstStyle>
-          <a:p>
-            <a:endParaRPr/>
-          </a:p>
+          <a:p/>
         </p:txBody>
       </p:sp>
       <p:sp>
@@ -1463,9 +1410,7 @@
               </a:defRPr>
             </a:lvl1pPr>
           </a:lstStyle>
-          <a:p>
-            <a:endParaRPr/>
-          </a:p>
+          <a:p/>
         </p:txBody>
       </p:sp>
       <p:sp>
@@ -1505,7 +1450,6 @@
           <a:p>
             <a:fld id="{1D8BD707-D9CF-40AE-B4C6-C98DA3205C09}" type="datetimeFigureOut">
               <a:rPr lang="en-US"/>
-              <a:t>6/2/2023</a:t>
             </a:fld>
             <a:endParaRPr lang="en-US"/>
           </a:p>
@@ -1548,7 +1492,6 @@
           <a:p>
             <a:fld id="{B6F15528-21DE-4FAA-801E-634DDDAF4B2B}" type="slidenum">
               <a:rPr/>
-              <a:t>‹#›</a:t>
             </a:fld>
             <a:endParaRPr/>
           </a:p>
@@ -1733,7 +1676,7 @@
           <p:nvPr/>
         </p:nvPicPr>
         <p:blipFill>
-          <a:blip r:embed="rId2" cstate="print"/>
+          <a:blip r:embed="rId1" cstate="print"/>
           <a:stretch>
             <a:fillRect/>
           </a:stretch>
@@ -1755,7 +1698,7 @@
           <p:nvPr/>
         </p:nvPicPr>
         <p:blipFill>
-          <a:blip r:embed="rId3" cstate="print"/>
+          <a:blip r:embed="rId2" cstate="print"/>
           <a:stretch>
             <a:fillRect/>
           </a:stretch>
@@ -1787,7 +1730,6 @@
           <a:p>
             <a:fld id="{B6F15528-21DE-4FAA-801E-634DDDAF4B2B}" type="slidenum">
               <a:rPr/>
-              <a:t>1</a:t>
             </a:fld>
             <a:endParaRPr/>
           </a:p>
@@ -1825,7 +1767,7 @@
           <p:nvPr/>
         </p:nvPicPr>
         <p:blipFill>
-          <a:blip r:embed="rId2" cstate="print"/>
+          <a:blip r:embed="rId1" cstate="print"/>
           <a:stretch>
             <a:fillRect/>
           </a:stretch>
@@ -1908,9 +1850,7 @@
           <p:txBody>
             <a:bodyPr wrap="square" lIns="0" tIns="0" rIns="0" bIns="0" rtlCol="0"/>
             <a:lstStyle/>
-            <a:p>
-              <a:endParaRPr/>
-            </a:p>
+            <a:p/>
           </p:txBody>
         </p:sp>
         <p:sp>
@@ -1966,14 +1906,34 @@
           <p:txBody>
             <a:bodyPr wrap="square" lIns="0" tIns="0" rIns="0" bIns="0" rtlCol="0"/>
             <a:lstStyle/>
-            <a:p>
-              <a:endParaRPr/>
-            </a:p>
+            <a:p/>
           </p:txBody>
         </p:sp>
         <p:pic>
           <p:nvPicPr>
             <p:cNvPr id="6" name="object 6"/>
+            <p:cNvPicPr/>
+            <p:nvPr/>
+          </p:nvPicPr>
+          <p:blipFill>
+            <a:blip r:embed="rId2" cstate="print"/>
+            <a:stretch>
+              <a:fillRect/>
+            </a:stretch>
+          </p:blipFill>
+          <p:spPr>
+            <a:xfrm>
+              <a:off x="983894" y="4190111"/>
+              <a:ext cx="1566418" cy="304800"/>
+            </a:xfrm>
+            <a:prstGeom prst="rect">
+              <a:avLst/>
+            </a:prstGeom>
+          </p:spPr>
+        </p:pic>
+        <p:pic>
+          <p:nvPicPr>
+            <p:cNvPr id="7" name="object 7"/>
             <p:cNvPicPr/>
             <p:nvPr/>
           </p:nvPicPr>
@@ -1985,28 +1945,6 @@
           </p:blipFill>
           <p:spPr>
             <a:xfrm>
-              <a:off x="983894" y="4190111"/>
-              <a:ext cx="1566418" cy="304800"/>
-            </a:xfrm>
-            <a:prstGeom prst="rect">
-              <a:avLst/>
-            </a:prstGeom>
-          </p:spPr>
-        </p:pic>
-        <p:pic>
-          <p:nvPicPr>
-            <p:cNvPr id="7" name="object 7"/>
-            <p:cNvPicPr/>
-            <p:nvPr/>
-          </p:nvPicPr>
-          <p:blipFill>
-            <a:blip r:embed="rId4" cstate="print"/>
-            <a:stretch>
-              <a:fillRect/>
-            </a:stretch>
-          </p:blipFill>
-          <p:spPr>
-            <a:xfrm>
               <a:off x="983894" y="4464431"/>
               <a:ext cx="1224495" cy="304800"/>
             </a:xfrm>
@@ -2022,7 +1960,7 @@
             <p:nvPr/>
           </p:nvPicPr>
           <p:blipFill>
-            <a:blip r:embed="rId5" cstate="print"/>
+            <a:blip r:embed="rId4" cstate="print"/>
             <a:stretch>
               <a:fillRect/>
             </a:stretch>
@@ -2094,9 +2032,7 @@
           <p:txBody>
             <a:bodyPr wrap="square" lIns="0" tIns="0" rIns="0" bIns="0" rtlCol="0"/>
             <a:lstStyle/>
-            <a:p>
-              <a:endParaRPr/>
-            </a:p>
+            <a:p/>
           </p:txBody>
         </p:sp>
         <p:sp>
@@ -2143,9 +2079,7 @@
           <p:txBody>
             <a:bodyPr wrap="square" lIns="0" tIns="0" rIns="0" bIns="0" rtlCol="0"/>
             <a:lstStyle/>
-            <a:p>
-              <a:endParaRPr/>
-            </a:p>
+            <a:p/>
           </p:txBody>
         </p:sp>
       </p:grpSp>
@@ -2217,9 +2151,7 @@
           <p:txBody>
             <a:bodyPr wrap="square" lIns="0" tIns="0" rIns="0" bIns="0" rtlCol="0"/>
             <a:lstStyle/>
-            <a:p>
-              <a:endParaRPr/>
-            </a:p>
+            <a:p/>
           </p:txBody>
         </p:sp>
         <p:sp>
@@ -2275,14 +2207,34 @@
           <p:txBody>
             <a:bodyPr wrap="square" lIns="0" tIns="0" rIns="0" bIns="0" rtlCol="0"/>
             <a:lstStyle/>
-            <a:p>
-              <a:endParaRPr/>
-            </a:p>
+            <a:p/>
           </p:txBody>
         </p:sp>
         <p:pic>
           <p:nvPicPr>
             <p:cNvPr id="15" name="object 15"/>
+            <p:cNvPicPr/>
+            <p:nvPr/>
+          </p:nvPicPr>
+          <p:blipFill>
+            <a:blip r:embed="rId5" cstate="print"/>
+            <a:stretch>
+              <a:fillRect/>
+            </a:stretch>
+          </p:blipFill>
+          <p:spPr>
+            <a:xfrm>
+              <a:off x="3179318" y="3646373"/>
+              <a:ext cx="1538224" cy="305104"/>
+            </a:xfrm>
+            <a:prstGeom prst="rect">
+              <a:avLst/>
+            </a:prstGeom>
+          </p:spPr>
+        </p:pic>
+        <p:pic>
+          <p:nvPicPr>
+            <p:cNvPr id="16" name="object 16"/>
             <p:cNvPicPr/>
             <p:nvPr/>
           </p:nvPicPr>
@@ -2294,28 +2246,6 @@
           </p:blipFill>
           <p:spPr>
             <a:xfrm>
-              <a:off x="3179318" y="3646373"/>
-              <a:ext cx="1538224" cy="305104"/>
-            </a:xfrm>
-            <a:prstGeom prst="rect">
-              <a:avLst/>
-            </a:prstGeom>
-          </p:spPr>
-        </p:pic>
-        <p:pic>
-          <p:nvPicPr>
-            <p:cNvPr id="16" name="object 16"/>
-            <p:cNvPicPr/>
-            <p:nvPr/>
-          </p:nvPicPr>
-          <p:blipFill>
-            <a:blip r:embed="rId7" cstate="print"/>
-            <a:stretch>
-              <a:fillRect/>
-            </a:stretch>
-          </p:blipFill>
-          <p:spPr>
-            <a:xfrm>
               <a:off x="3179318" y="3921251"/>
               <a:ext cx="1691005" cy="304800"/>
             </a:xfrm>
@@ -2331,7 +2261,7 @@
             <p:nvPr/>
           </p:nvPicPr>
           <p:blipFill>
-            <a:blip r:embed="rId8" cstate="print"/>
+            <a:blip r:embed="rId7" cstate="print"/>
             <a:stretch>
               <a:fillRect/>
             </a:stretch>
@@ -2403,9 +2333,7 @@
           <p:txBody>
             <a:bodyPr wrap="square" lIns="0" tIns="0" rIns="0" bIns="0" rtlCol="0"/>
             <a:lstStyle/>
-            <a:p>
-              <a:endParaRPr/>
-            </a:p>
+            <a:p/>
           </p:txBody>
         </p:sp>
         <p:sp>
@@ -2452,9 +2380,7 @@
           <p:txBody>
             <a:bodyPr wrap="square" lIns="0" tIns="0" rIns="0" bIns="0" rtlCol="0"/>
             <a:lstStyle/>
-            <a:p>
-              <a:endParaRPr/>
-            </a:p>
+            <a:p/>
           </p:txBody>
         </p:sp>
       </p:grpSp>
@@ -2526,9 +2452,7 @@
           <p:txBody>
             <a:bodyPr wrap="square" lIns="0" tIns="0" rIns="0" bIns="0" rtlCol="0"/>
             <a:lstStyle/>
-            <a:p>
-              <a:endParaRPr/>
-            </a:p>
+            <a:p/>
           </p:txBody>
         </p:sp>
         <p:sp>
@@ -2584,14 +2508,34 @@
           <p:txBody>
             <a:bodyPr wrap="square" lIns="0" tIns="0" rIns="0" bIns="0" rtlCol="0"/>
             <a:lstStyle/>
-            <a:p>
-              <a:endParaRPr/>
-            </a:p>
+            <a:p/>
           </p:txBody>
         </p:sp>
         <p:pic>
           <p:nvPicPr>
             <p:cNvPr id="24" name="object 24"/>
+            <p:cNvPicPr/>
+            <p:nvPr/>
+          </p:nvPicPr>
+          <p:blipFill>
+            <a:blip r:embed="rId8" cstate="print"/>
+            <a:stretch>
+              <a:fillRect/>
+            </a:stretch>
+          </p:blipFill>
+          <p:spPr>
+            <a:xfrm>
+              <a:off x="5374893" y="3103499"/>
+              <a:ext cx="1396492" cy="304800"/>
+            </a:xfrm>
+            <a:prstGeom prst="rect">
+              <a:avLst/>
+            </a:prstGeom>
+          </p:spPr>
+        </p:pic>
+        <p:pic>
+          <p:nvPicPr>
+            <p:cNvPr id="25" name="object 25"/>
             <p:cNvPicPr/>
             <p:nvPr/>
           </p:nvPicPr>
@@ -2603,28 +2547,6 @@
           </p:blipFill>
           <p:spPr>
             <a:xfrm>
-              <a:off x="5374893" y="3103499"/>
-              <a:ext cx="1396492" cy="304800"/>
-            </a:xfrm>
-            <a:prstGeom prst="rect">
-              <a:avLst/>
-            </a:prstGeom>
-          </p:spPr>
-        </p:pic>
-        <p:pic>
-          <p:nvPicPr>
-            <p:cNvPr id="25" name="object 25"/>
-            <p:cNvPicPr/>
-            <p:nvPr/>
-          </p:nvPicPr>
-          <p:blipFill>
-            <a:blip r:embed="rId10" cstate="print"/>
-            <a:stretch>
-              <a:fillRect/>
-            </a:stretch>
-          </p:blipFill>
-          <p:spPr>
-            <a:xfrm>
               <a:off x="5374893" y="3377819"/>
               <a:ext cx="1224152" cy="304799"/>
             </a:xfrm>
@@ -2640,7 +2562,7 @@
             <p:nvPr/>
           </p:nvPicPr>
           <p:blipFill>
-            <a:blip r:embed="rId11" cstate="print"/>
+            <a:blip r:embed="rId10" cstate="print"/>
             <a:stretch>
               <a:fillRect/>
             </a:stretch>
@@ -2712,9 +2634,7 @@
           <p:txBody>
             <a:bodyPr wrap="square" lIns="0" tIns="0" rIns="0" bIns="0" rtlCol="0"/>
             <a:lstStyle/>
-            <a:p>
-              <a:endParaRPr/>
-            </a:p>
+            <a:p/>
           </p:txBody>
         </p:sp>
         <p:sp>
@@ -2761,9 +2681,7 @@
           <p:txBody>
             <a:bodyPr wrap="square" lIns="0" tIns="0" rIns="0" bIns="0" rtlCol="0"/>
             <a:lstStyle/>
-            <a:p>
-              <a:endParaRPr/>
-            </a:p>
+            <a:p/>
           </p:txBody>
         </p:sp>
       </p:grpSp>
@@ -2835,9 +2753,7 @@
           <p:txBody>
             <a:bodyPr wrap="square" lIns="0" tIns="0" rIns="0" bIns="0" rtlCol="0"/>
             <a:lstStyle/>
-            <a:p>
-              <a:endParaRPr/>
-            </a:p>
+            <a:p/>
           </p:txBody>
         </p:sp>
         <p:sp>
@@ -2893,14 +2809,34 @@
           <p:txBody>
             <a:bodyPr wrap="square" lIns="0" tIns="0" rIns="0" bIns="0" rtlCol="0"/>
             <a:lstStyle/>
-            <a:p>
-              <a:endParaRPr/>
-            </a:p>
+            <a:p/>
           </p:txBody>
         </p:sp>
         <p:pic>
           <p:nvPicPr>
             <p:cNvPr id="33" name="object 33"/>
+            <p:cNvPicPr/>
+            <p:nvPr/>
+          </p:nvPicPr>
+          <p:blipFill>
+            <a:blip r:embed="rId11" cstate="print"/>
+            <a:stretch>
+              <a:fillRect/>
+            </a:stretch>
+          </p:blipFill>
+          <p:spPr>
+            <a:xfrm>
+              <a:off x="7569961" y="2559761"/>
+              <a:ext cx="1078471" cy="305104"/>
+            </a:xfrm>
+            <a:prstGeom prst="rect">
+              <a:avLst/>
+            </a:prstGeom>
+          </p:spPr>
+        </p:pic>
+        <p:pic>
+          <p:nvPicPr>
+            <p:cNvPr id="34" name="object 34"/>
             <p:cNvPicPr/>
             <p:nvPr/>
           </p:nvPicPr>
@@ -2912,8 +2848,8 @@
           </p:blipFill>
           <p:spPr>
             <a:xfrm>
-              <a:off x="7569961" y="2559761"/>
-              <a:ext cx="1078471" cy="305104"/>
+              <a:off x="7569961" y="2834640"/>
+              <a:ext cx="1677797" cy="304800"/>
             </a:xfrm>
             <a:prstGeom prst="rect">
               <a:avLst/>
@@ -2922,7 +2858,7 @@
         </p:pic>
         <p:pic>
           <p:nvPicPr>
-            <p:cNvPr id="34" name="object 34"/>
+            <p:cNvPr id="35" name="object 35"/>
             <p:cNvPicPr/>
             <p:nvPr/>
           </p:nvPicPr>
@@ -2934,8 +2870,8 @@
           </p:blipFill>
           <p:spPr>
             <a:xfrm>
-              <a:off x="7569961" y="2834640"/>
-              <a:ext cx="1677797" cy="304800"/>
+              <a:off x="7569961" y="3108960"/>
+              <a:ext cx="1174775" cy="304800"/>
             </a:xfrm>
             <a:prstGeom prst="rect">
               <a:avLst/>
@@ -2944,7 +2880,7 @@
         </p:pic>
         <p:pic>
           <p:nvPicPr>
-            <p:cNvPr id="35" name="object 35"/>
+            <p:cNvPr id="36" name="object 36"/>
             <p:cNvPicPr/>
             <p:nvPr/>
           </p:nvPicPr>
@@ -2956,28 +2892,6 @@
           </p:blipFill>
           <p:spPr>
             <a:xfrm>
-              <a:off x="7569961" y="3108960"/>
-              <a:ext cx="1174775" cy="304800"/>
-            </a:xfrm>
-            <a:prstGeom prst="rect">
-              <a:avLst/>
-            </a:prstGeom>
-          </p:spPr>
-        </p:pic>
-        <p:pic>
-          <p:nvPicPr>
-            <p:cNvPr id="36" name="object 36"/>
-            <p:cNvPicPr/>
-            <p:nvPr/>
-          </p:nvPicPr>
-          <p:blipFill>
-            <a:blip r:embed="rId15" cstate="print"/>
-            <a:stretch>
-              <a:fillRect/>
-            </a:stretch>
-          </p:blipFill>
-          <p:spPr>
-            <a:xfrm>
               <a:off x="7569961" y="3383280"/>
               <a:ext cx="1624583" cy="304800"/>
             </a:xfrm>
@@ -2993,7 +2907,7 @@
             <p:nvPr/>
           </p:nvPicPr>
           <p:blipFill>
-            <a:blip r:embed="rId16" cstate="print"/>
+            <a:blip r:embed="rId15" cstate="print"/>
             <a:stretch>
               <a:fillRect/>
             </a:stretch>
@@ -3065,9 +2979,7 @@
           <p:txBody>
             <a:bodyPr wrap="square" lIns="0" tIns="0" rIns="0" bIns="0" rtlCol="0"/>
             <a:lstStyle/>
-            <a:p>
-              <a:endParaRPr/>
-            </a:p>
+            <a:p/>
           </p:txBody>
         </p:sp>
         <p:sp>
@@ -3114,9 +3026,7 @@
           <p:txBody>
             <a:bodyPr wrap="square" lIns="0" tIns="0" rIns="0" bIns="0" rtlCol="0"/>
             <a:lstStyle/>
-            <a:p>
-              <a:endParaRPr/>
-            </a:p>
+            <a:p/>
           </p:txBody>
         </p:sp>
       </p:grpSp>
@@ -3188,9 +3098,7 @@
           <p:txBody>
             <a:bodyPr wrap="square" lIns="0" tIns="0" rIns="0" bIns="0" rtlCol="0"/>
             <a:lstStyle/>
-            <a:p>
-              <a:endParaRPr/>
-            </a:p>
+            <a:p/>
           </p:txBody>
         </p:sp>
         <p:sp>
@@ -3246,14 +3154,34 @@
           <p:txBody>
             <a:bodyPr wrap="square" lIns="0" tIns="0" rIns="0" bIns="0" rtlCol="0"/>
             <a:lstStyle/>
-            <a:p>
-              <a:endParaRPr/>
-            </a:p>
+            <a:p/>
           </p:txBody>
         </p:sp>
         <p:pic>
           <p:nvPicPr>
             <p:cNvPr id="44" name="object 44"/>
+            <p:cNvPicPr/>
+            <p:nvPr/>
+          </p:nvPicPr>
+          <p:blipFill>
+            <a:blip r:embed="rId16" cstate="print"/>
+            <a:stretch>
+              <a:fillRect/>
+            </a:stretch>
+          </p:blipFill>
+          <p:spPr>
+            <a:xfrm>
+              <a:off x="9765538" y="2016887"/>
+              <a:ext cx="1400175" cy="304800"/>
+            </a:xfrm>
+            <a:prstGeom prst="rect">
+              <a:avLst/>
+            </a:prstGeom>
+          </p:spPr>
+        </p:pic>
+        <p:pic>
+          <p:nvPicPr>
+            <p:cNvPr id="45" name="object 45"/>
             <p:cNvPicPr/>
             <p:nvPr/>
           </p:nvPicPr>
@@ -3265,8 +3193,8 @@
           </p:blipFill>
           <p:spPr>
             <a:xfrm>
-              <a:off x="9765538" y="2016887"/>
-              <a:ext cx="1400175" cy="304800"/>
+              <a:off x="9765538" y="2291206"/>
+              <a:ext cx="1183347" cy="304800"/>
             </a:xfrm>
             <a:prstGeom prst="rect">
               <a:avLst/>
@@ -3275,7 +3203,7 @@
         </p:pic>
         <p:pic>
           <p:nvPicPr>
-            <p:cNvPr id="45" name="object 45"/>
+            <p:cNvPr id="46" name="object 46"/>
             <p:cNvPicPr/>
             <p:nvPr/>
           </p:nvPicPr>
@@ -3287,28 +3215,6 @@
           </p:blipFill>
           <p:spPr>
             <a:xfrm>
-              <a:off x="9765538" y="2291206"/>
-              <a:ext cx="1183347" cy="304800"/>
-            </a:xfrm>
-            <a:prstGeom prst="rect">
-              <a:avLst/>
-            </a:prstGeom>
-          </p:spPr>
-        </p:pic>
-        <p:pic>
-          <p:nvPicPr>
-            <p:cNvPr id="46" name="object 46"/>
-            <p:cNvPicPr/>
-            <p:nvPr/>
-          </p:nvPicPr>
-          <p:blipFill>
-            <a:blip r:embed="rId19" cstate="print"/>
-            <a:stretch>
-              <a:fillRect/>
-            </a:stretch>
-          </p:blipFill>
-          <p:spPr>
-            <a:xfrm>
               <a:off x="9765538" y="2565476"/>
               <a:ext cx="1519936" cy="305104"/>
             </a:xfrm>
@@ -3324,7 +3230,7 @@
             <p:nvPr/>
           </p:nvPicPr>
           <p:blipFill>
-            <a:blip r:embed="rId20" cstate="print"/>
+            <a:blip r:embed="rId19" cstate="print"/>
             <a:stretch>
               <a:fillRect/>
             </a:stretch>
@@ -3357,7 +3263,6 @@
           <a:p>
             <a:fld id="{B6F15528-21DE-4FAA-801E-634DDDAF4B2B}" type="slidenum">
               <a:rPr/>
-              <a:t>10</a:t>
             </a:fld>
             <a:endParaRPr/>
           </a:p>
@@ -3409,6 +3314,28 @@
             <p:nvPr/>
           </p:nvPicPr>
           <p:blipFill>
+            <a:blip r:embed="rId1" cstate="print"/>
+            <a:stretch>
+              <a:fillRect/>
+            </a:stretch>
+          </p:blipFill>
+          <p:spPr>
+            <a:xfrm>
+              <a:off x="0" y="0"/>
+              <a:ext cx="4636008" cy="6858000"/>
+            </a:xfrm>
+            <a:prstGeom prst="rect">
+              <a:avLst/>
+            </a:prstGeom>
+          </p:spPr>
+        </p:pic>
+        <p:pic>
+          <p:nvPicPr>
+            <p:cNvPr id="4" name="object 4"/>
+            <p:cNvPicPr/>
+            <p:nvPr/>
+          </p:nvPicPr>
+          <p:blipFill>
             <a:blip r:embed="rId2" cstate="print"/>
             <a:stretch>
               <a:fillRect/>
@@ -3416,28 +3343,6 @@
           </p:blipFill>
           <p:spPr>
             <a:xfrm>
-              <a:off x="0" y="0"/>
-              <a:ext cx="4636008" cy="6858000"/>
-            </a:xfrm>
-            <a:prstGeom prst="rect">
-              <a:avLst/>
-            </a:prstGeom>
-          </p:spPr>
-        </p:pic>
-        <p:pic>
-          <p:nvPicPr>
-            <p:cNvPr id="4" name="object 4"/>
-            <p:cNvPicPr/>
-            <p:nvPr/>
-          </p:nvPicPr>
-          <p:blipFill>
-            <a:blip r:embed="rId3" cstate="print"/>
-            <a:stretch>
-              <a:fillRect/>
-            </a:stretch>
-          </p:blipFill>
-          <p:spPr>
-            <a:xfrm>
               <a:off x="1639189" y="1948560"/>
               <a:ext cx="1689735" cy="548639"/>
             </a:xfrm>
@@ -3453,7 +3358,7 @@
             <p:nvPr/>
           </p:nvPicPr>
           <p:blipFill>
-            <a:blip r:embed="rId4" cstate="print"/>
+            <a:blip r:embed="rId3" cstate="print"/>
             <a:stretch>
               <a:fillRect/>
             </a:stretch>
@@ -3476,7 +3381,7 @@
           <p:nvPr/>
         </p:nvPicPr>
         <p:blipFill>
-          <a:blip r:embed="rId5" cstate="print"/>
+          <a:blip r:embed="rId4" cstate="print"/>
           <a:stretch>
             <a:fillRect/>
           </a:stretch>
@@ -3508,7 +3413,6 @@
           <a:p>
             <a:fld id="{B6F15528-21DE-4FAA-801E-634DDDAF4B2B}" type="slidenum">
               <a:rPr/>
-              <a:t>11</a:t>
             </a:fld>
             <a:endParaRPr/>
           </a:p>
@@ -3546,7 +3450,7 @@
           <p:nvPr/>
         </p:nvPicPr>
         <p:blipFill>
-          <a:blip r:embed="rId2" cstate="print"/>
+          <a:blip r:embed="rId1" cstate="print"/>
           <a:stretch>
             <a:fillRect/>
           </a:stretch>
@@ -3629,9 +3533,7 @@
           <p:txBody>
             <a:bodyPr wrap="square" lIns="0" tIns="0" rIns="0" bIns="0" rtlCol="0"/>
             <a:lstStyle/>
-            <a:p>
-              <a:endParaRPr/>
-            </a:p>
+            <a:p/>
           </p:txBody>
         </p:sp>
         <p:sp>
@@ -3811,9 +3713,7 @@
           <p:txBody>
             <a:bodyPr wrap="square" lIns="0" tIns="0" rIns="0" bIns="0" rtlCol="0"/>
             <a:lstStyle/>
-            <a:p>
-              <a:endParaRPr/>
-            </a:p>
+            <a:p/>
           </p:txBody>
         </p:sp>
         <p:sp>
@@ -3995,9 +3895,7 @@
           <p:txBody>
             <a:bodyPr wrap="square" lIns="0" tIns="0" rIns="0" bIns="0" rtlCol="0"/>
             <a:lstStyle/>
-            <a:p>
-              <a:endParaRPr/>
-            </a:p>
+            <a:p/>
           </p:txBody>
         </p:sp>
         <p:pic>
@@ -4007,7 +3905,7 @@
             <p:nvPr/>
           </p:nvPicPr>
           <p:blipFill>
-            <a:blip r:embed="rId3" cstate="print"/>
+            <a:blip r:embed="rId2" cstate="print"/>
             <a:stretch>
               <a:fillRect/>
             </a:stretch>
@@ -4029,7 +3927,7 @@
             <p:nvPr/>
           </p:nvPicPr>
           <p:blipFill>
-            <a:blip r:embed="rId4" cstate="print"/>
+            <a:blip r:embed="rId3" cstate="print"/>
             <a:stretch>
               <a:fillRect/>
             </a:stretch>
@@ -4221,9 +4119,7 @@
           <p:txBody>
             <a:bodyPr wrap="square" lIns="0" tIns="0" rIns="0" bIns="0" rtlCol="0"/>
             <a:lstStyle/>
-            <a:p>
-              <a:endParaRPr/>
-            </a:p>
+            <a:p/>
           </p:txBody>
         </p:sp>
         <p:sp>
@@ -4405,9 +4301,7 @@
           <p:txBody>
             <a:bodyPr wrap="square" lIns="0" tIns="0" rIns="0" bIns="0" rtlCol="0"/>
             <a:lstStyle/>
-            <a:p>
-              <a:endParaRPr/>
-            </a:p>
+            <a:p/>
           </p:txBody>
         </p:sp>
         <p:pic>
@@ -4417,7 +4311,7 @@
             <p:nvPr/>
           </p:nvPicPr>
           <p:blipFill>
-            <a:blip r:embed="rId5" cstate="print"/>
+            <a:blip r:embed="rId4" cstate="print"/>
             <a:stretch>
               <a:fillRect/>
             </a:stretch>
@@ -4439,7 +4333,7 @@
             <p:nvPr/>
           </p:nvPicPr>
           <p:blipFill>
-            <a:blip r:embed="rId6" cstate="print"/>
+            <a:blip r:embed="rId5" cstate="print"/>
             <a:stretch>
               <a:fillRect/>
             </a:stretch>
@@ -4631,9 +4525,7 @@
           <p:txBody>
             <a:bodyPr wrap="square" lIns="0" tIns="0" rIns="0" bIns="0" rtlCol="0"/>
             <a:lstStyle/>
-            <a:p>
-              <a:endParaRPr/>
-            </a:p>
+            <a:p/>
           </p:txBody>
         </p:sp>
         <p:sp>
@@ -4815,14 +4707,34 @@
           <p:txBody>
             <a:bodyPr wrap="square" lIns="0" tIns="0" rIns="0" bIns="0" rtlCol="0"/>
             <a:lstStyle/>
-            <a:p>
-              <a:endParaRPr/>
-            </a:p>
+            <a:p/>
           </p:txBody>
         </p:sp>
         <p:pic>
           <p:nvPicPr>
             <p:cNvPr id="15" name="object 15"/>
+            <p:cNvPicPr/>
+            <p:nvPr/>
+          </p:nvPicPr>
+          <p:blipFill>
+            <a:blip r:embed="rId6" cstate="print"/>
+            <a:stretch>
+              <a:fillRect/>
+            </a:stretch>
+          </p:blipFill>
+          <p:spPr>
+            <a:xfrm>
+              <a:off x="8529827" y="3018154"/>
+              <a:ext cx="2288667" cy="518160"/>
+            </a:xfrm>
+            <a:prstGeom prst="rect">
+              <a:avLst/>
+            </a:prstGeom>
+          </p:spPr>
+        </p:pic>
+        <p:pic>
+          <p:nvPicPr>
+            <p:cNvPr id="16" name="object 16"/>
             <p:cNvPicPr/>
             <p:nvPr/>
           </p:nvPicPr>
@@ -4834,8 +4746,8 @@
           </p:blipFill>
           <p:spPr>
             <a:xfrm>
-              <a:off x="8529827" y="3018154"/>
-              <a:ext cx="2288667" cy="518160"/>
+              <a:off x="8304275" y="3484448"/>
+              <a:ext cx="1559687" cy="518464"/>
             </a:xfrm>
             <a:prstGeom prst="rect">
               <a:avLst/>
@@ -4844,7 +4756,7 @@
         </p:pic>
         <p:pic>
           <p:nvPicPr>
-            <p:cNvPr id="16" name="object 16"/>
+            <p:cNvPr id="17" name="object 17"/>
             <p:cNvPicPr/>
             <p:nvPr/>
           </p:nvPicPr>
@@ -4856,8 +4768,8 @@
           </p:blipFill>
           <p:spPr>
             <a:xfrm>
-              <a:off x="8304275" y="3484448"/>
-              <a:ext cx="1559687" cy="518464"/>
+              <a:off x="9641077" y="3484448"/>
+              <a:ext cx="350520" cy="518464"/>
             </a:xfrm>
             <a:prstGeom prst="rect">
               <a:avLst/>
@@ -4866,7 +4778,7 @@
         </p:pic>
         <p:pic>
           <p:nvPicPr>
-            <p:cNvPr id="17" name="object 17"/>
+            <p:cNvPr id="18" name="object 18"/>
             <p:cNvPicPr/>
             <p:nvPr/>
           </p:nvPicPr>
@@ -4878,28 +4790,6 @@
           </p:blipFill>
           <p:spPr>
             <a:xfrm>
-              <a:off x="9641077" y="3484448"/>
-              <a:ext cx="350520" cy="518464"/>
-            </a:xfrm>
-            <a:prstGeom prst="rect">
-              <a:avLst/>
-            </a:prstGeom>
-          </p:spPr>
-        </p:pic>
-        <p:pic>
-          <p:nvPicPr>
-            <p:cNvPr id="18" name="object 18"/>
-            <p:cNvPicPr/>
-            <p:nvPr/>
-          </p:nvPicPr>
-          <p:blipFill>
-            <a:blip r:embed="rId10" cstate="print"/>
-            <a:stretch>
-              <a:fillRect/>
-            </a:stretch>
-          </p:blipFill>
-          <p:spPr>
-            <a:xfrm>
               <a:off x="9816337" y="3484448"/>
               <a:ext cx="1225296" cy="518464"/>
             </a:xfrm>
@@ -4915,7 +4805,7 @@
             <p:nvPr/>
           </p:nvPicPr>
           <p:blipFill>
-            <a:blip r:embed="rId11" cstate="print"/>
+            <a:blip r:embed="rId10" cstate="print"/>
             <a:stretch>
               <a:fillRect/>
             </a:stretch>
@@ -4948,7 +4838,6 @@
           <a:p>
             <a:fld id="{B6F15528-21DE-4FAA-801E-634DDDAF4B2B}" type="slidenum">
               <a:rPr/>
-              <a:t>12</a:t>
             </a:fld>
             <a:endParaRPr/>
           </a:p>
@@ -4986,7 +4875,7 @@
           <p:nvPr/>
         </p:nvPicPr>
         <p:blipFill>
-          <a:blip r:embed="rId2" cstate="print"/>
+          <a:blip r:embed="rId1" cstate="print"/>
           <a:stretch>
             <a:fillRect/>
           </a:stretch>
@@ -5060,9 +4949,7 @@
           <p:txBody>
             <a:bodyPr wrap="square" lIns="0" tIns="0" rIns="0" bIns="0" rtlCol="0"/>
             <a:lstStyle/>
-            <a:p>
-              <a:endParaRPr/>
-            </a:p>
+            <a:p/>
           </p:txBody>
         </p:sp>
         <p:sp>
@@ -5112,14 +4999,34 @@
           <p:txBody>
             <a:bodyPr wrap="square" lIns="0" tIns="0" rIns="0" bIns="0" rtlCol="0"/>
             <a:lstStyle/>
-            <a:p>
-              <a:endParaRPr/>
-            </a:p>
+            <a:p/>
           </p:txBody>
         </p:sp>
         <p:pic>
           <p:nvPicPr>
             <p:cNvPr id="6" name="object 6"/>
+            <p:cNvPicPr/>
+            <p:nvPr/>
+          </p:nvPicPr>
+          <p:blipFill>
+            <a:blip r:embed="rId2" cstate="print"/>
+            <a:stretch>
+              <a:fillRect/>
+            </a:stretch>
+          </p:blipFill>
+          <p:spPr>
+            <a:xfrm>
+              <a:off x="2643885" y="1670888"/>
+              <a:ext cx="3483355" cy="518464"/>
+            </a:xfrm>
+            <a:prstGeom prst="rect">
+              <a:avLst/>
+            </a:prstGeom>
+          </p:spPr>
+        </p:pic>
+        <p:pic>
+          <p:nvPicPr>
+            <p:cNvPr id="7" name="object 7"/>
             <p:cNvPicPr/>
             <p:nvPr/>
           </p:nvPicPr>
@@ -5131,8 +5038,8 @@
           </p:blipFill>
           <p:spPr>
             <a:xfrm>
-              <a:off x="2643885" y="1670888"/>
-              <a:ext cx="3483355" cy="518464"/>
+              <a:off x="2956305" y="2137918"/>
+              <a:ext cx="1227200" cy="518160"/>
             </a:xfrm>
             <a:prstGeom prst="rect">
               <a:avLst/>
@@ -5141,7 +5048,7 @@
         </p:pic>
         <p:pic>
           <p:nvPicPr>
-            <p:cNvPr id="7" name="object 7"/>
+            <p:cNvPr id="8" name="object 8"/>
             <p:cNvPicPr/>
             <p:nvPr/>
           </p:nvPicPr>
@@ -5153,8 +5060,8 @@
           </p:blipFill>
           <p:spPr>
             <a:xfrm>
-              <a:off x="2956305" y="2137918"/>
-              <a:ext cx="1227200" cy="518160"/>
+              <a:off x="3938015" y="2137918"/>
+              <a:ext cx="350520" cy="518160"/>
             </a:xfrm>
             <a:prstGeom prst="rect">
               <a:avLst/>
@@ -5163,7 +5070,7 @@
         </p:pic>
         <p:pic>
           <p:nvPicPr>
-            <p:cNvPr id="8" name="object 8"/>
+            <p:cNvPr id="9" name="object 9"/>
             <p:cNvPicPr/>
             <p:nvPr/>
           </p:nvPicPr>
@@ -5175,28 +5082,6 @@
           </p:blipFill>
           <p:spPr>
             <a:xfrm>
-              <a:off x="3938015" y="2137918"/>
-              <a:ext cx="350520" cy="518160"/>
-            </a:xfrm>
-            <a:prstGeom prst="rect">
-              <a:avLst/>
-            </a:prstGeom>
-          </p:spPr>
-        </p:pic>
-        <p:pic>
-          <p:nvPicPr>
-            <p:cNvPr id="9" name="object 9"/>
-            <p:cNvPicPr/>
-            <p:nvPr/>
-          </p:nvPicPr>
-          <p:blipFill>
-            <a:blip r:embed="rId6" cstate="print"/>
-            <a:stretch>
-              <a:fillRect/>
-            </a:stretch>
-          </p:blipFill>
-          <p:spPr>
-            <a:xfrm>
               <a:off x="4113275" y="2137918"/>
               <a:ext cx="1744218" cy="518160"/>
             </a:xfrm>
@@ -5212,7 +5097,7 @@
             <p:nvPr/>
           </p:nvPicPr>
           <p:blipFill>
-            <a:blip r:embed="rId7" cstate="print"/>
+            <a:blip r:embed="rId6" cstate="print"/>
             <a:stretch>
               <a:fillRect/>
             </a:stretch>
@@ -5287,9 +5172,7 @@
           <p:txBody>
             <a:bodyPr wrap="square" lIns="0" tIns="0" rIns="0" bIns="0" rtlCol="0"/>
             <a:lstStyle/>
-            <a:p>
-              <a:endParaRPr/>
-            </a:p>
+            <a:p/>
           </p:txBody>
         </p:sp>
         <p:sp>
@@ -5339,9 +5222,7 @@
           <p:txBody>
             <a:bodyPr wrap="square" lIns="0" tIns="0" rIns="0" bIns="0" rtlCol="0"/>
             <a:lstStyle/>
-            <a:p>
-              <a:endParaRPr/>
-            </a:p>
+            <a:p/>
           </p:txBody>
         </p:sp>
         <p:pic>
@@ -5351,7 +5232,7 @@
             <p:nvPr/>
           </p:nvPicPr>
           <p:blipFill>
-            <a:blip r:embed="rId8" cstate="print"/>
+            <a:blip r:embed="rId7" cstate="print"/>
             <a:stretch>
               <a:fillRect/>
             </a:stretch>
@@ -5373,7 +5254,7 @@
             <p:nvPr/>
           </p:nvPicPr>
           <p:blipFill>
-            <a:blip r:embed="rId9" cstate="print"/>
+            <a:blip r:embed="rId8" cstate="print"/>
             <a:stretch>
               <a:fillRect/>
             </a:stretch>
@@ -5448,9 +5329,7 @@
           <p:txBody>
             <a:bodyPr wrap="square" lIns="0" tIns="0" rIns="0" bIns="0" rtlCol="0"/>
             <a:lstStyle/>
-            <a:p>
-              <a:endParaRPr/>
-            </a:p>
+            <a:p/>
           </p:txBody>
         </p:sp>
         <p:sp>
@@ -5500,14 +5379,34 @@
           <p:txBody>
             <a:bodyPr wrap="square" lIns="0" tIns="0" rIns="0" bIns="0" rtlCol="0"/>
             <a:lstStyle/>
-            <a:p>
-              <a:endParaRPr/>
-            </a:p>
+            <a:p/>
           </p:txBody>
         </p:sp>
         <p:pic>
           <p:nvPicPr>
             <p:cNvPr id="19" name="object 19"/>
+            <p:cNvPicPr/>
+            <p:nvPr/>
+          </p:nvPicPr>
+          <p:blipFill>
+            <a:blip r:embed="rId9" cstate="print"/>
+            <a:stretch>
+              <a:fillRect/>
+            </a:stretch>
+          </p:blipFill>
+          <p:spPr>
+            <a:xfrm>
+              <a:off x="2666745" y="4062983"/>
+              <a:ext cx="3462020" cy="518159"/>
+            </a:xfrm>
+            <a:prstGeom prst="rect">
+              <a:avLst/>
+            </a:prstGeom>
+          </p:spPr>
+        </p:pic>
+        <p:pic>
+          <p:nvPicPr>
+            <p:cNvPr id="20" name="object 20"/>
             <p:cNvPicPr/>
             <p:nvPr/>
           </p:nvPicPr>
@@ -5519,28 +5418,6 @@
           </p:blipFill>
           <p:spPr>
             <a:xfrm>
-              <a:off x="2666745" y="4062983"/>
-              <a:ext cx="3462020" cy="518159"/>
-            </a:xfrm>
-            <a:prstGeom prst="rect">
-              <a:avLst/>
-            </a:prstGeom>
-          </p:spPr>
-        </p:pic>
-        <p:pic>
-          <p:nvPicPr>
-            <p:cNvPr id="20" name="object 20"/>
-            <p:cNvPicPr/>
-            <p:nvPr/>
-          </p:nvPicPr>
-          <p:blipFill>
-            <a:blip r:embed="rId11" cstate="print"/>
-            <a:stretch>
-              <a:fillRect/>
-            </a:stretch>
-          </p:blipFill>
-          <p:spPr>
-            <a:xfrm>
               <a:off x="3034029" y="4529023"/>
               <a:ext cx="2725293" cy="518464"/>
             </a:xfrm>
@@ -5556,7 +5433,7 @@
             <p:nvPr/>
           </p:nvPicPr>
           <p:blipFill>
-            <a:blip r:embed="rId12" cstate="print"/>
+            <a:blip r:embed="rId11" cstate="print"/>
             <a:stretch>
               <a:fillRect/>
             </a:stretch>
@@ -5631,9 +5508,7 @@
           <p:txBody>
             <a:bodyPr wrap="square" lIns="0" tIns="0" rIns="0" bIns="0" rtlCol="0"/>
             <a:lstStyle/>
-            <a:p>
-              <a:endParaRPr/>
-            </a:p>
+            <a:p/>
           </p:txBody>
         </p:sp>
         <p:sp>
@@ -5683,14 +5558,56 @@
           <p:txBody>
             <a:bodyPr wrap="square" lIns="0" tIns="0" rIns="0" bIns="0" rtlCol="0"/>
             <a:lstStyle/>
-            <a:p>
-              <a:endParaRPr/>
-            </a:p>
+            <a:p/>
           </p:txBody>
         </p:sp>
         <p:pic>
           <p:nvPicPr>
             <p:cNvPr id="25" name="object 25"/>
+            <p:cNvPicPr/>
+            <p:nvPr/>
+          </p:nvPicPr>
+          <p:blipFill>
+            <a:blip r:embed="rId12" cstate="print"/>
+            <a:stretch>
+              <a:fillRect/>
+            </a:stretch>
+          </p:blipFill>
+          <p:spPr>
+            <a:xfrm>
+              <a:off x="6605905" y="4062983"/>
+              <a:ext cx="2796794" cy="518159"/>
+            </a:xfrm>
+            <a:prstGeom prst="rect">
+              <a:avLst/>
+            </a:prstGeom>
+          </p:spPr>
+        </p:pic>
+        <p:pic>
+          <p:nvPicPr>
+            <p:cNvPr id="26" name="object 26"/>
+            <p:cNvPicPr/>
+            <p:nvPr/>
+          </p:nvPicPr>
+          <p:blipFill>
+            <a:blip r:embed="rId4" cstate="print"/>
+            <a:stretch>
+              <a:fillRect/>
+            </a:stretch>
+          </p:blipFill>
+          <p:spPr>
+            <a:xfrm>
+              <a:off x="9169654" y="4062983"/>
+              <a:ext cx="350520" cy="518159"/>
+            </a:xfrm>
+            <a:prstGeom prst="rect">
+              <a:avLst/>
+            </a:prstGeom>
+          </p:spPr>
+        </p:pic>
+        <p:pic>
+          <p:nvPicPr>
+            <p:cNvPr id="27" name="object 27"/>
             <p:cNvPicPr/>
             <p:nvPr/>
           </p:nvPicPr>
@@ -5702,8 +5619,8 @@
           </p:blipFill>
           <p:spPr>
             <a:xfrm>
-              <a:off x="6605905" y="4062983"/>
-              <a:ext cx="2796794" cy="518159"/>
+              <a:off x="6708013" y="4529023"/>
+              <a:ext cx="585216" cy="518464"/>
             </a:xfrm>
             <a:prstGeom prst="rect">
               <a:avLst/>
@@ -5712,20 +5629,20 @@
         </p:pic>
         <p:pic>
           <p:nvPicPr>
-            <p:cNvPr id="26" name="object 26"/>
+            <p:cNvPr id="28" name="object 28"/>
             <p:cNvPicPr/>
             <p:nvPr/>
           </p:nvPicPr>
           <p:blipFill>
-            <a:blip r:embed="rId5" cstate="print"/>
+            <a:blip r:embed="rId4" cstate="print"/>
             <a:stretch>
               <a:fillRect/>
             </a:stretch>
           </p:blipFill>
           <p:spPr>
             <a:xfrm>
-              <a:off x="9169654" y="4062983"/>
-              <a:ext cx="350520" cy="518159"/>
+              <a:off x="7098157" y="4529023"/>
+              <a:ext cx="350520" cy="518464"/>
             </a:xfrm>
             <a:prstGeom prst="rect">
               <a:avLst/>
@@ -5734,7 +5651,7 @@
         </p:pic>
         <p:pic>
           <p:nvPicPr>
-            <p:cNvPr id="27" name="object 27"/>
+            <p:cNvPr id="29" name="object 29"/>
             <p:cNvPicPr/>
             <p:nvPr/>
           </p:nvPicPr>
@@ -5746,8 +5663,8 @@
           </p:blipFill>
           <p:spPr>
             <a:xfrm>
-              <a:off x="6708013" y="4529023"/>
-              <a:ext cx="585216" cy="518464"/>
+              <a:off x="7273417" y="4529023"/>
+              <a:ext cx="2093086" cy="518464"/>
             </a:xfrm>
             <a:prstGeom prst="rect">
               <a:avLst/>
@@ -5756,19 +5673,19 @@
         </p:pic>
         <p:pic>
           <p:nvPicPr>
-            <p:cNvPr id="28" name="object 28"/>
+            <p:cNvPr id="30" name="object 30"/>
             <p:cNvPicPr/>
             <p:nvPr/>
           </p:nvPicPr>
           <p:blipFill>
-            <a:blip r:embed="rId5" cstate="print"/>
+            <a:blip r:embed="rId4" cstate="print"/>
             <a:stretch>
               <a:fillRect/>
             </a:stretch>
           </p:blipFill>
           <p:spPr>
             <a:xfrm>
-              <a:off x="7098157" y="4529023"/>
+              <a:off x="9067546" y="4529023"/>
               <a:ext cx="350520" cy="518464"/>
             </a:xfrm>
             <a:prstGeom prst="rect">
@@ -5778,7 +5695,7 @@
         </p:pic>
         <p:pic>
           <p:nvPicPr>
-            <p:cNvPr id="29" name="object 29"/>
+            <p:cNvPr id="31" name="object 31"/>
             <p:cNvPicPr/>
             <p:nvPr/>
           </p:nvPicPr>
@@ -5790,50 +5707,6 @@
           </p:blipFill>
           <p:spPr>
             <a:xfrm>
-              <a:off x="7273417" y="4529023"/>
-              <a:ext cx="2093086" cy="518464"/>
-            </a:xfrm>
-            <a:prstGeom prst="rect">
-              <a:avLst/>
-            </a:prstGeom>
-          </p:spPr>
-        </p:pic>
-        <p:pic>
-          <p:nvPicPr>
-            <p:cNvPr id="30" name="object 30"/>
-            <p:cNvPicPr/>
-            <p:nvPr/>
-          </p:nvPicPr>
-          <p:blipFill>
-            <a:blip r:embed="rId5" cstate="print"/>
-            <a:stretch>
-              <a:fillRect/>
-            </a:stretch>
-          </p:blipFill>
-          <p:spPr>
-            <a:xfrm>
-              <a:off x="9067546" y="4529023"/>
-              <a:ext cx="350520" cy="518464"/>
-            </a:xfrm>
-            <a:prstGeom prst="rect">
-              <a:avLst/>
-            </a:prstGeom>
-          </p:spPr>
-        </p:pic>
-        <p:pic>
-          <p:nvPicPr>
-            <p:cNvPr id="31" name="object 31"/>
-            <p:cNvPicPr/>
-            <p:nvPr/>
-          </p:nvPicPr>
-          <p:blipFill>
-            <a:blip r:embed="rId16" cstate="print"/>
-            <a:stretch>
-              <a:fillRect/>
-            </a:stretch>
-          </p:blipFill>
-          <p:spPr>
-            <a:xfrm>
               <a:off x="7098157" y="4995925"/>
               <a:ext cx="1215135" cy="518160"/>
             </a:xfrm>
@@ -5849,7 +5722,7 @@
             <p:nvPr/>
           </p:nvPicPr>
           <p:blipFill>
-            <a:blip r:embed="rId5" cstate="print"/>
+            <a:blip r:embed="rId4" cstate="print"/>
             <a:stretch>
               <a:fillRect/>
             </a:stretch>
@@ -5871,7 +5744,7 @@
             <p:nvPr/>
           </p:nvPicPr>
           <p:blipFill>
-            <a:blip r:embed="rId17" cstate="print"/>
+            <a:blip r:embed="rId16" cstate="print"/>
             <a:stretch>
               <a:fillRect/>
             </a:stretch>
@@ -5904,7 +5777,6 @@
           <a:p>
             <a:fld id="{B6F15528-21DE-4FAA-801E-634DDDAF4B2B}" type="slidenum">
               <a:rPr/>
-              <a:t>13</a:t>
             </a:fld>
             <a:endParaRPr/>
           </a:p>
@@ -5942,7 +5814,7 @@
           <p:nvPr/>
         </p:nvPicPr>
         <p:blipFill>
-          <a:blip r:embed="rId2" cstate="print"/>
+          <a:blip r:embed="rId1" cstate="print"/>
           <a:stretch>
             <a:fillRect/>
           </a:stretch>
@@ -5964,7 +5836,7 @@
           <p:nvPr/>
         </p:nvPicPr>
         <p:blipFill>
-          <a:blip r:embed="rId3" cstate="print"/>
+          <a:blip r:embed="rId2" cstate="print"/>
           <a:stretch>
             <a:fillRect/>
           </a:stretch>
@@ -6000,7 +5872,7 @@
             <p:nvPr/>
           </p:nvPicPr>
           <p:blipFill>
-            <a:blip r:embed="rId4" cstate="print"/>
+            <a:blip r:embed="rId3" cstate="print"/>
             <a:stretch>
               <a:fillRect/>
             </a:stretch>
@@ -6022,7 +5894,7 @@
             <p:nvPr/>
           </p:nvPicPr>
           <p:blipFill>
-            <a:blip r:embed="rId5" cstate="print"/>
+            <a:blip r:embed="rId4" cstate="print"/>
             <a:stretch>
               <a:fillRect/>
             </a:stretch>
@@ -6055,7 +5927,6 @@
           <a:p>
             <a:fld id="{B6F15528-21DE-4FAA-801E-634DDDAF4B2B}" type="slidenum">
               <a:rPr/>
-              <a:t>14</a:t>
             </a:fld>
             <a:endParaRPr/>
           </a:p>
@@ -6063,16 +5934,8 @@
       </p:sp>
       <p:cxnSp>
         <p:nvCxnSpPr>
-          <p:cNvPr id="9" name="Straight Arrow Connector 8">
-            <a:extLst>
-              <a:ext uri="{FF2B5EF4-FFF2-40B4-BE49-F238E27FC236}">
-                <a16:creationId xmlns:a16="http://schemas.microsoft.com/office/drawing/2014/main" id="{E6573200-8F5D-3B64-FA3F-0143C02EF70E}"/>
-              </a:ext>
-            </a:extLst>
-          </p:cNvPr>
-          <p:cNvCxnSpPr>
-            <a:cxnSpLocks/>
-          </p:cNvCxnSpPr>
+          <p:cNvPr id="9" name="Straight Arrow Connector 8"/>
+          <p:cNvCxnSpPr/>
           <p:nvPr/>
         </p:nvCxnSpPr>
         <p:spPr>
@@ -6151,7 +6014,7 @@
             <p:nvPr/>
           </p:nvPicPr>
           <p:blipFill>
-            <a:blip r:embed="rId2" cstate="print"/>
+            <a:blip r:embed="rId1" cstate="print"/>
             <a:stretch>
               <a:fillRect/>
             </a:stretch>
@@ -6211,9 +6074,7 @@
           <p:txBody>
             <a:bodyPr wrap="square" lIns="0" tIns="0" rIns="0" bIns="0" rtlCol="0"/>
             <a:lstStyle/>
-            <a:p>
-              <a:endParaRPr/>
-            </a:p>
+            <a:p/>
           </p:txBody>
         </p:sp>
         <p:sp>
@@ -6263,9 +6124,7 @@
           <p:txBody>
             <a:bodyPr wrap="square" lIns="0" tIns="0" rIns="0" bIns="0" rtlCol="0"/>
             <a:lstStyle/>
-            <a:p>
-              <a:endParaRPr/>
-            </a:p>
+            <a:p/>
           </p:txBody>
         </p:sp>
         <p:pic>
@@ -6275,7 +6134,7 @@
             <p:nvPr/>
           </p:nvPicPr>
           <p:blipFill>
-            <a:blip r:embed="rId3" cstate="print"/>
+            <a:blip r:embed="rId2" cstate="print"/>
             <a:stretch>
               <a:fillRect/>
             </a:stretch>
@@ -6335,9 +6194,7 @@
           <p:txBody>
             <a:bodyPr wrap="square" lIns="0" tIns="0" rIns="0" bIns="0" rtlCol="0"/>
             <a:lstStyle/>
-            <a:p>
-              <a:endParaRPr/>
-            </a:p>
+            <a:p/>
           </p:txBody>
         </p:sp>
         <p:sp>
@@ -6387,9 +6244,7 @@
           <p:txBody>
             <a:bodyPr wrap="square" lIns="0" tIns="0" rIns="0" bIns="0" rtlCol="0"/>
             <a:lstStyle/>
-            <a:p>
-              <a:endParaRPr/>
-            </a:p>
+            <a:p/>
           </p:txBody>
         </p:sp>
       </p:grpSp>
@@ -6722,6 +6577,10 @@
               </a:rPr>
               <a:t>{</a:t>
             </a:r>
+            <a:endParaRPr sz="2000" dirty="0">
+              <a:latin typeface="Courier New" panose="02070309020205020404"/>
+              <a:cs typeface="Courier New" panose="02070309020205020404"/>
+            </a:endParaRPr>
           </a:p>
           <a:p>
             <a:pPr marL="317500">
@@ -6784,7 +6643,7 @@
                 </a:solidFill>
                 <a:latin typeface="Courier New" panose="02070309020205020404"/>
                 <a:cs typeface="Courier New" panose="02070309020205020404"/>
-                <a:hlinkClick r:id="rId4"/>
+                <a:hlinkClick r:id="rId3"/>
               </a:rPr>
               <a:t>'www.myWebService.com/api/products'</a:t>
             </a:r>
@@ -6875,6 +6734,10 @@
               </a:rPr>
               <a:t>}</a:t>
             </a:r>
+            <a:endParaRPr sz="2000" dirty="0">
+              <a:latin typeface="Courier New" panose="02070309020205020404"/>
+              <a:cs typeface="Courier New" panose="02070309020205020404"/>
+            </a:endParaRPr>
           </a:p>
           <a:p>
             <a:pPr>
@@ -7162,6 +7025,10 @@
               </a:rPr>
               <a:t>}</a:t>
             </a:r>
+            <a:endParaRPr sz="2000" dirty="0">
+              <a:latin typeface="Courier New" panose="02070309020205020404"/>
+              <a:cs typeface="Courier New" panose="02070309020205020404"/>
+            </a:endParaRPr>
           </a:p>
           <a:p>
             <a:pPr marL="12700">
@@ -7176,6 +7043,10 @@
               </a:rPr>
               <a:t>}</a:t>
             </a:r>
+            <a:endParaRPr sz="2000" dirty="0">
+              <a:latin typeface="Courier New" panose="02070309020205020404"/>
+              <a:cs typeface="Courier New" panose="02070309020205020404"/>
+            </a:endParaRPr>
           </a:p>
         </p:txBody>
       </p:sp>
@@ -7196,7 +7067,6 @@
           <a:p>
             <a:fld id="{B6F15528-21DE-4FAA-801E-634DDDAF4B2B}" type="slidenum">
               <a:rPr/>
-              <a:t>15</a:t>
             </a:fld>
             <a:endParaRPr/>
           </a:p>
@@ -7204,13 +7074,7 @@
       </p:sp>
       <p:sp>
         <p:nvSpPr>
-          <p:cNvPr id="11" name="Arrow: Right 10">
-            <a:extLst>
-              <a:ext uri="{FF2B5EF4-FFF2-40B4-BE49-F238E27FC236}">
-                <a16:creationId xmlns:a16="http://schemas.microsoft.com/office/drawing/2014/main" id="{06687828-1286-EB46-E246-A59253EC1445}"/>
-              </a:ext>
-            </a:extLst>
-          </p:cNvPr>
+          <p:cNvPr id="11" name="Arrow: Right 10"/>
           <p:cNvSpPr/>
           <p:nvPr/>
         </p:nvSpPr>
@@ -7453,7 +7317,7 @@
           <p:nvPr/>
         </p:nvPicPr>
         <p:blipFill>
-          <a:blip r:embed="rId2" cstate="print"/>
+          <a:blip r:embed="rId1" cstate="print"/>
           <a:stretch>
             <a:fillRect/>
           </a:stretch>
@@ -7527,9 +7391,7 @@
           <p:txBody>
             <a:bodyPr wrap="square" lIns="0" tIns="0" rIns="0" bIns="0" rtlCol="0"/>
             <a:lstStyle/>
-            <a:p>
-              <a:endParaRPr/>
-            </a:p>
+            <a:p/>
           </p:txBody>
         </p:sp>
         <p:sp>
@@ -7579,14 +7441,34 @@
           <p:txBody>
             <a:bodyPr wrap="square" lIns="0" tIns="0" rIns="0" bIns="0" rtlCol="0"/>
             <a:lstStyle/>
-            <a:p>
-              <a:endParaRPr/>
-            </a:p>
+            <a:p/>
           </p:txBody>
         </p:sp>
         <p:pic>
           <p:nvPicPr>
             <p:cNvPr id="6" name="object 6"/>
+            <p:cNvPicPr/>
+            <p:nvPr/>
+          </p:nvPicPr>
+          <p:blipFill>
+            <a:blip r:embed="rId2" cstate="print"/>
+            <a:stretch>
+              <a:fillRect/>
+            </a:stretch>
+          </p:blipFill>
+          <p:spPr>
+            <a:xfrm>
+              <a:off x="940003" y="1277696"/>
+              <a:ext cx="1161719" cy="305104"/>
+            </a:xfrm>
+            <a:prstGeom prst="rect">
+              <a:avLst/>
+            </a:prstGeom>
+          </p:spPr>
+        </p:pic>
+        <p:pic>
+          <p:nvPicPr>
+            <p:cNvPr id="7" name="object 7"/>
             <p:cNvPicPr/>
             <p:nvPr/>
           </p:nvPicPr>
@@ -7598,28 +7480,6 @@
           </p:blipFill>
           <p:spPr>
             <a:xfrm>
-              <a:off x="940003" y="1277696"/>
-              <a:ext cx="1161719" cy="305104"/>
-            </a:xfrm>
-            <a:prstGeom prst="rect">
-              <a:avLst/>
-            </a:prstGeom>
-          </p:spPr>
-        </p:pic>
-        <p:pic>
-          <p:nvPicPr>
-            <p:cNvPr id="7" name="object 7"/>
-            <p:cNvPicPr/>
-            <p:nvPr/>
-          </p:nvPicPr>
-          <p:blipFill>
-            <a:blip r:embed="rId4" cstate="print"/>
-            <a:stretch>
-              <a:fillRect/>
-            </a:stretch>
-          </p:blipFill>
-          <p:spPr>
-            <a:xfrm>
               <a:off x="1956561" y="1277696"/>
               <a:ext cx="207263" cy="305104"/>
             </a:xfrm>
@@ -7635,7 +7495,7 @@
             <p:nvPr/>
           </p:nvPicPr>
           <p:blipFill>
-            <a:blip r:embed="rId5" cstate="print"/>
+            <a:blip r:embed="rId4" cstate="print"/>
             <a:stretch>
               <a:fillRect/>
             </a:stretch>
@@ -7695,9 +7555,7 @@
           <p:txBody>
             <a:bodyPr wrap="square" lIns="0" tIns="0" rIns="0" bIns="0" rtlCol="0"/>
             <a:lstStyle/>
-            <a:p>
-              <a:endParaRPr/>
-            </a:p>
+            <a:p/>
           </p:txBody>
         </p:sp>
         <p:sp>
@@ -7747,9 +7605,7 @@
           <p:txBody>
             <a:bodyPr wrap="square" lIns="0" tIns="0" rIns="0" bIns="0" rtlCol="0"/>
             <a:lstStyle/>
-            <a:p>
-              <a:endParaRPr/>
-            </a:p>
+            <a:p/>
           </p:txBody>
         </p:sp>
       </p:grpSp>
@@ -8177,7 +8033,6 @@
           <a:p>
             <a:fld id="{B6F15528-21DE-4FAA-801E-634DDDAF4B2B}" type="slidenum">
               <a:rPr/>
-              <a:t>16</a:t>
             </a:fld>
             <a:endParaRPr/>
           </a:p>
@@ -8229,6 +8084,28 @@
             <p:nvPr/>
           </p:nvPicPr>
           <p:blipFill>
+            <a:blip r:embed="rId1" cstate="print"/>
+            <a:stretch>
+              <a:fillRect/>
+            </a:stretch>
+          </p:blipFill>
+          <p:spPr>
+            <a:xfrm>
+              <a:off x="0" y="0"/>
+              <a:ext cx="4636008" cy="6858000"/>
+            </a:xfrm>
+            <a:prstGeom prst="rect">
+              <a:avLst/>
+            </a:prstGeom>
+          </p:spPr>
+        </p:pic>
+        <p:pic>
+          <p:nvPicPr>
+            <p:cNvPr id="4" name="object 4"/>
+            <p:cNvPicPr/>
+            <p:nvPr/>
+          </p:nvPicPr>
+          <p:blipFill>
             <a:blip r:embed="rId2" cstate="print"/>
             <a:stretch>
               <a:fillRect/>
@@ -8236,28 +8113,6 @@
           </p:blipFill>
           <p:spPr>
             <a:xfrm>
-              <a:off x="0" y="0"/>
-              <a:ext cx="4636008" cy="6858000"/>
-            </a:xfrm>
-            <a:prstGeom prst="rect">
-              <a:avLst/>
-            </a:prstGeom>
-          </p:spPr>
-        </p:pic>
-        <p:pic>
-          <p:nvPicPr>
-            <p:cNvPr id="4" name="object 4"/>
-            <p:cNvPicPr/>
-            <p:nvPr/>
-          </p:nvPicPr>
-          <p:blipFill>
-            <a:blip r:embed="rId3" cstate="print"/>
-            <a:stretch>
-              <a:fillRect/>
-            </a:stretch>
-          </p:blipFill>
-          <p:spPr>
-            <a:xfrm>
               <a:off x="1639189" y="1948560"/>
               <a:ext cx="1689735" cy="548639"/>
             </a:xfrm>
@@ -8273,7 +8128,7 @@
             <p:nvPr/>
           </p:nvPicPr>
           <p:blipFill>
-            <a:blip r:embed="rId4" cstate="print"/>
+            <a:blip r:embed="rId3" cstate="print"/>
             <a:stretch>
               <a:fillRect/>
             </a:stretch>
@@ -8310,7 +8165,7 @@
             <p:nvPr/>
           </p:nvPicPr>
           <p:blipFill>
-            <a:blip r:embed="rId5" cstate="print"/>
+            <a:blip r:embed="rId4" cstate="print"/>
             <a:stretch>
               <a:fillRect/>
             </a:stretch>
@@ -8332,7 +8187,7 @@
             <p:nvPr/>
           </p:nvPicPr>
           <p:blipFill>
-            <a:blip r:embed="rId6" cstate="print"/>
+            <a:blip r:embed="rId5" cstate="print"/>
             <a:stretch>
               <a:fillRect/>
             </a:stretch>
@@ -8365,7 +8220,6 @@
           <a:p>
             <a:fld id="{B6F15528-21DE-4FAA-801E-634DDDAF4B2B}" type="slidenum">
               <a:rPr/>
-              <a:t>17</a:t>
             </a:fld>
             <a:endParaRPr/>
           </a:p>
@@ -8417,6 +8271,28 @@
             <p:nvPr/>
           </p:nvPicPr>
           <p:blipFill>
+            <a:blip r:embed="rId1" cstate="print"/>
+            <a:stretch>
+              <a:fillRect/>
+            </a:stretch>
+          </p:blipFill>
+          <p:spPr>
+            <a:xfrm>
+              <a:off x="0" y="0"/>
+              <a:ext cx="4636008" cy="6858000"/>
+            </a:xfrm>
+            <a:prstGeom prst="rect">
+              <a:avLst/>
+            </a:prstGeom>
+          </p:spPr>
+        </p:pic>
+        <p:pic>
+          <p:nvPicPr>
+            <p:cNvPr id="4" name="object 4"/>
+            <p:cNvPicPr/>
+            <p:nvPr/>
+          </p:nvPicPr>
+          <p:blipFill>
             <a:blip r:embed="rId2" cstate="print"/>
             <a:stretch>
               <a:fillRect/>
@@ -8424,28 +8300,6 @@
           </p:blipFill>
           <p:spPr>
             <a:xfrm>
-              <a:off x="0" y="0"/>
-              <a:ext cx="4636008" cy="6858000"/>
-            </a:xfrm>
-            <a:prstGeom prst="rect">
-              <a:avLst/>
-            </a:prstGeom>
-          </p:spPr>
-        </p:pic>
-        <p:pic>
-          <p:nvPicPr>
-            <p:cNvPr id="4" name="object 4"/>
-            <p:cNvPicPr/>
-            <p:nvPr/>
-          </p:nvPicPr>
-          <p:blipFill>
-            <a:blip r:embed="rId3" cstate="print"/>
-            <a:stretch>
-              <a:fillRect/>
-            </a:stretch>
-          </p:blipFill>
-          <p:spPr>
-            <a:xfrm>
               <a:off x="1639189" y="1948560"/>
               <a:ext cx="1689735" cy="548639"/>
             </a:xfrm>
@@ -8461,7 +8315,7 @@
             <p:nvPr/>
           </p:nvPicPr>
           <p:blipFill>
-            <a:blip r:embed="rId4" cstate="print"/>
+            <a:blip r:embed="rId3" cstate="print"/>
             <a:stretch>
               <a:fillRect/>
             </a:stretch>
@@ -8498,7 +8352,7 @@
             <p:nvPr/>
           </p:nvPicPr>
           <p:blipFill>
-            <a:blip r:embed="rId5" cstate="print"/>
+            <a:blip r:embed="rId4" cstate="print"/>
             <a:stretch>
               <a:fillRect/>
             </a:stretch>
@@ -8520,7 +8374,7 @@
             <p:nvPr/>
           </p:nvPicPr>
           <p:blipFill>
-            <a:blip r:embed="rId6" cstate="print"/>
+            <a:blip r:embed="rId5" cstate="print"/>
             <a:stretch>
               <a:fillRect/>
             </a:stretch>
@@ -8553,7 +8407,6 @@
           <a:p>
             <a:fld id="{B6F15528-21DE-4FAA-801E-634DDDAF4B2B}" type="slidenum">
               <a:rPr/>
-              <a:t>18</a:t>
             </a:fld>
             <a:endParaRPr/>
           </a:p>
@@ -8591,7 +8444,7 @@
           <p:nvPr/>
         </p:nvPicPr>
         <p:blipFill>
-          <a:blip r:embed="rId2" cstate="print"/>
+          <a:blip r:embed="rId1" cstate="print"/>
           <a:stretch>
             <a:fillRect/>
           </a:stretch>
@@ -8613,7 +8466,7 @@
           <p:nvPr/>
         </p:nvPicPr>
         <p:blipFill>
-          <a:blip r:embed="rId3" cstate="print"/>
+          <a:blip r:embed="rId2" cstate="print"/>
           <a:stretch>
             <a:fillRect/>
           </a:stretch>
@@ -8645,7 +8498,6 @@
           <a:p>
             <a:fld id="{B6F15528-21DE-4FAA-801E-634DDDAF4B2B}" type="slidenum">
               <a:rPr/>
-              <a:t>19</a:t>
             </a:fld>
             <a:endParaRPr/>
           </a:p>
@@ -8697,7 +8549,7 @@
             <p:nvPr/>
           </p:nvPicPr>
           <p:blipFill>
-            <a:blip r:embed="rId2" cstate="print"/>
+            <a:blip r:embed="rId1" cstate="print"/>
             <a:stretch>
               <a:fillRect/>
             </a:stretch>
@@ -8831,9 +8683,7 @@
           <p:txBody>
             <a:bodyPr wrap="square" lIns="0" tIns="0" rIns="0" bIns="0" rtlCol="0"/>
             <a:lstStyle/>
-            <a:p>
-              <a:endParaRPr/>
-            </a:p>
+            <a:p/>
           </p:txBody>
         </p:sp>
       </p:grpSp>
@@ -8858,6 +8708,28 @@
             <p:nvPr/>
           </p:nvPicPr>
           <p:blipFill>
+            <a:blip r:embed="rId2" cstate="print"/>
+            <a:stretch>
+              <a:fillRect/>
+            </a:stretch>
+          </p:blipFill>
+          <p:spPr>
+            <a:xfrm>
+              <a:off x="9191244" y="672668"/>
+              <a:ext cx="834771" cy="431596"/>
+            </a:xfrm>
+            <a:prstGeom prst="rect">
+              <a:avLst/>
+            </a:prstGeom>
+          </p:spPr>
+        </p:pic>
+        <p:pic>
+          <p:nvPicPr>
+            <p:cNvPr id="7" name="object 7"/>
+            <p:cNvPicPr/>
+            <p:nvPr/>
+          </p:nvPicPr>
+          <p:blipFill>
             <a:blip r:embed="rId3" cstate="print"/>
             <a:stretch>
               <a:fillRect/>
@@ -8865,28 +8737,6 @@
           </p:blipFill>
           <p:spPr>
             <a:xfrm>
-              <a:off x="9191244" y="672668"/>
-              <a:ext cx="834771" cy="431596"/>
-            </a:xfrm>
-            <a:prstGeom prst="rect">
-              <a:avLst/>
-            </a:prstGeom>
-          </p:spPr>
-        </p:pic>
-        <p:pic>
-          <p:nvPicPr>
-            <p:cNvPr id="7" name="object 7"/>
-            <p:cNvPicPr/>
-            <p:nvPr/>
-          </p:nvPicPr>
-          <p:blipFill>
-            <a:blip r:embed="rId4" cstate="print"/>
-            <a:stretch>
-              <a:fillRect/>
-            </a:stretch>
-          </p:blipFill>
-          <p:spPr>
-            <a:xfrm>
               <a:off x="9009888" y="1099693"/>
               <a:ext cx="1122273" cy="431291"/>
             </a:xfrm>
@@ -8902,7 +8752,7 @@
             <p:nvPr/>
           </p:nvPicPr>
           <p:blipFill>
-            <a:blip r:embed="rId5" cstate="print"/>
+            <a:blip r:embed="rId4" cstate="print"/>
             <a:stretch>
               <a:fillRect/>
             </a:stretch>
@@ -9036,9 +8886,7 @@
           <p:txBody>
             <a:bodyPr wrap="square" lIns="0" tIns="0" rIns="0" bIns="0" rtlCol="0"/>
             <a:lstStyle/>
-            <a:p>
-              <a:endParaRPr/>
-            </a:p>
+            <a:p/>
           </p:txBody>
         </p:sp>
       </p:grpSp>
@@ -9049,7 +8897,7 @@
           <p:nvPr/>
         </p:nvPicPr>
         <p:blipFill>
-          <a:blip r:embed="rId6" cstate="print"/>
+          <a:blip r:embed="rId5" cstate="print"/>
           <a:stretch>
             <a:fillRect/>
           </a:stretch>
@@ -9637,9 +9485,7 @@
         <p:txBody>
           <a:bodyPr wrap="square" lIns="0" tIns="0" rIns="0" bIns="0" rtlCol="0"/>
           <a:lstStyle/>
-          <a:p>
-            <a:endParaRPr/>
-          </a:p>
+          <a:p/>
         </p:txBody>
       </p:sp>
       <p:pic>
@@ -9649,7 +9495,7 @@
           <p:nvPr/>
         </p:nvPicPr>
         <p:blipFill>
-          <a:blip r:embed="rId7" cstate="print"/>
+          <a:blip r:embed="rId6" cstate="print"/>
           <a:stretch>
             <a:fillRect/>
           </a:stretch>
@@ -10222,9 +10068,7 @@
         <p:txBody>
           <a:bodyPr wrap="square" lIns="0" tIns="0" rIns="0" bIns="0" rtlCol="0"/>
           <a:lstStyle/>
-          <a:p>
-            <a:endParaRPr/>
-          </a:p>
+          <a:p/>
         </p:txBody>
       </p:sp>
       <p:pic>
@@ -10234,7 +10078,7 @@
           <p:nvPr/>
         </p:nvPicPr>
         <p:blipFill>
-          <a:blip r:embed="rId8" cstate="print"/>
+          <a:blip r:embed="rId7" cstate="print"/>
           <a:stretch>
             <a:fillRect/>
           </a:stretch>
@@ -10465,9 +10309,7 @@
         <p:txBody>
           <a:bodyPr wrap="square" lIns="0" tIns="0" rIns="0" bIns="0" rtlCol="0"/>
           <a:lstStyle/>
-          <a:p>
-            <a:endParaRPr/>
-          </a:p>
+          <a:p/>
         </p:txBody>
       </p:sp>
       <p:grpSp>
@@ -10529,9 +10371,7 @@
           <p:txBody>
             <a:bodyPr wrap="square" lIns="0" tIns="0" rIns="0" bIns="0" rtlCol="0"/>
             <a:lstStyle/>
-            <a:p>
-              <a:endParaRPr/>
-            </a:p>
+            <a:p/>
           </p:txBody>
         </p:sp>
         <p:sp>
@@ -10581,9 +10421,7 @@
           <p:txBody>
             <a:bodyPr wrap="square" lIns="0" tIns="0" rIns="0" bIns="0" rtlCol="0"/>
             <a:lstStyle/>
-            <a:p>
-              <a:endParaRPr/>
-            </a:p>
+            <a:p/>
           </p:txBody>
         </p:sp>
         <p:pic>
@@ -10593,7 +10431,7 @@
             <p:nvPr/>
           </p:nvPicPr>
           <p:blipFill>
-            <a:blip r:embed="rId9" cstate="print"/>
+            <a:blip r:embed="rId8" cstate="print"/>
             <a:stretch>
               <a:fillRect/>
             </a:stretch>
@@ -10615,7 +10453,7 @@
             <p:nvPr/>
           </p:nvPicPr>
           <p:blipFill>
-            <a:blip r:embed="rId10" cstate="print"/>
+            <a:blip r:embed="rId9" cstate="print"/>
             <a:stretch>
               <a:fillRect/>
             </a:stretch>
@@ -10816,9 +10654,7 @@
           <p:txBody>
             <a:bodyPr wrap="square" lIns="0" tIns="0" rIns="0" bIns="0" rtlCol="0"/>
             <a:lstStyle/>
-            <a:p>
-              <a:endParaRPr/>
-            </a:p>
+            <a:p/>
           </p:txBody>
         </p:sp>
         <p:sp>
@@ -11068,9 +10904,7 @@
           <p:txBody>
             <a:bodyPr wrap="square" lIns="0" tIns="0" rIns="0" bIns="0" rtlCol="0"/>
             <a:lstStyle/>
-            <a:p>
-              <a:endParaRPr/>
-            </a:p>
+            <a:p/>
           </p:txBody>
         </p:sp>
         <p:pic>
@@ -11080,7 +10914,7 @@
             <p:nvPr/>
           </p:nvPicPr>
           <p:blipFill>
-            <a:blip r:embed="rId11" cstate="print"/>
+            <a:blip r:embed="rId10" cstate="print"/>
             <a:stretch>
               <a:fillRect/>
             </a:stretch>
@@ -11407,9 +11241,7 @@
           <p:txBody>
             <a:bodyPr wrap="square" lIns="0" tIns="0" rIns="0" bIns="0" rtlCol="0"/>
             <a:lstStyle/>
-            <a:p>
-              <a:endParaRPr/>
-            </a:p>
+            <a:p/>
           </p:txBody>
         </p:sp>
         <p:sp>
@@ -11457,9 +11289,7 @@
           <p:txBody>
             <a:bodyPr wrap="square" lIns="0" tIns="0" rIns="0" bIns="0" rtlCol="0"/>
             <a:lstStyle/>
-            <a:p>
-              <a:endParaRPr/>
-            </a:p>
+            <a:p/>
           </p:txBody>
         </p:sp>
         <p:sp>
@@ -11509,9 +11339,7 @@
           <p:txBody>
             <a:bodyPr wrap="square" lIns="0" tIns="0" rIns="0" bIns="0" rtlCol="0"/>
             <a:lstStyle/>
-            <a:p>
-              <a:endParaRPr/>
-            </a:p>
+            <a:p/>
           </p:txBody>
         </p:sp>
         <p:pic>
@@ -11521,7 +11349,7 @@
             <p:nvPr/>
           </p:nvPicPr>
           <p:blipFill>
-            <a:blip r:embed="rId12" cstate="print"/>
+            <a:blip r:embed="rId11" cstate="print"/>
             <a:stretch>
               <a:fillRect/>
             </a:stretch>
@@ -11544,7 +11372,7 @@
           <p:nvPr/>
         </p:nvPicPr>
         <p:blipFill>
-          <a:blip r:embed="rId13" cstate="print"/>
+          <a:blip r:embed="rId12" cstate="print"/>
           <a:stretch>
             <a:fillRect/>
           </a:stretch>
@@ -11566,7 +11394,7 @@
           <p:nvPr/>
         </p:nvPicPr>
         <p:blipFill>
-          <a:blip r:embed="rId14" cstate="print"/>
+          <a:blip r:embed="rId13" cstate="print"/>
           <a:stretch>
             <a:fillRect/>
           </a:stretch>
@@ -11588,7 +11416,7 @@
           <p:nvPr/>
         </p:nvPicPr>
         <p:blipFill>
-          <a:blip r:embed="rId15" cstate="print"/>
+          <a:blip r:embed="rId14" cstate="print"/>
           <a:stretch>
             <a:fillRect/>
           </a:stretch>
@@ -11610,7 +11438,7 @@
           <p:nvPr/>
         </p:nvPicPr>
         <p:blipFill>
-          <a:blip r:embed="rId16" cstate="print"/>
+          <a:blip r:embed="rId15" cstate="print"/>
           <a:stretch>
             <a:fillRect/>
           </a:stretch>
@@ -11687,9 +11515,7 @@
           <p:txBody>
             <a:bodyPr wrap="square" lIns="0" tIns="0" rIns="0" bIns="0" rtlCol="0"/>
             <a:lstStyle/>
-            <a:p>
-              <a:endParaRPr/>
-            </a:p>
+            <a:p/>
           </p:txBody>
         </p:sp>
         <p:sp>
@@ -11742,9 +11568,7 @@
           <p:txBody>
             <a:bodyPr wrap="square" lIns="0" tIns="0" rIns="0" bIns="0" rtlCol="0"/>
             <a:lstStyle/>
-            <a:p>
-              <a:endParaRPr/>
-            </a:p>
+            <a:p/>
           </p:txBody>
         </p:sp>
         <p:sp>
@@ -11795,9 +11619,7 @@
           <p:txBody>
             <a:bodyPr wrap="square" lIns="0" tIns="0" rIns="0" bIns="0" rtlCol="0"/>
             <a:lstStyle/>
-            <a:p>
-              <a:endParaRPr/>
-            </a:p>
+            <a:p/>
           </p:txBody>
         </p:sp>
         <p:sp>
@@ -11850,9 +11672,7 @@
           <p:txBody>
             <a:bodyPr wrap="square" lIns="0" tIns="0" rIns="0" bIns="0" rtlCol="0"/>
             <a:lstStyle/>
-            <a:p>
-              <a:endParaRPr/>
-            </a:p>
+            <a:p/>
           </p:txBody>
         </p:sp>
         <p:pic>
@@ -11862,7 +11682,7 @@
             <p:nvPr/>
           </p:nvPicPr>
           <p:blipFill>
-            <a:blip r:embed="rId17" cstate="print"/>
+            <a:blip r:embed="rId16" cstate="print"/>
             <a:stretch>
               <a:fillRect/>
             </a:stretch>
@@ -11940,9 +11760,7 @@
           <p:txBody>
             <a:bodyPr wrap="square" lIns="0" tIns="0" rIns="0" bIns="0" rtlCol="0"/>
             <a:lstStyle/>
-            <a:p>
-              <a:endParaRPr/>
-            </a:p>
+            <a:p/>
           </p:txBody>
         </p:sp>
         <p:sp>
@@ -11995,9 +11813,7 @@
           <p:txBody>
             <a:bodyPr wrap="square" lIns="0" tIns="0" rIns="0" bIns="0" rtlCol="0"/>
             <a:lstStyle/>
-            <a:p>
-              <a:endParaRPr/>
-            </a:p>
+            <a:p/>
           </p:txBody>
         </p:sp>
         <p:sp>
@@ -12048,9 +11864,7 @@
           <p:txBody>
             <a:bodyPr wrap="square" lIns="0" tIns="0" rIns="0" bIns="0" rtlCol="0"/>
             <a:lstStyle/>
-            <a:p>
-              <a:endParaRPr/>
-            </a:p>
+            <a:p/>
           </p:txBody>
         </p:sp>
         <p:sp>
@@ -12103,9 +11917,7 @@
           <p:txBody>
             <a:bodyPr wrap="square" lIns="0" tIns="0" rIns="0" bIns="0" rtlCol="0"/>
             <a:lstStyle/>
-            <a:p>
-              <a:endParaRPr/>
-            </a:p>
+            <a:p/>
           </p:txBody>
         </p:sp>
         <p:pic>
@@ -12115,7 +11927,7 @@
             <p:nvPr/>
           </p:nvPicPr>
           <p:blipFill>
-            <a:blip r:embed="rId18" cstate="print"/>
+            <a:blip r:embed="rId17" cstate="print"/>
             <a:stretch>
               <a:fillRect/>
             </a:stretch>
@@ -12193,9 +12005,7 @@
           <p:txBody>
             <a:bodyPr wrap="square" lIns="0" tIns="0" rIns="0" bIns="0" rtlCol="0"/>
             <a:lstStyle/>
-            <a:p>
-              <a:endParaRPr/>
-            </a:p>
+            <a:p/>
           </p:txBody>
         </p:sp>
         <p:sp>
@@ -12248,9 +12058,7 @@
           <p:txBody>
             <a:bodyPr wrap="square" lIns="0" tIns="0" rIns="0" bIns="0" rtlCol="0"/>
             <a:lstStyle/>
-            <a:p>
-              <a:endParaRPr/>
-            </a:p>
+            <a:p/>
           </p:txBody>
         </p:sp>
         <p:sp>
@@ -12301,9 +12109,7 @@
           <p:txBody>
             <a:bodyPr wrap="square" lIns="0" tIns="0" rIns="0" bIns="0" rtlCol="0"/>
             <a:lstStyle/>
-            <a:p>
-              <a:endParaRPr/>
-            </a:p>
+            <a:p/>
           </p:txBody>
         </p:sp>
         <p:sp>
@@ -12356,9 +12162,7 @@
           <p:txBody>
             <a:bodyPr wrap="square" lIns="0" tIns="0" rIns="0" bIns="0" rtlCol="0"/>
             <a:lstStyle/>
-            <a:p>
-              <a:endParaRPr/>
-            </a:p>
+            <a:p/>
           </p:txBody>
         </p:sp>
         <p:pic>
@@ -12368,7 +12172,7 @@
             <p:nvPr/>
           </p:nvPicPr>
           <p:blipFill>
-            <a:blip r:embed="rId19" cstate="print"/>
+            <a:blip r:embed="rId18" cstate="print"/>
             <a:stretch>
               <a:fillRect/>
             </a:stretch>
@@ -12446,9 +12250,7 @@
           <p:txBody>
             <a:bodyPr wrap="square" lIns="0" tIns="0" rIns="0" bIns="0" rtlCol="0"/>
             <a:lstStyle/>
-            <a:p>
-              <a:endParaRPr/>
-            </a:p>
+            <a:p/>
           </p:txBody>
         </p:sp>
         <p:sp>
@@ -12501,9 +12303,7 @@
           <p:txBody>
             <a:bodyPr wrap="square" lIns="0" tIns="0" rIns="0" bIns="0" rtlCol="0"/>
             <a:lstStyle/>
-            <a:p>
-              <a:endParaRPr/>
-            </a:p>
+            <a:p/>
           </p:txBody>
         </p:sp>
         <p:sp>
@@ -12554,9 +12354,7 @@
           <p:txBody>
             <a:bodyPr wrap="square" lIns="0" tIns="0" rIns="0" bIns="0" rtlCol="0"/>
             <a:lstStyle/>
-            <a:p>
-              <a:endParaRPr/>
-            </a:p>
+            <a:p/>
           </p:txBody>
         </p:sp>
         <p:sp>
@@ -12609,9 +12407,7 @@
           <p:txBody>
             <a:bodyPr wrap="square" lIns="0" tIns="0" rIns="0" bIns="0" rtlCol="0"/>
             <a:lstStyle/>
-            <a:p>
-              <a:endParaRPr/>
-            </a:p>
+            <a:p/>
           </p:txBody>
         </p:sp>
         <p:pic>
@@ -12621,7 +12417,7 @@
             <p:nvPr/>
           </p:nvPicPr>
           <p:blipFill>
-            <a:blip r:embed="rId20" cstate="print"/>
+            <a:blip r:embed="rId19" cstate="print"/>
             <a:stretch>
               <a:fillRect/>
             </a:stretch>
@@ -12654,7 +12450,6 @@
           <a:p>
             <a:fld id="{B6F15528-21DE-4FAA-801E-634DDDAF4B2B}" type="slidenum">
               <a:rPr/>
-              <a:t>2</a:t>
             </a:fld>
             <a:endParaRPr/>
           </a:p>
@@ -12692,7 +12487,7 @@
           <p:nvPr/>
         </p:nvPicPr>
         <p:blipFill>
-          <a:blip r:embed="rId2" cstate="print"/>
+          <a:blip r:embed="rId1" cstate="print"/>
           <a:stretch>
             <a:fillRect/>
           </a:stretch>
@@ -12714,7 +12509,7 @@
           <p:nvPr/>
         </p:nvPicPr>
         <p:blipFill>
-          <a:blip r:embed="rId3" cstate="print"/>
+          <a:blip r:embed="rId2" cstate="print"/>
           <a:stretch>
             <a:fillRect/>
           </a:stretch>
@@ -12884,6 +12679,28 @@
             <p:nvPr/>
           </p:nvPicPr>
           <p:blipFill>
+            <a:blip r:embed="rId3" cstate="print"/>
+            <a:stretch>
+              <a:fillRect/>
+            </a:stretch>
+          </p:blipFill>
+          <p:spPr>
+            <a:xfrm>
+              <a:off x="4504943" y="1232916"/>
+              <a:ext cx="7293864" cy="2951987"/>
+            </a:xfrm>
+            <a:prstGeom prst="rect">
+              <a:avLst/>
+            </a:prstGeom>
+          </p:spPr>
+        </p:pic>
+        <p:pic>
+          <p:nvPicPr>
+            <p:cNvPr id="7" name="object 7"/>
+            <p:cNvPicPr/>
+            <p:nvPr/>
+          </p:nvPicPr>
+          <p:blipFill>
             <a:blip r:embed="rId4" cstate="print"/>
             <a:stretch>
               <a:fillRect/>
@@ -12891,28 +12708,6 @@
           </p:blipFill>
           <p:spPr>
             <a:xfrm>
-              <a:off x="4504943" y="1232916"/>
-              <a:ext cx="7293864" cy="2951987"/>
-            </a:xfrm>
-            <a:prstGeom prst="rect">
-              <a:avLst/>
-            </a:prstGeom>
-          </p:spPr>
-        </p:pic>
-        <p:pic>
-          <p:nvPicPr>
-            <p:cNvPr id="7" name="object 7"/>
-            <p:cNvPicPr/>
-            <p:nvPr/>
-          </p:nvPicPr>
-          <p:blipFill>
-            <a:blip r:embed="rId5" cstate="print"/>
-            <a:stretch>
-              <a:fillRect/>
-            </a:stretch>
-          </p:blipFill>
-          <p:spPr>
-            <a:xfrm>
               <a:off x="4448555" y="1207008"/>
               <a:ext cx="6633972" cy="3052572"/>
             </a:xfrm>
@@ -12928,7 +12723,7 @@
             <p:nvPr/>
           </p:nvPicPr>
           <p:blipFill>
-            <a:blip r:embed="rId6" cstate="print"/>
+            <a:blip r:embed="rId5" cstate="print"/>
             <a:stretch>
               <a:fillRect/>
             </a:stretch>
@@ -12990,9 +12785,7 @@
           <p:txBody>
             <a:bodyPr wrap="square" lIns="0" tIns="0" rIns="0" bIns="0" rtlCol="0"/>
             <a:lstStyle/>
-            <a:p>
-              <a:endParaRPr/>
-            </a:p>
+            <a:p/>
           </p:txBody>
         </p:sp>
       </p:grpSp>
@@ -13467,9 +13260,7 @@
           <p:txBody>
             <a:bodyPr wrap="square" lIns="0" tIns="0" rIns="0" bIns="0" rtlCol="0"/>
             <a:lstStyle/>
-            <a:p>
-              <a:endParaRPr/>
-            </a:p>
+            <a:p/>
           </p:txBody>
         </p:sp>
         <p:sp>
@@ -13519,9 +13310,7 @@
           <p:txBody>
             <a:bodyPr wrap="square" lIns="0" tIns="0" rIns="0" bIns="0" rtlCol="0"/>
             <a:lstStyle/>
-            <a:p>
-              <a:endParaRPr/>
-            </a:p>
+            <a:p/>
           </p:txBody>
         </p:sp>
       </p:grpSp>
@@ -14040,7 +13829,6 @@
           <a:p>
             <a:fld id="{B6F15528-21DE-4FAA-801E-634DDDAF4B2B}" type="slidenum">
               <a:rPr/>
-              <a:t>20</a:t>
             </a:fld>
             <a:endParaRPr/>
           </a:p>
@@ -14108,9 +13896,7 @@
         <p:txBody>
           <a:bodyPr wrap="square" lIns="0" tIns="0" rIns="0" bIns="0" rtlCol="0"/>
           <a:lstStyle/>
-          <a:p>
-            <a:endParaRPr/>
-          </a:p>
+          <a:p/>
         </p:txBody>
       </p:sp>
       <p:grpSp>
@@ -14134,6 +13920,28 @@
             <p:nvPr/>
           </p:nvPicPr>
           <p:blipFill>
+            <a:blip r:embed="rId1" cstate="print"/>
+            <a:stretch>
+              <a:fillRect/>
+            </a:stretch>
+          </p:blipFill>
+          <p:spPr>
+            <a:xfrm>
+              <a:off x="2674366" y="1762632"/>
+              <a:ext cx="1253490" cy="365760"/>
+            </a:xfrm>
+            <a:prstGeom prst="rect">
+              <a:avLst/>
+            </a:prstGeom>
+          </p:spPr>
+        </p:pic>
+        <p:pic>
+          <p:nvPicPr>
+            <p:cNvPr id="5" name="object 5"/>
+            <p:cNvPicPr/>
+            <p:nvPr/>
+          </p:nvPicPr>
+          <p:blipFill>
             <a:blip r:embed="rId2" cstate="print"/>
             <a:stretch>
               <a:fillRect/>
@@ -14141,28 +13949,6 @@
           </p:blipFill>
           <p:spPr>
             <a:xfrm>
-              <a:off x="2674366" y="1762632"/>
-              <a:ext cx="1253490" cy="365760"/>
-            </a:xfrm>
-            <a:prstGeom prst="rect">
-              <a:avLst/>
-            </a:prstGeom>
-          </p:spPr>
-        </p:pic>
-        <p:pic>
-          <p:nvPicPr>
-            <p:cNvPr id="5" name="object 5"/>
-            <p:cNvPicPr/>
-            <p:nvPr/>
-          </p:nvPicPr>
-          <p:blipFill>
-            <a:blip r:embed="rId3" cstate="print"/>
-            <a:stretch>
-              <a:fillRect/>
-            </a:stretch>
-          </p:blipFill>
-          <p:spPr>
-            <a:xfrm>
               <a:off x="3748786" y="1762632"/>
               <a:ext cx="626262" cy="365760"/>
             </a:xfrm>
@@ -14178,7 +13964,7 @@
             <p:nvPr/>
           </p:nvPicPr>
           <p:blipFill>
-            <a:blip r:embed="rId4" cstate="print"/>
+            <a:blip r:embed="rId3" cstate="print"/>
             <a:stretch>
               <a:fillRect/>
             </a:stretch>
@@ -14215,7 +14001,7 @@
             <p:nvPr/>
           </p:nvPicPr>
           <p:blipFill>
-            <a:blip r:embed="rId5" cstate="print"/>
+            <a:blip r:embed="rId4" cstate="print"/>
             <a:stretch>
               <a:fillRect/>
             </a:stretch>
@@ -14237,7 +14023,7 @@
             <p:nvPr/>
           </p:nvPicPr>
           <p:blipFill>
-            <a:blip r:embed="rId6" cstate="print"/>
+            <a:blip r:embed="rId5" cstate="print"/>
             <a:stretch>
               <a:fillRect/>
             </a:stretch>
@@ -14260,7 +14046,7 @@
           <p:nvPr/>
         </p:nvPicPr>
         <p:blipFill>
-          <a:blip r:embed="rId7" cstate="print"/>
+          <a:blip r:embed="rId6" cstate="print"/>
           <a:stretch>
             <a:fillRect/>
           </a:stretch>
@@ -14342,7 +14128,7 @@
             <p:nvPr/>
           </p:nvPicPr>
           <p:blipFill>
-            <a:blip r:embed="rId8" cstate="print"/>
+            <a:blip r:embed="rId7" cstate="print"/>
             <a:stretch>
               <a:fillRect/>
             </a:stretch>
@@ -14364,7 +14150,7 @@
             <p:nvPr/>
           </p:nvPicPr>
           <p:blipFill>
-            <a:blip r:embed="rId9" cstate="print"/>
+            <a:blip r:embed="rId8" cstate="print"/>
             <a:stretch>
               <a:fillRect/>
             </a:stretch>
@@ -14433,7 +14219,7 @@
           <p:nvPr/>
         </p:nvPicPr>
         <p:blipFill>
-          <a:blip r:embed="rId10" cstate="print"/>
+          <a:blip r:embed="rId9" cstate="print"/>
           <a:stretch>
             <a:fillRect/>
           </a:stretch>
@@ -14455,7 +14241,7 @@
           <p:nvPr/>
         </p:nvPicPr>
         <p:blipFill>
-          <a:blip r:embed="rId11" cstate="print"/>
+          <a:blip r:embed="rId10" cstate="print"/>
           <a:stretch>
             <a:fillRect/>
           </a:stretch>
@@ -14491,7 +14277,7 @@
             <p:nvPr/>
           </p:nvPicPr>
           <p:blipFill>
-            <a:blip r:embed="rId12" cstate="print"/>
+            <a:blip r:embed="rId11" cstate="print"/>
             <a:stretch>
               <a:fillRect/>
             </a:stretch>
@@ -14513,7 +14299,7 @@
             <p:nvPr/>
           </p:nvPicPr>
           <p:blipFill>
-            <a:blip r:embed="rId3" cstate="print"/>
+            <a:blip r:embed="rId2" cstate="print"/>
             <a:stretch>
               <a:fillRect/>
             </a:stretch>
@@ -14535,7 +14321,7 @@
             <p:nvPr/>
           </p:nvPicPr>
           <p:blipFill>
-            <a:blip r:embed="rId13" cstate="print"/>
+            <a:blip r:embed="rId12" cstate="print"/>
             <a:stretch>
               <a:fillRect/>
             </a:stretch>
@@ -14572,7 +14358,7 @@
             <p:nvPr/>
           </p:nvPicPr>
           <p:blipFill>
-            <a:blip r:embed="rId14" cstate="print"/>
+            <a:blip r:embed="rId13" cstate="print"/>
             <a:stretch>
               <a:fillRect/>
             </a:stretch>
@@ -14594,7 +14380,7 @@
             <p:nvPr/>
           </p:nvPicPr>
           <p:blipFill>
-            <a:blip r:embed="rId15" cstate="print"/>
+            <a:blip r:embed="rId14" cstate="print"/>
             <a:stretch>
               <a:fillRect/>
             </a:stretch>
@@ -14617,7 +14403,7 @@
           <p:nvPr/>
         </p:nvPicPr>
         <p:blipFill>
-          <a:blip r:embed="rId16" cstate="print"/>
+          <a:blip r:embed="rId15" cstate="print"/>
           <a:stretch>
             <a:fillRect/>
           </a:stretch>
@@ -14699,7 +14485,7 @@
             <p:nvPr/>
           </p:nvPicPr>
           <p:blipFill>
-            <a:blip r:embed="rId8" cstate="print"/>
+            <a:blip r:embed="rId7" cstate="print"/>
             <a:stretch>
               <a:fillRect/>
             </a:stretch>
@@ -14721,7 +14507,7 @@
             <p:nvPr/>
           </p:nvPicPr>
           <p:blipFill>
-            <a:blip r:embed="rId17" cstate="print"/>
+            <a:blip r:embed="rId16" cstate="print"/>
             <a:stretch>
               <a:fillRect/>
             </a:stretch>
@@ -14790,7 +14576,7 @@
           <p:nvPr/>
         </p:nvPicPr>
         <p:blipFill>
-          <a:blip r:embed="rId18" cstate="print"/>
+          <a:blip r:embed="rId17" cstate="print"/>
           <a:stretch>
             <a:fillRect/>
           </a:stretch>
@@ -14812,7 +14598,7 @@
           <p:nvPr/>
         </p:nvPicPr>
         <p:blipFill>
-          <a:blip r:embed="rId19" cstate="print"/>
+          <a:blip r:embed="rId18" cstate="print"/>
           <a:stretch>
             <a:fillRect/>
           </a:stretch>
@@ -14834,7 +14620,7 @@
           <p:nvPr/>
         </p:nvPicPr>
         <p:blipFill>
-          <a:blip r:embed="rId20" cstate="print"/>
+          <a:blip r:embed="rId19" cstate="print"/>
           <a:stretch>
             <a:fillRect/>
           </a:stretch>
@@ -14866,7 +14652,6 @@
           <a:p>
             <a:fld id="{B6F15528-21DE-4FAA-801E-634DDDAF4B2B}" type="slidenum">
               <a:rPr/>
-              <a:t>21</a:t>
             </a:fld>
             <a:endParaRPr/>
           </a:p>
@@ -14904,7 +14689,7 @@
           <p:nvPr/>
         </p:nvPicPr>
         <p:blipFill>
-          <a:blip r:embed="rId2" cstate="print"/>
+          <a:blip r:embed="rId1" cstate="print"/>
           <a:stretch>
             <a:fillRect/>
           </a:stretch>
@@ -14978,9 +14763,7 @@
           <p:txBody>
             <a:bodyPr wrap="square" lIns="0" tIns="0" rIns="0" bIns="0" rtlCol="0"/>
             <a:lstStyle/>
-            <a:p>
-              <a:endParaRPr/>
-            </a:p>
+            <a:p/>
           </p:txBody>
         </p:sp>
         <p:sp>
@@ -15030,9 +14813,7 @@
           <p:txBody>
             <a:bodyPr wrap="square" lIns="0" tIns="0" rIns="0" bIns="0" rtlCol="0"/>
             <a:lstStyle/>
-            <a:p>
-              <a:endParaRPr/>
-            </a:p>
+            <a:p/>
           </p:txBody>
         </p:sp>
         <p:pic>
@@ -15042,7 +14823,7 @@
             <p:nvPr/>
           </p:nvPicPr>
           <p:blipFill>
-            <a:blip r:embed="rId3" cstate="print"/>
+            <a:blip r:embed="rId2" cstate="print"/>
             <a:stretch>
               <a:fillRect/>
             </a:stretch>
@@ -15102,9 +14883,7 @@
           <p:txBody>
             <a:bodyPr wrap="square" lIns="0" tIns="0" rIns="0" bIns="0" rtlCol="0"/>
             <a:lstStyle/>
-            <a:p>
-              <a:endParaRPr/>
-            </a:p>
+            <a:p/>
           </p:txBody>
         </p:sp>
         <p:sp>
@@ -15154,9 +14933,7 @@
           <p:txBody>
             <a:bodyPr wrap="square" lIns="0" tIns="0" rIns="0" bIns="0" rtlCol="0"/>
             <a:lstStyle/>
-            <a:p>
-              <a:endParaRPr/>
-            </a:p>
+            <a:p/>
           </p:txBody>
         </p:sp>
       </p:grpSp>
@@ -15313,7 +15090,7 @@
                 </a:solidFill>
                 <a:latin typeface="Courier New" panose="02070309020205020404"/>
                 <a:cs typeface="Courier New" panose="02070309020205020404"/>
-                <a:hlinkClick r:id="rId4"/>
+                <a:hlinkClick r:id="rId3"/>
               </a:rPr>
               <a:t>'www.myWebService.com/api/products'</a:t>
             </a:r>
@@ -15991,7 +15768,6 @@
           <a:p>
             <a:fld id="{B6F15528-21DE-4FAA-801E-634DDDAF4B2B}" type="slidenum">
               <a:rPr/>
-              <a:t>22</a:t>
             </a:fld>
             <a:endParaRPr/>
           </a:p>
@@ -16029,7 +15805,7 @@
           <p:nvPr/>
         </p:nvPicPr>
         <p:blipFill>
-          <a:blip r:embed="rId2" cstate="print"/>
+          <a:blip r:embed="rId1" cstate="print"/>
           <a:stretch>
             <a:fillRect/>
           </a:stretch>
@@ -16103,9 +15879,7 @@
           <p:txBody>
             <a:bodyPr wrap="square" lIns="0" tIns="0" rIns="0" bIns="0" rtlCol="0"/>
             <a:lstStyle/>
-            <a:p>
-              <a:endParaRPr/>
-            </a:p>
+            <a:p/>
           </p:txBody>
         </p:sp>
         <p:sp>
@@ -16155,14 +15929,34 @@
           <p:txBody>
             <a:bodyPr wrap="square" lIns="0" tIns="0" rIns="0" bIns="0" rtlCol="0"/>
             <a:lstStyle/>
-            <a:p>
-              <a:endParaRPr/>
-            </a:p>
+            <a:p/>
           </p:txBody>
         </p:sp>
         <p:pic>
           <p:nvPicPr>
             <p:cNvPr id="6" name="object 6"/>
+            <p:cNvPicPr/>
+            <p:nvPr/>
+          </p:nvPicPr>
+          <p:blipFill>
+            <a:blip r:embed="rId2" cstate="print"/>
+            <a:stretch>
+              <a:fillRect/>
+            </a:stretch>
+          </p:blipFill>
+          <p:spPr>
+            <a:xfrm>
+              <a:off x="940003" y="1277696"/>
+              <a:ext cx="1161719" cy="305104"/>
+            </a:xfrm>
+            <a:prstGeom prst="rect">
+              <a:avLst/>
+            </a:prstGeom>
+          </p:spPr>
+        </p:pic>
+        <p:pic>
+          <p:nvPicPr>
+            <p:cNvPr id="7" name="object 7"/>
             <p:cNvPicPr/>
             <p:nvPr/>
           </p:nvPicPr>
@@ -16174,28 +15968,6 @@
           </p:blipFill>
           <p:spPr>
             <a:xfrm>
-              <a:off x="940003" y="1277696"/>
-              <a:ext cx="1161719" cy="305104"/>
-            </a:xfrm>
-            <a:prstGeom prst="rect">
-              <a:avLst/>
-            </a:prstGeom>
-          </p:spPr>
-        </p:pic>
-        <p:pic>
-          <p:nvPicPr>
-            <p:cNvPr id="7" name="object 7"/>
-            <p:cNvPicPr/>
-            <p:nvPr/>
-          </p:nvPicPr>
-          <p:blipFill>
-            <a:blip r:embed="rId4" cstate="print"/>
-            <a:stretch>
-              <a:fillRect/>
-            </a:stretch>
-          </p:blipFill>
-          <p:spPr>
-            <a:xfrm>
               <a:off x="1956561" y="1277696"/>
               <a:ext cx="207263" cy="305104"/>
             </a:xfrm>
@@ -16211,7 +15983,7 @@
             <p:nvPr/>
           </p:nvPicPr>
           <p:blipFill>
-            <a:blip r:embed="rId5" cstate="print"/>
+            <a:blip r:embed="rId4" cstate="print"/>
             <a:stretch>
               <a:fillRect/>
             </a:stretch>
@@ -16271,9 +16043,7 @@
           <p:txBody>
             <a:bodyPr wrap="square" lIns="0" tIns="0" rIns="0" bIns="0" rtlCol="0"/>
             <a:lstStyle/>
-            <a:p>
-              <a:endParaRPr/>
-            </a:p>
+            <a:p/>
           </p:txBody>
         </p:sp>
         <p:sp>
@@ -16323,9 +16093,7 @@
           <p:txBody>
             <a:bodyPr wrap="square" lIns="0" tIns="0" rIns="0" bIns="0" rtlCol="0"/>
             <a:lstStyle/>
-            <a:p>
-              <a:endParaRPr/>
-            </a:p>
+            <a:p/>
           </p:txBody>
         </p:sp>
       </p:grpSp>
@@ -16592,7 +16360,6 @@
           <a:p>
             <a:fld id="{B6F15528-21DE-4FAA-801E-634DDDAF4B2B}" type="slidenum">
               <a:rPr/>
-              <a:t>23</a:t>
             </a:fld>
             <a:endParaRPr/>
           </a:p>
@@ -16644,6 +16411,28 @@
             <p:nvPr/>
           </p:nvPicPr>
           <p:blipFill>
+            <a:blip r:embed="rId1" cstate="print"/>
+            <a:stretch>
+              <a:fillRect/>
+            </a:stretch>
+          </p:blipFill>
+          <p:spPr>
+            <a:xfrm>
+              <a:off x="0" y="0"/>
+              <a:ext cx="4636008" cy="6858000"/>
+            </a:xfrm>
+            <a:prstGeom prst="rect">
+              <a:avLst/>
+            </a:prstGeom>
+          </p:spPr>
+        </p:pic>
+        <p:pic>
+          <p:nvPicPr>
+            <p:cNvPr id="4" name="object 4"/>
+            <p:cNvPicPr/>
+            <p:nvPr/>
+          </p:nvPicPr>
+          <p:blipFill>
             <a:blip r:embed="rId2" cstate="print"/>
             <a:stretch>
               <a:fillRect/>
@@ -16651,28 +16440,6 @@
           </p:blipFill>
           <p:spPr>
             <a:xfrm>
-              <a:off x="0" y="0"/>
-              <a:ext cx="4636008" cy="6858000"/>
-            </a:xfrm>
-            <a:prstGeom prst="rect">
-              <a:avLst/>
-            </a:prstGeom>
-          </p:spPr>
-        </p:pic>
-        <p:pic>
-          <p:nvPicPr>
-            <p:cNvPr id="4" name="object 4"/>
-            <p:cNvPicPr/>
-            <p:nvPr/>
-          </p:nvPicPr>
-          <p:blipFill>
-            <a:blip r:embed="rId3" cstate="print"/>
-            <a:stretch>
-              <a:fillRect/>
-            </a:stretch>
-          </p:blipFill>
-          <p:spPr>
-            <a:xfrm>
               <a:off x="1639189" y="1948560"/>
               <a:ext cx="1689735" cy="548639"/>
             </a:xfrm>
@@ -16688,7 +16455,7 @@
             <p:nvPr/>
           </p:nvPicPr>
           <p:blipFill>
-            <a:blip r:embed="rId4" cstate="print"/>
+            <a:blip r:embed="rId3" cstate="print"/>
             <a:stretch>
               <a:fillRect/>
             </a:stretch>
@@ -16711,7 +16478,7 @@
           <p:nvPr/>
         </p:nvPicPr>
         <p:blipFill>
-          <a:blip r:embed="rId5" cstate="print"/>
+          <a:blip r:embed="rId4" cstate="print"/>
           <a:stretch>
             <a:fillRect/>
           </a:stretch>
@@ -16743,7 +16510,6 @@
           <a:p>
             <a:fld id="{B6F15528-21DE-4FAA-801E-634DDDAF4B2B}" type="slidenum">
               <a:rPr/>
-              <a:t>24</a:t>
             </a:fld>
             <a:endParaRPr/>
           </a:p>
@@ -16781,7 +16547,7 @@
           <p:nvPr/>
         </p:nvPicPr>
         <p:blipFill>
-          <a:blip r:embed="rId2" cstate="print"/>
+          <a:blip r:embed="rId1" cstate="print"/>
           <a:stretch>
             <a:fillRect/>
           </a:stretch>
@@ -16817,7 +16583,7 @@
             <p:nvPr/>
           </p:nvPicPr>
           <p:blipFill>
-            <a:blip r:embed="rId3" cstate="print"/>
+            <a:blip r:embed="rId2" cstate="print"/>
             <a:stretch>
               <a:fillRect/>
             </a:stretch>
@@ -16879,9 +16645,7 @@
           <p:txBody>
             <a:bodyPr wrap="square" lIns="0" tIns="0" rIns="0" bIns="0" rtlCol="0"/>
             <a:lstStyle/>
-            <a:p>
-              <a:endParaRPr/>
-            </a:p>
+            <a:p/>
           </p:txBody>
         </p:sp>
       </p:grpSp>
@@ -16902,7 +16666,6 @@
           <a:p>
             <a:fld id="{B6F15528-21DE-4FAA-801E-634DDDAF4B2B}" type="slidenum">
               <a:rPr/>
-              <a:t>25</a:t>
             </a:fld>
             <a:endParaRPr/>
           </a:p>
@@ -16954,7 +16717,7 @@
             <p:nvPr/>
           </p:nvPicPr>
           <p:blipFill>
-            <a:blip r:embed="rId2" cstate="print"/>
+            <a:blip r:embed="rId1" cstate="print"/>
             <a:stretch>
               <a:fillRect/>
             </a:stretch>
@@ -17014,9 +16777,7 @@
           <p:txBody>
             <a:bodyPr wrap="square" lIns="0" tIns="0" rIns="0" bIns="0" rtlCol="0"/>
             <a:lstStyle/>
-            <a:p>
-              <a:endParaRPr/>
-            </a:p>
+            <a:p/>
           </p:txBody>
         </p:sp>
         <p:sp>
@@ -17066,9 +16827,7 @@
           <p:txBody>
             <a:bodyPr wrap="square" lIns="0" tIns="0" rIns="0" bIns="0" rtlCol="0"/>
             <a:lstStyle/>
-            <a:p>
-              <a:endParaRPr/>
-            </a:p>
+            <a:p/>
           </p:txBody>
         </p:sp>
         <p:pic>
@@ -17078,7 +16837,7 @@
             <p:nvPr/>
           </p:nvPicPr>
           <p:blipFill>
-            <a:blip r:embed="rId3" cstate="print"/>
+            <a:blip r:embed="rId2" cstate="print"/>
             <a:stretch>
               <a:fillRect/>
             </a:stretch>
@@ -17138,9 +16897,7 @@
           <p:txBody>
             <a:bodyPr wrap="square" lIns="0" tIns="0" rIns="0" bIns="0" rtlCol="0"/>
             <a:lstStyle/>
-            <a:p>
-              <a:endParaRPr/>
-            </a:p>
+            <a:p/>
           </p:txBody>
         </p:sp>
         <p:sp>
@@ -17190,9 +16947,7 @@
           <p:txBody>
             <a:bodyPr wrap="square" lIns="0" tIns="0" rIns="0" bIns="0" rtlCol="0"/>
             <a:lstStyle/>
-            <a:p>
-              <a:endParaRPr/>
-            </a:p>
+            <a:p/>
           </p:txBody>
         </p:sp>
       </p:grpSp>
@@ -17659,7 +17414,6 @@
           <a:p>
             <a:fld id="{B6F15528-21DE-4FAA-801E-634DDDAF4B2B}" type="slidenum">
               <a:rPr/>
-              <a:t>26</a:t>
             </a:fld>
             <a:endParaRPr/>
           </a:p>
@@ -17711,7 +17465,7 @@
             <p:nvPr/>
           </p:nvPicPr>
           <p:blipFill>
-            <a:blip r:embed="rId2" cstate="print"/>
+            <a:blip r:embed="rId1" cstate="print"/>
             <a:stretch>
               <a:fillRect/>
             </a:stretch>
@@ -17771,9 +17525,7 @@
           <p:txBody>
             <a:bodyPr wrap="square" lIns="0" tIns="0" rIns="0" bIns="0" rtlCol="0"/>
             <a:lstStyle/>
-            <a:p>
-              <a:endParaRPr/>
-            </a:p>
+            <a:p/>
           </p:txBody>
         </p:sp>
         <p:sp>
@@ -17823,9 +17575,7 @@
           <p:txBody>
             <a:bodyPr wrap="square" lIns="0" tIns="0" rIns="0" bIns="0" rtlCol="0"/>
             <a:lstStyle/>
-            <a:p>
-              <a:endParaRPr/>
-            </a:p>
+            <a:p/>
           </p:txBody>
         </p:sp>
         <p:pic>
@@ -17835,7 +17585,7 @@
             <p:nvPr/>
           </p:nvPicPr>
           <p:blipFill>
-            <a:blip r:embed="rId3" cstate="print"/>
+            <a:blip r:embed="rId2" cstate="print"/>
             <a:stretch>
               <a:fillRect/>
             </a:stretch>
@@ -17895,9 +17645,7 @@
           <p:txBody>
             <a:bodyPr wrap="square" lIns="0" tIns="0" rIns="0" bIns="0" rtlCol="0"/>
             <a:lstStyle/>
-            <a:p>
-              <a:endParaRPr/>
-            </a:p>
+            <a:p/>
           </p:txBody>
         </p:sp>
         <p:sp>
@@ -17947,9 +17695,7 @@
           <p:txBody>
             <a:bodyPr wrap="square" lIns="0" tIns="0" rIns="0" bIns="0" rtlCol="0"/>
             <a:lstStyle/>
-            <a:p>
-              <a:endParaRPr/>
-            </a:p>
+            <a:p/>
           </p:txBody>
         </p:sp>
       </p:grpSp>
@@ -18106,7 +17852,7 @@
                 </a:solidFill>
                 <a:latin typeface="Courier New" panose="02070309020205020404"/>
                 <a:cs typeface="Courier New" panose="02070309020205020404"/>
-                <a:hlinkClick r:id="rId4"/>
+                <a:hlinkClick r:id="rId3"/>
               </a:rPr>
               <a:t>'www.myWebService.com/api/products'</a:t>
             </a:r>
@@ -18643,7 +18389,6 @@
           <a:p>
             <a:fld id="{B6F15528-21DE-4FAA-801E-634DDDAF4B2B}" type="slidenum">
               <a:rPr/>
-              <a:t>27</a:t>
             </a:fld>
             <a:endParaRPr/>
           </a:p>
@@ -18695,6 +18440,28 @@
             <p:nvPr/>
           </p:nvPicPr>
           <p:blipFill>
+            <a:blip r:embed="rId1" cstate="print"/>
+            <a:stretch>
+              <a:fillRect/>
+            </a:stretch>
+          </p:blipFill>
+          <p:spPr>
+            <a:xfrm>
+              <a:off x="0" y="0"/>
+              <a:ext cx="4636008" cy="6858000"/>
+            </a:xfrm>
+            <a:prstGeom prst="rect">
+              <a:avLst/>
+            </a:prstGeom>
+          </p:spPr>
+        </p:pic>
+        <p:pic>
+          <p:nvPicPr>
+            <p:cNvPr id="4" name="object 4"/>
+            <p:cNvPicPr/>
+            <p:nvPr/>
+          </p:nvPicPr>
+          <p:blipFill>
             <a:blip r:embed="rId2" cstate="print"/>
             <a:stretch>
               <a:fillRect/>
@@ -18702,28 +18469,6 @@
           </p:blipFill>
           <p:spPr>
             <a:xfrm>
-              <a:off x="0" y="0"/>
-              <a:ext cx="4636008" cy="6858000"/>
-            </a:xfrm>
-            <a:prstGeom prst="rect">
-              <a:avLst/>
-            </a:prstGeom>
-          </p:spPr>
-        </p:pic>
-        <p:pic>
-          <p:nvPicPr>
-            <p:cNvPr id="4" name="object 4"/>
-            <p:cNvPicPr/>
-            <p:nvPr/>
-          </p:nvPicPr>
-          <p:blipFill>
-            <a:blip r:embed="rId3" cstate="print"/>
-            <a:stretch>
-              <a:fillRect/>
-            </a:stretch>
-          </p:blipFill>
-          <p:spPr>
-            <a:xfrm>
               <a:off x="1639189" y="1948560"/>
               <a:ext cx="1689735" cy="548639"/>
             </a:xfrm>
@@ -18739,7 +18484,7 @@
             <p:nvPr/>
           </p:nvPicPr>
           <p:blipFill>
-            <a:blip r:embed="rId4" cstate="print"/>
+            <a:blip r:embed="rId3" cstate="print"/>
             <a:stretch>
               <a:fillRect/>
             </a:stretch>
@@ -18762,7 +18507,7 @@
           <p:nvPr/>
         </p:nvPicPr>
         <p:blipFill>
-          <a:blip r:embed="rId5" cstate="print"/>
+          <a:blip r:embed="rId4" cstate="print"/>
           <a:stretch>
             <a:fillRect/>
           </a:stretch>
@@ -18794,7 +18539,6 @@
           <a:p>
             <a:fld id="{B6F15528-21DE-4FAA-801E-634DDDAF4B2B}" type="slidenum">
               <a:rPr/>
-              <a:t>28</a:t>
             </a:fld>
             <a:endParaRPr/>
           </a:p>
@@ -18832,7 +18576,7 @@
           <p:nvPr/>
         </p:nvPicPr>
         <p:blipFill>
-          <a:blip r:embed="rId2" cstate="print"/>
+          <a:blip r:embed="rId1" cstate="print"/>
           <a:stretch>
             <a:fillRect/>
           </a:stretch>
@@ -18854,7 +18598,7 @@
           <p:nvPr/>
         </p:nvPicPr>
         <p:blipFill>
-          <a:blip r:embed="rId3" cstate="print"/>
+          <a:blip r:embed="rId2" cstate="print"/>
           <a:stretch>
             <a:fillRect/>
           </a:stretch>
@@ -18876,7 +18620,7 @@
           <p:nvPr/>
         </p:nvPicPr>
         <p:blipFill>
-          <a:blip r:embed="rId4" cstate="print"/>
+          <a:blip r:embed="rId3" cstate="print"/>
           <a:stretch>
             <a:fillRect/>
           </a:stretch>
@@ -18908,7 +18652,6 @@
           <a:p>
             <a:fld id="{B6F15528-21DE-4FAA-801E-634DDDAF4B2B}" type="slidenum">
               <a:rPr/>
-              <a:t>29</a:t>
             </a:fld>
             <a:endParaRPr/>
           </a:p>
@@ -18916,13 +18659,7 @@
       </p:sp>
       <p:sp>
         <p:nvSpPr>
-          <p:cNvPr id="6" name="Rectangle 5">
-            <a:extLst>
-              <a:ext uri="{FF2B5EF4-FFF2-40B4-BE49-F238E27FC236}">
-                <a16:creationId xmlns:a16="http://schemas.microsoft.com/office/drawing/2014/main" id="{A990E5FC-E8CA-A8BD-BE6E-9FFE3A9E0929}"/>
-              </a:ext>
-            </a:extLst>
-          </p:cNvPr>
+          <p:cNvPr id="6" name="Rectangle 5"/>
           <p:cNvSpPr/>
           <p:nvPr/>
         </p:nvSpPr>
@@ -18968,13 +18705,7 @@
       </p:sp>
       <p:sp>
         <p:nvSpPr>
-          <p:cNvPr id="7" name="Rectangle 6">
-            <a:extLst>
-              <a:ext uri="{FF2B5EF4-FFF2-40B4-BE49-F238E27FC236}">
-                <a16:creationId xmlns:a16="http://schemas.microsoft.com/office/drawing/2014/main" id="{6ACDCF8F-9952-713B-9CD3-F7145FE19A16}"/>
-              </a:ext>
-            </a:extLst>
-          </p:cNvPr>
+          <p:cNvPr id="7" name="Rectangle 6"/>
           <p:cNvSpPr/>
           <p:nvPr/>
         </p:nvSpPr>
@@ -19064,7 +18795,7 @@
             <p:nvPr/>
           </p:nvPicPr>
           <p:blipFill>
-            <a:blip r:embed="rId2" cstate="print"/>
+            <a:blip r:embed="rId1" cstate="print"/>
             <a:stretch>
               <a:fillRect/>
             </a:stretch>
@@ -19198,9 +18929,7 @@
           <p:txBody>
             <a:bodyPr wrap="square" lIns="0" tIns="0" rIns="0" bIns="0" rtlCol="0"/>
             <a:lstStyle/>
-            <a:p>
-              <a:endParaRPr/>
-            </a:p>
+            <a:p/>
           </p:txBody>
         </p:sp>
       </p:grpSp>
@@ -19225,6 +18954,28 @@
             <p:nvPr/>
           </p:nvPicPr>
           <p:blipFill>
+            <a:blip r:embed="rId2" cstate="print"/>
+            <a:stretch>
+              <a:fillRect/>
+            </a:stretch>
+          </p:blipFill>
+          <p:spPr>
+            <a:xfrm>
+              <a:off x="9191244" y="672668"/>
+              <a:ext cx="834771" cy="431596"/>
+            </a:xfrm>
+            <a:prstGeom prst="rect">
+              <a:avLst/>
+            </a:prstGeom>
+          </p:spPr>
+        </p:pic>
+        <p:pic>
+          <p:nvPicPr>
+            <p:cNvPr id="7" name="object 7"/>
+            <p:cNvPicPr/>
+            <p:nvPr/>
+          </p:nvPicPr>
+          <p:blipFill>
             <a:blip r:embed="rId3" cstate="print"/>
             <a:stretch>
               <a:fillRect/>
@@ -19232,28 +18983,6 @@
           </p:blipFill>
           <p:spPr>
             <a:xfrm>
-              <a:off x="9191244" y="672668"/>
-              <a:ext cx="834771" cy="431596"/>
-            </a:xfrm>
-            <a:prstGeom prst="rect">
-              <a:avLst/>
-            </a:prstGeom>
-          </p:spPr>
-        </p:pic>
-        <p:pic>
-          <p:nvPicPr>
-            <p:cNvPr id="7" name="object 7"/>
-            <p:cNvPicPr/>
-            <p:nvPr/>
-          </p:nvPicPr>
-          <p:blipFill>
-            <a:blip r:embed="rId4" cstate="print"/>
-            <a:stretch>
-              <a:fillRect/>
-            </a:stretch>
-          </p:blipFill>
-          <p:spPr>
-            <a:xfrm>
               <a:off x="9009888" y="1099693"/>
               <a:ext cx="1122273" cy="431291"/>
             </a:xfrm>
@@ -19269,7 +18998,7 @@
             <p:nvPr/>
           </p:nvPicPr>
           <p:blipFill>
-            <a:blip r:embed="rId5" cstate="print"/>
+            <a:blip r:embed="rId4" cstate="print"/>
             <a:stretch>
               <a:fillRect/>
             </a:stretch>
@@ -19403,9 +19132,7 @@
           <p:txBody>
             <a:bodyPr wrap="square" lIns="0" tIns="0" rIns="0" bIns="0" rtlCol="0"/>
             <a:lstStyle/>
-            <a:p>
-              <a:endParaRPr/>
-            </a:p>
+            <a:p/>
           </p:txBody>
         </p:sp>
       </p:grpSp>
@@ -19416,7 +19143,7 @@
           <p:nvPr/>
         </p:nvPicPr>
         <p:blipFill>
-          <a:blip r:embed="rId6" cstate="print"/>
+          <a:blip r:embed="rId5" cstate="print"/>
           <a:stretch>
             <a:fillRect/>
           </a:stretch>
@@ -20004,9 +19731,7 @@
         <p:txBody>
           <a:bodyPr wrap="square" lIns="0" tIns="0" rIns="0" bIns="0" rtlCol="0"/>
           <a:lstStyle/>
-          <a:p>
-            <a:endParaRPr/>
-          </a:p>
+          <a:p/>
         </p:txBody>
       </p:sp>
       <p:pic>
@@ -20016,7 +19741,7 @@
           <p:nvPr/>
         </p:nvPicPr>
         <p:blipFill>
-          <a:blip r:embed="rId7" cstate="print"/>
+          <a:blip r:embed="rId6" cstate="print"/>
           <a:stretch>
             <a:fillRect/>
           </a:stretch>
@@ -20589,9 +20314,7 @@
         <p:txBody>
           <a:bodyPr wrap="square" lIns="0" tIns="0" rIns="0" bIns="0" rtlCol="0"/>
           <a:lstStyle/>
-          <a:p>
-            <a:endParaRPr/>
-          </a:p>
+          <a:p/>
         </p:txBody>
       </p:sp>
       <p:pic>
@@ -20601,7 +20324,7 @@
           <p:nvPr/>
         </p:nvPicPr>
         <p:blipFill>
-          <a:blip r:embed="rId8" cstate="print"/>
+          <a:blip r:embed="rId7" cstate="print"/>
           <a:stretch>
             <a:fillRect/>
           </a:stretch>
@@ -20913,9 +20636,7 @@
         <p:txBody>
           <a:bodyPr wrap="square" lIns="0" tIns="0" rIns="0" bIns="0" rtlCol="0"/>
           <a:lstStyle/>
-          <a:p>
-            <a:endParaRPr/>
-          </a:p>
+          <a:p/>
         </p:txBody>
       </p:sp>
       <p:grpSp>
@@ -20977,9 +20698,7 @@
           <p:txBody>
             <a:bodyPr wrap="square" lIns="0" tIns="0" rIns="0" bIns="0" rtlCol="0"/>
             <a:lstStyle/>
-            <a:p>
-              <a:endParaRPr/>
-            </a:p>
+            <a:p/>
           </p:txBody>
         </p:sp>
         <p:sp>
@@ -21029,9 +20748,7 @@
           <p:txBody>
             <a:bodyPr wrap="square" lIns="0" tIns="0" rIns="0" bIns="0" rtlCol="0"/>
             <a:lstStyle/>
-            <a:p>
-              <a:endParaRPr/>
-            </a:p>
+            <a:p/>
           </p:txBody>
         </p:sp>
         <p:pic>
@@ -21041,7 +20758,7 @@
             <p:nvPr/>
           </p:nvPicPr>
           <p:blipFill>
-            <a:blip r:embed="rId9" cstate="print"/>
+            <a:blip r:embed="rId8" cstate="print"/>
             <a:stretch>
               <a:fillRect/>
             </a:stretch>
@@ -21063,7 +20780,7 @@
             <p:nvPr/>
           </p:nvPicPr>
           <p:blipFill>
-            <a:blip r:embed="rId10" cstate="print"/>
+            <a:blip r:embed="rId9" cstate="print"/>
             <a:stretch>
               <a:fillRect/>
             </a:stretch>
@@ -21264,9 +20981,7 @@
           <p:txBody>
             <a:bodyPr wrap="square" lIns="0" tIns="0" rIns="0" bIns="0" rtlCol="0"/>
             <a:lstStyle/>
-            <a:p>
-              <a:endParaRPr/>
-            </a:p>
+            <a:p/>
           </p:txBody>
         </p:sp>
         <p:sp>
@@ -21516,9 +21231,7 @@
           <p:txBody>
             <a:bodyPr wrap="square" lIns="0" tIns="0" rIns="0" bIns="0" rtlCol="0"/>
             <a:lstStyle/>
-            <a:p>
-              <a:endParaRPr/>
-            </a:p>
+            <a:p/>
           </p:txBody>
         </p:sp>
         <p:pic>
@@ -21528,7 +21241,7 @@
             <p:nvPr/>
           </p:nvPicPr>
           <p:blipFill>
-            <a:blip r:embed="rId11" cstate="print"/>
+            <a:blip r:embed="rId10" cstate="print"/>
             <a:stretch>
               <a:fillRect/>
             </a:stretch>
@@ -21855,9 +21568,7 @@
           <p:txBody>
             <a:bodyPr wrap="square" lIns="0" tIns="0" rIns="0" bIns="0" rtlCol="0"/>
             <a:lstStyle/>
-            <a:p>
-              <a:endParaRPr/>
-            </a:p>
+            <a:p/>
           </p:txBody>
         </p:sp>
         <p:sp>
@@ -21905,9 +21616,7 @@
           <p:txBody>
             <a:bodyPr wrap="square" lIns="0" tIns="0" rIns="0" bIns="0" rtlCol="0"/>
             <a:lstStyle/>
-            <a:p>
-              <a:endParaRPr/>
-            </a:p>
+            <a:p/>
           </p:txBody>
         </p:sp>
         <p:sp>
@@ -21957,9 +21666,7 @@
           <p:txBody>
             <a:bodyPr wrap="square" lIns="0" tIns="0" rIns="0" bIns="0" rtlCol="0"/>
             <a:lstStyle/>
-            <a:p>
-              <a:endParaRPr/>
-            </a:p>
+            <a:p/>
           </p:txBody>
         </p:sp>
         <p:pic>
@@ -21969,7 +21676,7 @@
             <p:nvPr/>
           </p:nvPicPr>
           <p:blipFill>
-            <a:blip r:embed="rId12" cstate="print"/>
+            <a:blip r:embed="rId11" cstate="print"/>
             <a:stretch>
               <a:fillRect/>
             </a:stretch>
@@ -22047,9 +21754,7 @@
           <p:txBody>
             <a:bodyPr wrap="square" lIns="0" tIns="0" rIns="0" bIns="0" rtlCol="0"/>
             <a:lstStyle/>
-            <a:p>
-              <a:endParaRPr/>
-            </a:p>
+            <a:p/>
           </p:txBody>
         </p:sp>
         <p:sp>
@@ -22102,9 +21807,7 @@
           <p:txBody>
             <a:bodyPr wrap="square" lIns="0" tIns="0" rIns="0" bIns="0" rtlCol="0"/>
             <a:lstStyle/>
-            <a:p>
-              <a:endParaRPr/>
-            </a:p>
+            <a:p/>
           </p:txBody>
         </p:sp>
         <p:sp>
@@ -22155,9 +21858,7 @@
           <p:txBody>
             <a:bodyPr wrap="square" lIns="0" tIns="0" rIns="0" bIns="0" rtlCol="0"/>
             <a:lstStyle/>
-            <a:p>
-              <a:endParaRPr/>
-            </a:p>
+            <a:p/>
           </p:txBody>
         </p:sp>
         <p:sp>
@@ -22210,9 +21911,7 @@
           <p:txBody>
             <a:bodyPr wrap="square" lIns="0" tIns="0" rIns="0" bIns="0" rtlCol="0"/>
             <a:lstStyle/>
-            <a:p>
-              <a:endParaRPr/>
-            </a:p>
+            <a:p/>
           </p:txBody>
         </p:sp>
         <p:pic>
@@ -22222,7 +21921,7 @@
             <p:nvPr/>
           </p:nvPicPr>
           <p:blipFill>
-            <a:blip r:embed="rId13" cstate="print"/>
+            <a:blip r:embed="rId12" cstate="print"/>
             <a:stretch>
               <a:fillRect/>
             </a:stretch>
@@ -22300,9 +21999,7 @@
           <p:txBody>
             <a:bodyPr wrap="square" lIns="0" tIns="0" rIns="0" bIns="0" rtlCol="0"/>
             <a:lstStyle/>
-            <a:p>
-              <a:endParaRPr/>
-            </a:p>
+            <a:p/>
           </p:txBody>
         </p:sp>
         <p:sp>
@@ -22355,9 +22052,7 @@
           <p:txBody>
             <a:bodyPr wrap="square" lIns="0" tIns="0" rIns="0" bIns="0" rtlCol="0"/>
             <a:lstStyle/>
-            <a:p>
-              <a:endParaRPr/>
-            </a:p>
+            <a:p/>
           </p:txBody>
         </p:sp>
         <p:sp>
@@ -22408,9 +22103,7 @@
           <p:txBody>
             <a:bodyPr wrap="square" lIns="0" tIns="0" rIns="0" bIns="0" rtlCol="0"/>
             <a:lstStyle/>
-            <a:p>
-              <a:endParaRPr/>
-            </a:p>
+            <a:p/>
           </p:txBody>
         </p:sp>
         <p:sp>
@@ -22463,9 +22156,7 @@
           <p:txBody>
             <a:bodyPr wrap="square" lIns="0" tIns="0" rIns="0" bIns="0" rtlCol="0"/>
             <a:lstStyle/>
-            <a:p>
-              <a:endParaRPr/>
-            </a:p>
+            <a:p/>
           </p:txBody>
         </p:sp>
         <p:pic>
@@ -22475,7 +22166,7 @@
             <p:nvPr/>
           </p:nvPicPr>
           <p:blipFill>
-            <a:blip r:embed="rId14" cstate="print"/>
+            <a:blip r:embed="rId13" cstate="print"/>
             <a:stretch>
               <a:fillRect/>
             </a:stretch>
@@ -22553,9 +22244,7 @@
           <p:txBody>
             <a:bodyPr wrap="square" lIns="0" tIns="0" rIns="0" bIns="0" rtlCol="0"/>
             <a:lstStyle/>
-            <a:p>
-              <a:endParaRPr/>
-            </a:p>
+            <a:p/>
           </p:txBody>
         </p:sp>
         <p:sp>
@@ -22608,9 +22297,7 @@
           <p:txBody>
             <a:bodyPr wrap="square" lIns="0" tIns="0" rIns="0" bIns="0" rtlCol="0"/>
             <a:lstStyle/>
-            <a:p>
-              <a:endParaRPr/>
-            </a:p>
+            <a:p/>
           </p:txBody>
         </p:sp>
         <p:sp>
@@ -22661,9 +22348,7 @@
           <p:txBody>
             <a:bodyPr wrap="square" lIns="0" tIns="0" rIns="0" bIns="0" rtlCol="0"/>
             <a:lstStyle/>
-            <a:p>
-              <a:endParaRPr/>
-            </a:p>
+            <a:p/>
           </p:txBody>
         </p:sp>
         <p:sp>
@@ -22716,9 +22401,7 @@
           <p:txBody>
             <a:bodyPr wrap="square" lIns="0" tIns="0" rIns="0" bIns="0" rtlCol="0"/>
             <a:lstStyle/>
-            <a:p>
-              <a:endParaRPr/>
-            </a:p>
+            <a:p/>
           </p:txBody>
         </p:sp>
         <p:pic>
@@ -22728,7 +22411,7 @@
             <p:nvPr/>
           </p:nvPicPr>
           <p:blipFill>
-            <a:blip r:embed="rId15" cstate="print"/>
+            <a:blip r:embed="rId14" cstate="print"/>
             <a:stretch>
               <a:fillRect/>
             </a:stretch>
@@ -22806,9 +22489,7 @@
           <p:txBody>
             <a:bodyPr wrap="square" lIns="0" tIns="0" rIns="0" bIns="0" rtlCol="0"/>
             <a:lstStyle/>
-            <a:p>
-              <a:endParaRPr/>
-            </a:p>
+            <a:p/>
           </p:txBody>
         </p:sp>
         <p:sp>
@@ -22861,9 +22542,7 @@
           <p:txBody>
             <a:bodyPr wrap="square" lIns="0" tIns="0" rIns="0" bIns="0" rtlCol="0"/>
             <a:lstStyle/>
-            <a:p>
-              <a:endParaRPr/>
-            </a:p>
+            <a:p/>
           </p:txBody>
         </p:sp>
         <p:sp>
@@ -22914,9 +22593,7 @@
           <p:txBody>
             <a:bodyPr wrap="square" lIns="0" tIns="0" rIns="0" bIns="0" rtlCol="0"/>
             <a:lstStyle/>
-            <a:p>
-              <a:endParaRPr/>
-            </a:p>
+            <a:p/>
           </p:txBody>
         </p:sp>
         <p:sp>
@@ -22969,9 +22646,7 @@
           <p:txBody>
             <a:bodyPr wrap="square" lIns="0" tIns="0" rIns="0" bIns="0" rtlCol="0"/>
             <a:lstStyle/>
-            <a:p>
-              <a:endParaRPr/>
-            </a:p>
+            <a:p/>
           </p:txBody>
         </p:sp>
         <p:pic>
@@ -22981,7 +22656,7 @@
             <p:nvPr/>
           </p:nvPicPr>
           <p:blipFill>
-            <a:blip r:embed="rId16" cstate="print"/>
+            <a:blip r:embed="rId15" cstate="print"/>
             <a:stretch>
               <a:fillRect/>
             </a:stretch>
@@ -23056,9 +22731,7 @@
           <p:txBody>
             <a:bodyPr wrap="square" lIns="0" tIns="0" rIns="0" bIns="0" rtlCol="0"/>
             <a:lstStyle/>
-            <a:p>
-              <a:endParaRPr/>
-            </a:p>
+            <a:p/>
           </p:txBody>
         </p:sp>
         <p:sp>
@@ -23108,9 +22781,7 @@
           <p:txBody>
             <a:bodyPr wrap="square" lIns="0" tIns="0" rIns="0" bIns="0" rtlCol="0"/>
             <a:lstStyle/>
-            <a:p>
-              <a:endParaRPr/>
-            </a:p>
+            <a:p/>
           </p:txBody>
         </p:sp>
         <p:pic>
@@ -23120,7 +22791,7 @@
             <p:nvPr/>
           </p:nvPicPr>
           <p:blipFill>
-            <a:blip r:embed="rId12" cstate="print"/>
+            <a:blip r:embed="rId11" cstate="print"/>
             <a:stretch>
               <a:fillRect/>
             </a:stretch>
@@ -23143,7 +22814,7 @@
           <p:nvPr/>
         </p:nvPicPr>
         <p:blipFill>
-          <a:blip r:embed="rId17" cstate="print"/>
+          <a:blip r:embed="rId16" cstate="print"/>
           <a:stretch>
             <a:fillRect/>
           </a:stretch>
@@ -23165,7 +22836,7 @@
           <p:nvPr/>
         </p:nvPicPr>
         <p:blipFill>
-          <a:blip r:embed="rId18" cstate="print"/>
+          <a:blip r:embed="rId17" cstate="print"/>
           <a:stretch>
             <a:fillRect/>
           </a:stretch>
@@ -23187,7 +22858,7 @@
           <p:nvPr/>
         </p:nvPicPr>
         <p:blipFill>
-          <a:blip r:embed="rId19" cstate="print"/>
+          <a:blip r:embed="rId18" cstate="print"/>
           <a:stretch>
             <a:fillRect/>
           </a:stretch>
@@ -23209,7 +22880,7 @@
           <p:nvPr/>
         </p:nvPicPr>
         <p:blipFill>
-          <a:blip r:embed="rId20" cstate="print"/>
+          <a:blip r:embed="rId19" cstate="print"/>
           <a:stretch>
             <a:fillRect/>
           </a:stretch>
@@ -23241,7 +22912,6 @@
           <a:p>
             <a:fld id="{B6F15528-21DE-4FAA-801E-634DDDAF4B2B}" type="slidenum">
               <a:rPr/>
-              <a:t>3</a:t>
             </a:fld>
             <a:endParaRPr/>
           </a:p>
@@ -23293,7 +22963,7 @@
             <p:nvPr/>
           </p:nvPicPr>
           <p:blipFill>
-            <a:blip r:embed="rId2" cstate="print"/>
+            <a:blip r:embed="rId1" cstate="print"/>
             <a:stretch>
               <a:fillRect/>
             </a:stretch>
@@ -23353,9 +23023,7 @@
           <p:txBody>
             <a:bodyPr wrap="square" lIns="0" tIns="0" rIns="0" bIns="0" rtlCol="0"/>
             <a:lstStyle/>
-            <a:p>
-              <a:endParaRPr/>
-            </a:p>
+            <a:p/>
           </p:txBody>
         </p:sp>
         <p:sp>
@@ -23405,9 +23073,7 @@
           <p:txBody>
             <a:bodyPr wrap="square" lIns="0" tIns="0" rIns="0" bIns="0" rtlCol="0"/>
             <a:lstStyle/>
-            <a:p>
-              <a:endParaRPr/>
-            </a:p>
+            <a:p/>
           </p:txBody>
         </p:sp>
         <p:pic>
@@ -23417,7 +23083,7 @@
             <p:nvPr/>
           </p:nvPicPr>
           <p:blipFill>
-            <a:blip r:embed="rId3" cstate="print"/>
+            <a:blip r:embed="rId2" cstate="print"/>
             <a:stretch>
               <a:fillRect/>
             </a:stretch>
@@ -23477,9 +23143,7 @@
           <p:txBody>
             <a:bodyPr wrap="square" lIns="0" tIns="0" rIns="0" bIns="0" rtlCol="0"/>
             <a:lstStyle/>
-            <a:p>
-              <a:endParaRPr/>
-            </a:p>
+            <a:p/>
           </p:txBody>
         </p:sp>
         <p:sp>
@@ -23529,9 +23193,7 @@
           <p:txBody>
             <a:bodyPr wrap="square" lIns="0" tIns="0" rIns="0" bIns="0" rtlCol="0"/>
             <a:lstStyle/>
-            <a:p>
-              <a:endParaRPr/>
-            </a:p>
+            <a:p/>
           </p:txBody>
         </p:sp>
       </p:grpSp>
@@ -23688,7 +23350,7 @@
                 </a:solidFill>
                 <a:latin typeface="Courier New" panose="02070309020205020404"/>
                 <a:cs typeface="Courier New" panose="02070309020205020404"/>
-                <a:hlinkClick r:id="rId4"/>
+                <a:hlinkClick r:id="rId3"/>
               </a:rPr>
               <a:t>'www.myWebService.com/api/products'</a:t>
             </a:r>
@@ -24338,7 +24000,6 @@
           <a:p>
             <a:fld id="{B6F15528-21DE-4FAA-801E-634DDDAF4B2B}" type="slidenum">
               <a:rPr/>
-              <a:t>30</a:t>
             </a:fld>
             <a:endParaRPr/>
           </a:p>
@@ -24376,7 +24037,7 @@
           <p:nvPr/>
         </p:nvPicPr>
         <p:blipFill>
-          <a:blip r:embed="rId2" cstate="print"/>
+          <a:blip r:embed="rId1" cstate="print"/>
           <a:stretch>
             <a:fillRect/>
           </a:stretch>
@@ -24450,9 +24111,7 @@
           <p:txBody>
             <a:bodyPr wrap="square" lIns="0" tIns="0" rIns="0" bIns="0" rtlCol="0"/>
             <a:lstStyle/>
-            <a:p>
-              <a:endParaRPr/>
-            </a:p>
+            <a:p/>
           </p:txBody>
         </p:sp>
         <p:sp>
@@ -24502,14 +24161,34 @@
           <p:txBody>
             <a:bodyPr wrap="square" lIns="0" tIns="0" rIns="0" bIns="0" rtlCol="0"/>
             <a:lstStyle/>
-            <a:p>
-              <a:endParaRPr/>
-            </a:p>
+            <a:p/>
           </p:txBody>
         </p:sp>
         <p:pic>
           <p:nvPicPr>
             <p:cNvPr id="6" name="object 6"/>
+            <p:cNvPicPr/>
+            <p:nvPr/>
+          </p:nvPicPr>
+          <p:blipFill>
+            <a:blip r:embed="rId2" cstate="print"/>
+            <a:stretch>
+              <a:fillRect/>
+            </a:stretch>
+          </p:blipFill>
+          <p:spPr>
+            <a:xfrm>
+              <a:off x="940003" y="1277696"/>
+              <a:ext cx="1161719" cy="305104"/>
+            </a:xfrm>
+            <a:prstGeom prst="rect">
+              <a:avLst/>
+            </a:prstGeom>
+          </p:spPr>
+        </p:pic>
+        <p:pic>
+          <p:nvPicPr>
+            <p:cNvPr id="7" name="object 7"/>
             <p:cNvPicPr/>
             <p:nvPr/>
           </p:nvPicPr>
@@ -24521,28 +24200,6 @@
           </p:blipFill>
           <p:spPr>
             <a:xfrm>
-              <a:off x="940003" y="1277696"/>
-              <a:ext cx="1161719" cy="305104"/>
-            </a:xfrm>
-            <a:prstGeom prst="rect">
-              <a:avLst/>
-            </a:prstGeom>
-          </p:spPr>
-        </p:pic>
-        <p:pic>
-          <p:nvPicPr>
-            <p:cNvPr id="7" name="object 7"/>
-            <p:cNvPicPr/>
-            <p:nvPr/>
-          </p:nvPicPr>
-          <p:blipFill>
-            <a:blip r:embed="rId4" cstate="print"/>
-            <a:stretch>
-              <a:fillRect/>
-            </a:stretch>
-          </p:blipFill>
-          <p:spPr>
-            <a:xfrm>
               <a:off x="1956561" y="1277696"/>
               <a:ext cx="207263" cy="305104"/>
             </a:xfrm>
@@ -24558,7 +24215,7 @@
             <p:nvPr/>
           </p:nvPicPr>
           <p:blipFill>
-            <a:blip r:embed="rId5" cstate="print"/>
+            <a:blip r:embed="rId4" cstate="print"/>
             <a:stretch>
               <a:fillRect/>
             </a:stretch>
@@ -24618,9 +24275,7 @@
           <p:txBody>
             <a:bodyPr wrap="square" lIns="0" tIns="0" rIns="0" bIns="0" rtlCol="0"/>
             <a:lstStyle/>
-            <a:p>
-              <a:endParaRPr/>
-            </a:p>
+            <a:p/>
           </p:txBody>
         </p:sp>
         <p:sp>
@@ -24670,9 +24325,7 @@
           <p:txBody>
             <a:bodyPr wrap="square" lIns="0" tIns="0" rIns="0" bIns="0" rtlCol="0"/>
             <a:lstStyle/>
-            <a:p>
-              <a:endParaRPr/>
-            </a:p>
+            <a:p/>
           </p:txBody>
         </p:sp>
       </p:grpSp>
@@ -24956,7 +24609,6 @@
           <a:p>
             <a:fld id="{B6F15528-21DE-4FAA-801E-634DDDAF4B2B}" type="slidenum">
               <a:rPr/>
-              <a:t>31</a:t>
             </a:fld>
             <a:endParaRPr/>
           </a:p>
@@ -25008,6 +24660,28 @@
             <p:nvPr/>
           </p:nvPicPr>
           <p:blipFill>
+            <a:blip r:embed="rId1" cstate="print"/>
+            <a:stretch>
+              <a:fillRect/>
+            </a:stretch>
+          </p:blipFill>
+          <p:spPr>
+            <a:xfrm>
+              <a:off x="0" y="0"/>
+              <a:ext cx="4636008" cy="6858000"/>
+            </a:xfrm>
+            <a:prstGeom prst="rect">
+              <a:avLst/>
+            </a:prstGeom>
+          </p:spPr>
+        </p:pic>
+        <p:pic>
+          <p:nvPicPr>
+            <p:cNvPr id="4" name="object 4"/>
+            <p:cNvPicPr/>
+            <p:nvPr/>
+          </p:nvPicPr>
+          <p:blipFill>
             <a:blip r:embed="rId2" cstate="print"/>
             <a:stretch>
               <a:fillRect/>
@@ -25015,28 +24689,6 @@
           </p:blipFill>
           <p:spPr>
             <a:xfrm>
-              <a:off x="0" y="0"/>
-              <a:ext cx="4636008" cy="6858000"/>
-            </a:xfrm>
-            <a:prstGeom prst="rect">
-              <a:avLst/>
-            </a:prstGeom>
-          </p:spPr>
-        </p:pic>
-        <p:pic>
-          <p:nvPicPr>
-            <p:cNvPr id="4" name="object 4"/>
-            <p:cNvPicPr/>
-            <p:nvPr/>
-          </p:nvPicPr>
-          <p:blipFill>
-            <a:blip r:embed="rId3" cstate="print"/>
-            <a:stretch>
-              <a:fillRect/>
-            </a:stretch>
-          </p:blipFill>
-          <p:spPr>
-            <a:xfrm>
               <a:off x="1639189" y="1948560"/>
               <a:ext cx="1689735" cy="548639"/>
             </a:xfrm>
@@ -25052,7 +24704,7 @@
             <p:nvPr/>
           </p:nvPicPr>
           <p:blipFill>
-            <a:blip r:embed="rId4" cstate="print"/>
+            <a:blip r:embed="rId3" cstate="print"/>
             <a:stretch>
               <a:fillRect/>
             </a:stretch>
@@ -25075,7 +24727,7 @@
           <p:nvPr/>
         </p:nvPicPr>
         <p:blipFill>
-          <a:blip r:embed="rId5" cstate="print"/>
+          <a:blip r:embed="rId4" cstate="print"/>
           <a:stretch>
             <a:fillRect/>
           </a:stretch>
@@ -25107,7 +24759,6 @@
           <a:p>
             <a:fld id="{B6F15528-21DE-4FAA-801E-634DDDAF4B2B}" type="slidenum">
               <a:rPr/>
-              <a:t>32</a:t>
             </a:fld>
             <a:endParaRPr/>
           </a:p>
@@ -25175,9 +24826,7 @@
         <p:txBody>
           <a:bodyPr wrap="square" lIns="0" tIns="0" rIns="0" bIns="0" rtlCol="0"/>
           <a:lstStyle/>
-          <a:p>
-            <a:endParaRPr/>
-          </a:p>
+          <a:p/>
         </p:txBody>
       </p:sp>
       <p:sp>
@@ -25217,9 +24866,7 @@
         <p:txBody>
           <a:bodyPr wrap="square" lIns="0" tIns="0" rIns="0" bIns="0" rtlCol="0"/>
           <a:lstStyle/>
-          <a:p>
-            <a:endParaRPr/>
-          </a:p>
+          <a:p/>
         </p:txBody>
       </p:sp>
       <p:pic>
@@ -25229,7 +24876,7 @@
           <p:nvPr/>
         </p:nvPicPr>
         <p:blipFill>
-          <a:blip r:embed="rId2" cstate="print"/>
+          <a:blip r:embed="rId1" cstate="print"/>
           <a:stretch>
             <a:fillRect/>
           </a:stretch>
@@ -25265,6 +24912,28 @@
             <p:nvPr/>
           </p:nvPicPr>
           <p:blipFill>
+            <a:blip r:embed="rId2" cstate="print"/>
+            <a:stretch>
+              <a:fillRect/>
+            </a:stretch>
+          </p:blipFill>
+          <p:spPr>
+            <a:xfrm>
+              <a:off x="5096002" y="3270834"/>
+              <a:ext cx="918210" cy="366064"/>
+            </a:xfrm>
+            <a:prstGeom prst="rect">
+              <a:avLst/>
+            </a:prstGeom>
+          </p:spPr>
+        </p:pic>
+        <p:pic>
+          <p:nvPicPr>
+            <p:cNvPr id="7" name="object 7"/>
+            <p:cNvPicPr/>
+            <p:nvPr/>
+          </p:nvPicPr>
+          <p:blipFill>
             <a:blip r:embed="rId3" cstate="print"/>
             <a:stretch>
               <a:fillRect/>
@@ -25272,8 +24941,8 @@
           </p:blipFill>
           <p:spPr>
             <a:xfrm>
-              <a:off x="5096002" y="3270834"/>
-              <a:ext cx="918210" cy="366064"/>
+              <a:off x="5830570" y="3270834"/>
+              <a:ext cx="2882646" cy="366064"/>
             </a:xfrm>
             <a:prstGeom prst="rect">
               <a:avLst/>
@@ -25282,7 +24951,7 @@
         </p:pic>
         <p:pic>
           <p:nvPicPr>
-            <p:cNvPr id="7" name="object 7"/>
+            <p:cNvPr id="8" name="object 8"/>
             <p:cNvPicPr/>
             <p:nvPr/>
           </p:nvPicPr>
@@ -25294,28 +24963,6 @@
           </p:blipFill>
           <p:spPr>
             <a:xfrm>
-              <a:off x="5830570" y="3270834"/>
-              <a:ext cx="2882646" cy="366064"/>
-            </a:xfrm>
-            <a:prstGeom prst="rect">
-              <a:avLst/>
-            </a:prstGeom>
-          </p:spPr>
-        </p:pic>
-        <p:pic>
-          <p:nvPicPr>
-            <p:cNvPr id="8" name="object 8"/>
-            <p:cNvPicPr/>
-            <p:nvPr/>
-          </p:nvPicPr>
-          <p:blipFill>
-            <a:blip r:embed="rId5" cstate="print"/>
-            <a:stretch>
-              <a:fillRect/>
-            </a:stretch>
-          </p:blipFill>
-          <p:spPr>
-            <a:xfrm>
               <a:off x="8639555" y="3270834"/>
               <a:ext cx="3298825" cy="366064"/>
             </a:xfrm>
@@ -25331,7 +24978,7 @@
             <p:nvPr/>
           </p:nvPicPr>
           <p:blipFill>
-            <a:blip r:embed="rId6" cstate="print"/>
+            <a:blip r:embed="rId5" cstate="print"/>
             <a:stretch>
               <a:fillRect/>
             </a:stretch>
@@ -25368,7 +25015,7 @@
             <p:nvPr/>
           </p:nvPicPr>
           <p:blipFill>
-            <a:blip r:embed="rId7" cstate="print"/>
+            <a:blip r:embed="rId6" cstate="print"/>
             <a:stretch>
               <a:fillRect/>
             </a:stretch>
@@ -25390,7 +25037,7 @@
             <p:nvPr/>
           </p:nvPicPr>
           <p:blipFill>
-            <a:blip r:embed="rId8" cstate="print"/>
+            <a:blip r:embed="rId7" cstate="print"/>
             <a:stretch>
               <a:fillRect/>
             </a:stretch>
@@ -25453,9 +25100,7 @@
         <p:txBody>
           <a:bodyPr wrap="square" lIns="0" tIns="0" rIns="0" bIns="0" rtlCol="0"/>
           <a:lstStyle/>
-          <a:p>
-            <a:endParaRPr/>
-          </a:p>
+          <a:p/>
         </p:txBody>
       </p:sp>
       <p:sp>
@@ -25893,9 +25538,7 @@
           <p:txBody>
             <a:bodyPr wrap="square" lIns="0" tIns="0" rIns="0" bIns="0" rtlCol="0"/>
             <a:lstStyle/>
-            <a:p>
-              <a:endParaRPr/>
-            </a:p>
+            <a:p/>
           </p:txBody>
         </p:sp>
         <p:sp>
@@ -25945,9 +25588,7 @@
           <p:txBody>
             <a:bodyPr wrap="square" lIns="0" tIns="0" rIns="0" bIns="0" rtlCol="0"/>
             <a:lstStyle/>
-            <a:p>
-              <a:endParaRPr/>
-            </a:p>
+            <a:p/>
           </p:txBody>
         </p:sp>
         <p:pic>
@@ -25957,7 +25598,7 @@
             <p:nvPr/>
           </p:nvPicPr>
           <p:blipFill>
-            <a:blip r:embed="rId9" cstate="print"/>
+            <a:blip r:embed="rId8" cstate="print"/>
             <a:stretch>
               <a:fillRect/>
             </a:stretch>
@@ -25990,7 +25631,6 @@
           <a:p>
             <a:fld id="{B6F15528-21DE-4FAA-801E-634DDDAF4B2B}" type="slidenum">
               <a:rPr/>
-              <a:t>33</a:t>
             </a:fld>
             <a:endParaRPr/>
           </a:p>
@@ -26058,9 +25698,7 @@
         <p:txBody>
           <a:bodyPr wrap="square" lIns="0" tIns="0" rIns="0" bIns="0" rtlCol="0"/>
           <a:lstStyle/>
-          <a:p>
-            <a:endParaRPr/>
-          </a:p>
+          <a:p/>
         </p:txBody>
       </p:sp>
       <p:sp>
@@ -26100,9 +25738,7 @@
         <p:txBody>
           <a:bodyPr wrap="square" lIns="0" tIns="0" rIns="0" bIns="0" rtlCol="0"/>
           <a:lstStyle/>
-          <a:p>
-            <a:endParaRPr/>
-          </a:p>
+          <a:p/>
         </p:txBody>
       </p:sp>
       <p:pic>
@@ -26112,7 +25748,7 @@
           <p:nvPr/>
         </p:nvPicPr>
         <p:blipFill>
-          <a:blip r:embed="rId2" cstate="print"/>
+          <a:blip r:embed="rId1" cstate="print"/>
           <a:stretch>
             <a:fillRect/>
           </a:stretch>
@@ -26148,7 +25784,7 @@
             <p:nvPr/>
           </p:nvPicPr>
           <p:blipFill>
-            <a:blip r:embed="rId3" cstate="print"/>
+            <a:blip r:embed="rId2" cstate="print"/>
             <a:stretch>
               <a:fillRect/>
             </a:stretch>
@@ -26170,7 +25806,7 @@
             <p:nvPr/>
           </p:nvPicPr>
           <p:blipFill>
-            <a:blip r:embed="rId4" cstate="print"/>
+            <a:blip r:embed="rId3" cstate="print"/>
             <a:stretch>
               <a:fillRect/>
             </a:stretch>
@@ -26245,9 +25881,7 @@
           <p:txBody>
             <a:bodyPr wrap="square" lIns="0" tIns="0" rIns="0" bIns="0" rtlCol="0"/>
             <a:lstStyle/>
-            <a:p>
-              <a:endParaRPr/>
-            </a:p>
+            <a:p/>
           </p:txBody>
         </p:sp>
         <p:sp>
@@ -26297,9 +25931,7 @@
           <p:txBody>
             <a:bodyPr wrap="square" lIns="0" tIns="0" rIns="0" bIns="0" rtlCol="0"/>
             <a:lstStyle/>
-            <a:p>
-              <a:endParaRPr/>
-            </a:p>
+            <a:p/>
           </p:txBody>
         </p:sp>
         <p:pic>
@@ -26309,7 +25941,7 @@
             <p:nvPr/>
           </p:nvPicPr>
           <p:blipFill>
-            <a:blip r:embed="rId5" cstate="print"/>
+            <a:blip r:embed="rId4" cstate="print"/>
             <a:stretch>
               <a:fillRect/>
             </a:stretch>
@@ -26332,7 +25964,7 @@
           <p:nvPr/>
         </p:nvPicPr>
         <p:blipFill>
-          <a:blip r:embed="rId6" cstate="print"/>
+          <a:blip r:embed="rId5" cstate="print"/>
           <a:stretch>
             <a:fillRect/>
           </a:stretch>
@@ -26368,7 +26000,7 @@
             <p:nvPr/>
           </p:nvPicPr>
           <p:blipFill>
-            <a:blip r:embed="rId7" cstate="print"/>
+            <a:blip r:embed="rId6" cstate="print"/>
             <a:stretch>
               <a:fillRect/>
             </a:stretch>
@@ -26390,7 +26022,7 @@
             <p:nvPr/>
           </p:nvPicPr>
           <p:blipFill>
-            <a:blip r:embed="rId8" cstate="print"/>
+            <a:blip r:embed="rId7" cstate="print"/>
             <a:stretch>
               <a:fillRect/>
             </a:stretch>
@@ -26413,7 +26045,7 @@
           <p:nvPr/>
         </p:nvPicPr>
         <p:blipFill>
-          <a:blip r:embed="rId9" cstate="print"/>
+          <a:blip r:embed="rId8" cstate="print"/>
           <a:stretch>
             <a:fillRect/>
           </a:stretch>
@@ -26435,7 +26067,7 @@
           <p:nvPr/>
         </p:nvPicPr>
         <p:blipFill>
-          <a:blip r:embed="rId10" cstate="print"/>
+          <a:blip r:embed="rId9" cstate="print"/>
           <a:stretch>
             <a:fillRect/>
           </a:stretch>
@@ -26457,7 +26089,7 @@
           <p:nvPr/>
         </p:nvPicPr>
         <p:blipFill>
-          <a:blip r:embed="rId11" cstate="print"/>
+          <a:blip r:embed="rId10" cstate="print"/>
           <a:stretch>
             <a:fillRect/>
           </a:stretch>
@@ -26493,7 +26125,7 @@
             <p:nvPr/>
           </p:nvPicPr>
           <p:blipFill>
-            <a:blip r:embed="rId12" cstate="print"/>
+            <a:blip r:embed="rId11" cstate="print"/>
             <a:stretch>
               <a:fillRect/>
             </a:stretch>
@@ -26515,7 +26147,7 @@
             <p:nvPr/>
           </p:nvPicPr>
           <p:blipFill>
-            <a:blip r:embed="rId13" cstate="print"/>
+            <a:blip r:embed="rId12" cstate="print"/>
             <a:stretch>
               <a:fillRect/>
             </a:stretch>
@@ -26538,7 +26170,7 @@
           <p:nvPr/>
         </p:nvPicPr>
         <p:blipFill>
-          <a:blip r:embed="rId14" cstate="print"/>
+          <a:blip r:embed="rId13" cstate="print"/>
           <a:stretch>
             <a:fillRect/>
           </a:stretch>
@@ -26612,9 +26244,7 @@
           <p:txBody>
             <a:bodyPr wrap="square" lIns="0" tIns="0" rIns="0" bIns="0" rtlCol="0"/>
             <a:lstStyle/>
-            <a:p>
-              <a:endParaRPr/>
-            </a:p>
+            <a:p/>
           </p:txBody>
         </p:sp>
         <p:sp>
@@ -26664,9 +26294,7 @@
           <p:txBody>
             <a:bodyPr wrap="square" lIns="0" tIns="0" rIns="0" bIns="0" rtlCol="0"/>
             <a:lstStyle/>
-            <a:p>
-              <a:endParaRPr/>
-            </a:p>
+            <a:p/>
           </p:txBody>
         </p:sp>
       </p:grpSp>
@@ -27034,7 +26662,6 @@
           <a:p>
             <a:fld id="{B6F15528-21DE-4FAA-801E-634DDDAF4B2B}" type="slidenum">
               <a:rPr/>
-              <a:t>34</a:t>
             </a:fld>
             <a:endParaRPr/>
           </a:p>
@@ -27102,9 +26729,7 @@
         <p:txBody>
           <a:bodyPr wrap="square" lIns="0" tIns="0" rIns="0" bIns="0" rtlCol="0"/>
           <a:lstStyle/>
-          <a:p>
-            <a:endParaRPr/>
-          </a:p>
+          <a:p/>
         </p:txBody>
       </p:sp>
       <p:sp>
@@ -27144,9 +26769,7 @@
         <p:txBody>
           <a:bodyPr wrap="square" lIns="0" tIns="0" rIns="0" bIns="0" rtlCol="0"/>
           <a:lstStyle/>
-          <a:p>
-            <a:endParaRPr/>
-          </a:p>
+          <a:p/>
         </p:txBody>
       </p:sp>
       <p:pic>
@@ -27156,7 +26779,7 @@
           <p:nvPr/>
         </p:nvPicPr>
         <p:blipFill>
-          <a:blip r:embed="rId2" cstate="print"/>
+          <a:blip r:embed="rId1" cstate="print"/>
           <a:stretch>
             <a:fillRect/>
           </a:stretch>
@@ -27192,7 +26815,7 @@
             <p:nvPr/>
           </p:nvPicPr>
           <p:blipFill>
-            <a:blip r:embed="rId3" cstate="print"/>
+            <a:blip r:embed="rId2" cstate="print"/>
             <a:stretch>
               <a:fillRect/>
             </a:stretch>
@@ -27214,7 +26837,7 @@
             <p:nvPr/>
           </p:nvPicPr>
           <p:blipFill>
-            <a:blip r:embed="rId4" cstate="print"/>
+            <a:blip r:embed="rId3" cstate="print"/>
             <a:stretch>
               <a:fillRect/>
             </a:stretch>
@@ -27289,9 +26912,7 @@
           <p:txBody>
             <a:bodyPr wrap="square" lIns="0" tIns="0" rIns="0" bIns="0" rtlCol="0"/>
             <a:lstStyle/>
-            <a:p>
-              <a:endParaRPr/>
-            </a:p>
+            <a:p/>
           </p:txBody>
         </p:sp>
         <p:sp>
@@ -27341,9 +26962,7 @@
           <p:txBody>
             <a:bodyPr wrap="square" lIns="0" tIns="0" rIns="0" bIns="0" rtlCol="0"/>
             <a:lstStyle/>
-            <a:p>
-              <a:endParaRPr/>
-            </a:p>
+            <a:p/>
           </p:txBody>
         </p:sp>
         <p:pic>
@@ -27353,7 +26972,7 @@
             <p:nvPr/>
           </p:nvPicPr>
           <p:blipFill>
-            <a:blip r:embed="rId5" cstate="print"/>
+            <a:blip r:embed="rId4" cstate="print"/>
             <a:stretch>
               <a:fillRect/>
             </a:stretch>
@@ -27376,7 +26995,7 @@
           <p:nvPr/>
         </p:nvPicPr>
         <p:blipFill>
-          <a:blip r:embed="rId6" cstate="print"/>
+          <a:blip r:embed="rId5" cstate="print"/>
           <a:stretch>
             <a:fillRect/>
           </a:stretch>
@@ -27412,7 +27031,7 @@
             <p:nvPr/>
           </p:nvPicPr>
           <p:blipFill>
-            <a:blip r:embed="rId7" cstate="print"/>
+            <a:blip r:embed="rId6" cstate="print"/>
             <a:stretch>
               <a:fillRect/>
             </a:stretch>
@@ -27434,7 +27053,7 @@
             <p:nvPr/>
           </p:nvPicPr>
           <p:blipFill>
-            <a:blip r:embed="rId8" cstate="print"/>
+            <a:blip r:embed="rId7" cstate="print"/>
             <a:stretch>
               <a:fillRect/>
             </a:stretch>
@@ -27457,7 +27076,7 @@
           <p:nvPr/>
         </p:nvPicPr>
         <p:blipFill>
-          <a:blip r:embed="rId9" cstate="print"/>
+          <a:blip r:embed="rId8" cstate="print"/>
           <a:stretch>
             <a:fillRect/>
           </a:stretch>
@@ -27493,7 +27112,7 @@
             <p:nvPr/>
           </p:nvPicPr>
           <p:blipFill>
-            <a:blip r:embed="rId10" cstate="print"/>
+            <a:blip r:embed="rId9" cstate="print"/>
             <a:stretch>
               <a:fillRect/>
             </a:stretch>
@@ -27515,7 +27134,7 @@
             <p:nvPr/>
           </p:nvPicPr>
           <p:blipFill>
-            <a:blip r:embed="rId11" cstate="print"/>
+            <a:blip r:embed="rId10" cstate="print"/>
             <a:stretch>
               <a:fillRect/>
             </a:stretch>
@@ -27575,9 +27194,7 @@
           <p:txBody>
             <a:bodyPr wrap="square" lIns="0" tIns="0" rIns="0" bIns="0" rtlCol="0"/>
             <a:lstStyle/>
-            <a:p>
-              <a:endParaRPr/>
-            </a:p>
+            <a:p/>
           </p:txBody>
         </p:sp>
         <p:sp>
@@ -27627,9 +27244,7 @@
           <p:txBody>
             <a:bodyPr wrap="square" lIns="0" tIns="0" rIns="0" bIns="0" rtlCol="0"/>
             <a:lstStyle/>
-            <a:p>
-              <a:endParaRPr/>
-            </a:p>
+            <a:p/>
           </p:txBody>
         </p:sp>
       </p:grpSp>
@@ -27908,7 +27523,7 @@
             <p:nvPr/>
           </p:nvPicPr>
           <p:blipFill>
-            <a:blip r:embed="rId12" cstate="print"/>
+            <a:blip r:embed="rId11" cstate="print"/>
             <a:stretch>
               <a:fillRect/>
             </a:stretch>
@@ -27930,7 +27545,7 @@
             <p:nvPr/>
           </p:nvPicPr>
           <p:blipFill>
-            <a:blip r:embed="rId13" cstate="print"/>
+            <a:blip r:embed="rId12" cstate="print"/>
             <a:stretch>
               <a:fillRect/>
             </a:stretch>
@@ -27953,7 +27568,7 @@
           <p:nvPr/>
         </p:nvPicPr>
         <p:blipFill>
-          <a:blip r:embed="rId14" cstate="print"/>
+          <a:blip r:embed="rId13" cstate="print"/>
           <a:stretch>
             <a:fillRect/>
           </a:stretch>
@@ -27985,7 +27600,6 @@
           <a:p>
             <a:fld id="{B6F15528-21DE-4FAA-801E-634DDDAF4B2B}" type="slidenum">
               <a:rPr/>
-              <a:t>35</a:t>
             </a:fld>
             <a:endParaRPr/>
           </a:p>
@@ -28053,9 +27667,7 @@
         <p:txBody>
           <a:bodyPr wrap="square" lIns="0" tIns="0" rIns="0" bIns="0" rtlCol="0"/>
           <a:lstStyle/>
-          <a:p>
-            <a:endParaRPr/>
-          </a:p>
+          <a:p/>
         </p:txBody>
       </p:sp>
       <p:pic>
@@ -28065,7 +27677,7 @@
           <p:nvPr/>
         </p:nvPicPr>
         <p:blipFill>
-          <a:blip r:embed="rId2" cstate="print"/>
+          <a:blip r:embed="rId1" cstate="print"/>
           <a:stretch>
             <a:fillRect/>
           </a:stretch>
@@ -28101,7 +27713,7 @@
             <p:nvPr/>
           </p:nvPicPr>
           <p:blipFill>
-            <a:blip r:embed="rId3" cstate="print"/>
+            <a:blip r:embed="rId2" cstate="print"/>
             <a:stretch>
               <a:fillRect/>
             </a:stretch>
@@ -28123,7 +27735,7 @@
             <p:nvPr/>
           </p:nvPicPr>
           <p:blipFill>
-            <a:blip r:embed="rId4" cstate="print"/>
+            <a:blip r:embed="rId3" cstate="print"/>
             <a:stretch>
               <a:fillRect/>
             </a:stretch>
@@ -28198,9 +27810,7 @@
           <p:txBody>
             <a:bodyPr wrap="square" lIns="0" tIns="0" rIns="0" bIns="0" rtlCol="0"/>
             <a:lstStyle/>
-            <a:p>
-              <a:endParaRPr/>
-            </a:p>
+            <a:p/>
           </p:txBody>
         </p:sp>
         <p:sp>
@@ -28250,9 +27860,7 @@
           <p:txBody>
             <a:bodyPr wrap="square" lIns="0" tIns="0" rIns="0" bIns="0" rtlCol="0"/>
             <a:lstStyle/>
-            <a:p>
-              <a:endParaRPr/>
-            </a:p>
+            <a:p/>
           </p:txBody>
         </p:sp>
         <p:pic>
@@ -28262,7 +27870,7 @@
             <p:nvPr/>
           </p:nvPicPr>
           <p:blipFill>
-            <a:blip r:embed="rId5" cstate="print"/>
+            <a:blip r:embed="rId4" cstate="print"/>
             <a:stretch>
               <a:fillRect/>
             </a:stretch>
@@ -28322,9 +27930,7 @@
           <p:txBody>
             <a:bodyPr wrap="square" lIns="0" tIns="0" rIns="0" bIns="0" rtlCol="0"/>
             <a:lstStyle/>
-            <a:p>
-              <a:endParaRPr/>
-            </a:p>
+            <a:p/>
           </p:txBody>
         </p:sp>
         <p:sp>
@@ -28374,9 +27980,7 @@
           <p:txBody>
             <a:bodyPr wrap="square" lIns="0" tIns="0" rIns="0" bIns="0" rtlCol="0"/>
             <a:lstStyle/>
-            <a:p>
-              <a:endParaRPr/>
-            </a:p>
+            <a:p/>
           </p:txBody>
         </p:sp>
       </p:grpSp>
@@ -28532,7 +28136,7 @@
           <p:nvPr/>
         </p:nvPicPr>
         <p:blipFill>
-          <a:blip r:embed="rId6" cstate="print"/>
+          <a:blip r:embed="rId5" cstate="print"/>
           <a:stretch>
             <a:fillRect/>
           </a:stretch>
@@ -28568,7 +28172,7 @@
             <p:nvPr/>
           </p:nvPicPr>
           <p:blipFill>
-            <a:blip r:embed="rId7" cstate="print"/>
+            <a:blip r:embed="rId6" cstate="print"/>
             <a:stretch>
               <a:fillRect/>
             </a:stretch>
@@ -28590,7 +28194,7 @@
             <p:nvPr/>
           </p:nvPicPr>
           <p:blipFill>
-            <a:blip r:embed="rId8" cstate="print"/>
+            <a:blip r:embed="rId7" cstate="print"/>
             <a:stretch>
               <a:fillRect/>
             </a:stretch>
@@ -28659,7 +28263,7 @@
           <p:nvPr/>
         </p:nvPicPr>
         <p:blipFill>
-          <a:blip r:embed="rId9" cstate="print"/>
+          <a:blip r:embed="rId8" cstate="print"/>
           <a:stretch>
             <a:fillRect/>
           </a:stretch>
@@ -28681,7 +28285,7 @@
           <p:nvPr/>
         </p:nvPicPr>
         <p:blipFill>
-          <a:blip r:embed="rId10" cstate="print"/>
+          <a:blip r:embed="rId9" cstate="print"/>
           <a:stretch>
             <a:fillRect/>
           </a:stretch>
@@ -28703,7 +28307,7 @@
           <p:nvPr/>
         </p:nvPicPr>
         <p:blipFill>
-          <a:blip r:embed="rId11" cstate="print"/>
+          <a:blip r:embed="rId10" cstate="print"/>
           <a:stretch>
             <a:fillRect/>
           </a:stretch>
@@ -28739,7 +28343,7 @@
             <p:nvPr/>
           </p:nvPicPr>
           <p:blipFill>
-            <a:blip r:embed="rId12" cstate="print"/>
+            <a:blip r:embed="rId11" cstate="print"/>
             <a:stretch>
               <a:fillRect/>
             </a:stretch>
@@ -28761,7 +28365,7 @@
             <p:nvPr/>
           </p:nvPicPr>
           <p:blipFill>
-            <a:blip r:embed="rId13" cstate="print"/>
+            <a:blip r:embed="rId12" cstate="print"/>
             <a:stretch>
               <a:fillRect/>
             </a:stretch>
@@ -28784,7 +28388,7 @@
           <p:nvPr/>
         </p:nvPicPr>
         <p:blipFill>
-          <a:blip r:embed="rId14" cstate="print"/>
+          <a:blip r:embed="rId13" cstate="print"/>
           <a:stretch>
             <a:fillRect/>
           </a:stretch>
@@ -28816,7 +28420,6 @@
           <a:p>
             <a:fld id="{B6F15528-21DE-4FAA-801E-634DDDAF4B2B}" type="slidenum">
               <a:rPr/>
-              <a:t>36</a:t>
             </a:fld>
             <a:endParaRPr/>
           </a:p>
@@ -28884,9 +28487,7 @@
         <p:txBody>
           <a:bodyPr wrap="square" lIns="0" tIns="0" rIns="0" bIns="0" rtlCol="0"/>
           <a:lstStyle/>
-          <a:p>
-            <a:endParaRPr/>
-          </a:p>
+          <a:p/>
         </p:txBody>
       </p:sp>
       <p:pic>
@@ -28896,7 +28497,7 @@
           <p:nvPr/>
         </p:nvPicPr>
         <p:blipFill>
-          <a:blip r:embed="rId2" cstate="print"/>
+          <a:blip r:embed="rId1" cstate="print"/>
           <a:stretch>
             <a:fillRect/>
           </a:stretch>
@@ -28932,7 +28533,7 @@
             <p:nvPr/>
           </p:nvPicPr>
           <p:blipFill>
-            <a:blip r:embed="rId3" cstate="print"/>
+            <a:blip r:embed="rId2" cstate="print"/>
             <a:stretch>
               <a:fillRect/>
             </a:stretch>
@@ -28954,7 +28555,7 @@
             <p:nvPr/>
           </p:nvPicPr>
           <p:blipFill>
-            <a:blip r:embed="rId4" cstate="print"/>
+            <a:blip r:embed="rId3" cstate="print"/>
             <a:stretch>
               <a:fillRect/>
             </a:stretch>
@@ -29029,9 +28630,7 @@
           <p:txBody>
             <a:bodyPr wrap="square" lIns="0" tIns="0" rIns="0" bIns="0" rtlCol="0"/>
             <a:lstStyle/>
-            <a:p>
-              <a:endParaRPr/>
-            </a:p>
+            <a:p/>
           </p:txBody>
         </p:sp>
         <p:sp>
@@ -29081,9 +28680,7 @@
           <p:txBody>
             <a:bodyPr wrap="square" lIns="0" tIns="0" rIns="0" bIns="0" rtlCol="0"/>
             <a:lstStyle/>
-            <a:p>
-              <a:endParaRPr/>
-            </a:p>
+            <a:p/>
           </p:txBody>
         </p:sp>
         <p:pic>
@@ -29093,7 +28690,7 @@
             <p:nvPr/>
           </p:nvPicPr>
           <p:blipFill>
-            <a:blip r:embed="rId5" cstate="print"/>
+            <a:blip r:embed="rId4" cstate="print"/>
             <a:stretch>
               <a:fillRect/>
             </a:stretch>
@@ -29153,9 +28750,7 @@
           <p:txBody>
             <a:bodyPr wrap="square" lIns="0" tIns="0" rIns="0" bIns="0" rtlCol="0"/>
             <a:lstStyle/>
-            <a:p>
-              <a:endParaRPr/>
-            </a:p>
+            <a:p/>
           </p:txBody>
         </p:sp>
         <p:sp>
@@ -29205,9 +28800,7 @@
           <p:txBody>
             <a:bodyPr wrap="square" lIns="0" tIns="0" rIns="0" bIns="0" rtlCol="0"/>
             <a:lstStyle/>
-            <a:p>
-              <a:endParaRPr/>
-            </a:p>
+            <a:p/>
           </p:txBody>
         </p:sp>
       </p:grpSp>
@@ -29482,7 +29075,7 @@
           <p:nvPr/>
         </p:nvPicPr>
         <p:blipFill>
-          <a:blip r:embed="rId6" cstate="print"/>
+          <a:blip r:embed="rId5" cstate="print"/>
           <a:stretch>
             <a:fillRect/>
           </a:stretch>
@@ -29518,7 +29111,7 @@
             <p:nvPr/>
           </p:nvPicPr>
           <p:blipFill>
-            <a:blip r:embed="rId7" cstate="print"/>
+            <a:blip r:embed="rId6" cstate="print"/>
             <a:stretch>
               <a:fillRect/>
             </a:stretch>
@@ -29540,7 +29133,7 @@
             <p:nvPr/>
           </p:nvPicPr>
           <p:blipFill>
-            <a:blip r:embed="rId8" cstate="print"/>
+            <a:blip r:embed="rId7" cstate="print"/>
             <a:stretch>
               <a:fillRect/>
             </a:stretch>
@@ -29609,7 +29202,7 @@
           <p:nvPr/>
         </p:nvPicPr>
         <p:blipFill>
-          <a:blip r:embed="rId9" cstate="print"/>
+          <a:blip r:embed="rId8" cstate="print"/>
           <a:stretch>
             <a:fillRect/>
           </a:stretch>
@@ -29631,7 +29224,7 @@
           <p:nvPr/>
         </p:nvPicPr>
         <p:blipFill>
-          <a:blip r:embed="rId10" cstate="print"/>
+          <a:blip r:embed="rId9" cstate="print"/>
           <a:stretch>
             <a:fillRect/>
           </a:stretch>
@@ -29653,7 +29246,7 @@
           <p:nvPr/>
         </p:nvPicPr>
         <p:blipFill>
-          <a:blip r:embed="rId11" cstate="print"/>
+          <a:blip r:embed="rId10" cstate="print"/>
           <a:stretch>
             <a:fillRect/>
           </a:stretch>
@@ -29735,7 +29328,7 @@
             <p:nvPr/>
           </p:nvPicPr>
           <p:blipFill>
-            <a:blip r:embed="rId12" cstate="print"/>
+            <a:blip r:embed="rId11" cstate="print"/>
             <a:stretch>
               <a:fillRect/>
             </a:stretch>
@@ -29757,7 +29350,7 @@
             <p:nvPr/>
           </p:nvPicPr>
           <p:blipFill>
-            <a:blip r:embed="rId13" cstate="print"/>
+            <a:blip r:embed="rId12" cstate="print"/>
             <a:stretch>
               <a:fillRect/>
             </a:stretch>
@@ -29780,7 +29373,7 @@
           <p:nvPr/>
         </p:nvPicPr>
         <p:blipFill>
-          <a:blip r:embed="rId14" cstate="print"/>
+          <a:blip r:embed="rId13" cstate="print"/>
           <a:stretch>
             <a:fillRect/>
           </a:stretch>
@@ -29812,7 +29405,6 @@
           <a:p>
             <a:fld id="{B6F15528-21DE-4FAA-801E-634DDDAF4B2B}" type="slidenum">
               <a:rPr/>
-              <a:t>37</a:t>
             </a:fld>
             <a:endParaRPr/>
           </a:p>
@@ -29880,9 +29472,7 @@
         <p:txBody>
           <a:bodyPr wrap="square" lIns="0" tIns="0" rIns="0" bIns="0" rtlCol="0"/>
           <a:lstStyle/>
-          <a:p>
-            <a:endParaRPr/>
-          </a:p>
+          <a:p/>
         </p:txBody>
       </p:sp>
       <p:sp>
@@ -29922,9 +29512,7 @@
         <p:txBody>
           <a:bodyPr wrap="square" lIns="0" tIns="0" rIns="0" bIns="0" rtlCol="0"/>
           <a:lstStyle/>
-          <a:p>
-            <a:endParaRPr/>
-          </a:p>
+          <a:p/>
         </p:txBody>
       </p:sp>
       <p:pic>
@@ -29934,7 +29522,7 @@
           <p:nvPr/>
         </p:nvPicPr>
         <p:blipFill>
-          <a:blip r:embed="rId2" cstate="print"/>
+          <a:blip r:embed="rId1" cstate="print"/>
           <a:stretch>
             <a:fillRect/>
           </a:stretch>
@@ -29956,7 +29544,7 @@
           <p:nvPr/>
         </p:nvPicPr>
         <p:blipFill>
-          <a:blip r:embed="rId3" cstate="print"/>
+          <a:blip r:embed="rId2" cstate="print"/>
           <a:stretch>
             <a:fillRect/>
           </a:stretch>
@@ -29992,7 +29580,7 @@
             <p:nvPr/>
           </p:nvPicPr>
           <p:blipFill>
-            <a:blip r:embed="rId4" cstate="print"/>
+            <a:blip r:embed="rId3" cstate="print"/>
             <a:stretch>
               <a:fillRect/>
             </a:stretch>
@@ -30014,7 +29602,7 @@
             <p:nvPr/>
           </p:nvPicPr>
           <p:blipFill>
-            <a:blip r:embed="rId5" cstate="print"/>
+            <a:blip r:embed="rId4" cstate="print"/>
             <a:stretch>
               <a:fillRect/>
             </a:stretch>
@@ -30083,7 +29671,7 @@
           <p:nvPr/>
         </p:nvPicPr>
         <p:blipFill>
-          <a:blip r:embed="rId6" cstate="print"/>
+          <a:blip r:embed="rId5" cstate="print"/>
           <a:stretch>
             <a:fillRect/>
           </a:stretch>
@@ -30105,7 +29693,7 @@
           <p:nvPr/>
         </p:nvPicPr>
         <p:blipFill>
-          <a:blip r:embed="rId7" cstate="print"/>
+          <a:blip r:embed="rId6" cstate="print"/>
           <a:stretch>
             <a:fillRect/>
           </a:stretch>
@@ -30127,7 +29715,7 @@
           <p:nvPr/>
         </p:nvPicPr>
         <p:blipFill>
-          <a:blip r:embed="rId8" cstate="print"/>
+          <a:blip r:embed="rId7" cstate="print"/>
           <a:stretch>
             <a:fillRect/>
           </a:stretch>
@@ -30209,7 +29797,7 @@
             <p:nvPr/>
           </p:nvPicPr>
           <p:blipFill>
-            <a:blip r:embed="rId9" cstate="print"/>
+            <a:blip r:embed="rId8" cstate="print"/>
             <a:stretch>
               <a:fillRect/>
             </a:stretch>
@@ -30231,7 +29819,7 @@
             <p:nvPr/>
           </p:nvPicPr>
           <p:blipFill>
-            <a:blip r:embed="rId10" cstate="print"/>
+            <a:blip r:embed="rId9" cstate="print"/>
             <a:stretch>
               <a:fillRect/>
             </a:stretch>
@@ -30254,7 +29842,7 @@
           <p:nvPr/>
         </p:nvPicPr>
         <p:blipFill>
-          <a:blip r:embed="rId11" cstate="print"/>
+          <a:blip r:embed="rId10" cstate="print"/>
           <a:stretch>
             <a:fillRect/>
           </a:stretch>
@@ -30290,7 +29878,7 @@
             <p:nvPr/>
           </p:nvPicPr>
           <p:blipFill>
-            <a:blip r:embed="rId12" cstate="print"/>
+            <a:blip r:embed="rId11" cstate="print"/>
             <a:stretch>
               <a:fillRect/>
             </a:stretch>
@@ -30312,7 +29900,7 @@
             <p:nvPr/>
           </p:nvPicPr>
           <p:blipFill>
-            <a:blip r:embed="rId13" cstate="print"/>
+            <a:blip r:embed="rId12" cstate="print"/>
             <a:stretch>
               <a:fillRect/>
             </a:stretch>
@@ -30387,9 +29975,7 @@
           <p:txBody>
             <a:bodyPr wrap="square" lIns="0" tIns="0" rIns="0" bIns="0" rtlCol="0"/>
             <a:lstStyle/>
-            <a:p>
-              <a:endParaRPr/>
-            </a:p>
+            <a:p/>
           </p:txBody>
         </p:sp>
         <p:sp>
@@ -30439,9 +30025,7 @@
           <p:txBody>
             <a:bodyPr wrap="square" lIns="0" tIns="0" rIns="0" bIns="0" rtlCol="0"/>
             <a:lstStyle/>
-            <a:p>
-              <a:endParaRPr/>
-            </a:p>
+            <a:p/>
           </p:txBody>
         </p:sp>
         <p:pic>
@@ -30451,7 +30035,7 @@
             <p:nvPr/>
           </p:nvPicPr>
           <p:blipFill>
-            <a:blip r:embed="rId14" cstate="print"/>
+            <a:blip r:embed="rId13" cstate="print"/>
             <a:stretch>
               <a:fillRect/>
             </a:stretch>
@@ -30511,9 +30095,7 @@
           <p:txBody>
             <a:bodyPr wrap="square" lIns="0" tIns="0" rIns="0" bIns="0" rtlCol="0"/>
             <a:lstStyle/>
-            <a:p>
-              <a:endParaRPr/>
-            </a:p>
+            <a:p/>
           </p:txBody>
         </p:sp>
         <p:sp>
@@ -30563,9 +30145,7 @@
           <p:txBody>
             <a:bodyPr wrap="square" lIns="0" tIns="0" rIns="0" bIns="0" rtlCol="0"/>
             <a:lstStyle/>
-            <a:p>
-              <a:endParaRPr/>
-            </a:p>
+            <a:p/>
           </p:txBody>
         </p:sp>
       </p:grpSp>
@@ -30911,7 +30491,6 @@
           <a:p>
             <a:fld id="{B6F15528-21DE-4FAA-801E-634DDDAF4B2B}" type="slidenum">
               <a:rPr/>
-              <a:t>38</a:t>
             </a:fld>
             <a:endParaRPr/>
           </a:p>
@@ -30979,9 +30558,7 @@
         <p:txBody>
           <a:bodyPr wrap="square" lIns="0" tIns="0" rIns="0" bIns="0" rtlCol="0"/>
           <a:lstStyle/>
-          <a:p>
-            <a:endParaRPr/>
-          </a:p>
+          <a:p/>
         </p:txBody>
       </p:sp>
       <p:sp>
@@ -31021,9 +30598,7 @@
         <p:txBody>
           <a:bodyPr wrap="square" lIns="0" tIns="0" rIns="0" bIns="0" rtlCol="0"/>
           <a:lstStyle/>
-          <a:p>
-            <a:endParaRPr/>
-          </a:p>
+          <a:p/>
         </p:txBody>
       </p:sp>
       <p:pic>
@@ -31033,7 +30608,7 @@
           <p:nvPr/>
         </p:nvPicPr>
         <p:blipFill>
-          <a:blip r:embed="rId2" cstate="print"/>
+          <a:blip r:embed="rId1" cstate="print"/>
           <a:stretch>
             <a:fillRect/>
           </a:stretch>
@@ -31055,7 +30630,7 @@
           <p:nvPr/>
         </p:nvPicPr>
         <p:blipFill>
-          <a:blip r:embed="rId3" cstate="print"/>
+          <a:blip r:embed="rId2" cstate="print"/>
           <a:stretch>
             <a:fillRect/>
           </a:stretch>
@@ -31091,7 +30666,7 @@
             <p:nvPr/>
           </p:nvPicPr>
           <p:blipFill>
-            <a:blip r:embed="rId4" cstate="print"/>
+            <a:blip r:embed="rId3" cstate="print"/>
             <a:stretch>
               <a:fillRect/>
             </a:stretch>
@@ -31113,7 +30688,7 @@
             <p:nvPr/>
           </p:nvPicPr>
           <p:blipFill>
-            <a:blip r:embed="rId5" cstate="print"/>
+            <a:blip r:embed="rId4" cstate="print"/>
             <a:stretch>
               <a:fillRect/>
             </a:stretch>
@@ -31188,9 +30763,7 @@
           <p:txBody>
             <a:bodyPr wrap="square" lIns="0" tIns="0" rIns="0" bIns="0" rtlCol="0"/>
             <a:lstStyle/>
-            <a:p>
-              <a:endParaRPr/>
-            </a:p>
+            <a:p/>
           </p:txBody>
         </p:sp>
         <p:sp>
@@ -31240,14 +30813,34 @@
           <p:txBody>
             <a:bodyPr wrap="square" lIns="0" tIns="0" rIns="0" bIns="0" rtlCol="0"/>
             <a:lstStyle/>
-            <a:p>
-              <a:endParaRPr/>
-            </a:p>
+            <a:p/>
           </p:txBody>
         </p:sp>
         <p:pic>
           <p:nvPicPr>
             <p:cNvPr id="12" name="object 12"/>
+            <p:cNvPicPr/>
+            <p:nvPr/>
+          </p:nvPicPr>
+          <p:blipFill>
+            <a:blip r:embed="rId5" cstate="print"/>
+            <a:stretch>
+              <a:fillRect/>
+            </a:stretch>
+          </p:blipFill>
+          <p:spPr>
+            <a:xfrm>
+              <a:off x="461162" y="2133295"/>
+              <a:ext cx="1162075" cy="305104"/>
+            </a:xfrm>
+            <a:prstGeom prst="rect">
+              <a:avLst/>
+            </a:prstGeom>
+          </p:spPr>
+        </p:pic>
+        <p:pic>
+          <p:nvPicPr>
+            <p:cNvPr id="13" name="object 13"/>
             <p:cNvPicPr/>
             <p:nvPr/>
           </p:nvPicPr>
@@ -31259,28 +30852,6 @@
           </p:blipFill>
           <p:spPr>
             <a:xfrm>
-              <a:off x="461162" y="2133295"/>
-              <a:ext cx="1162075" cy="305104"/>
-            </a:xfrm>
-            <a:prstGeom prst="rect">
-              <a:avLst/>
-            </a:prstGeom>
-          </p:spPr>
-        </p:pic>
-        <p:pic>
-          <p:nvPicPr>
-            <p:cNvPr id="13" name="object 13"/>
-            <p:cNvPicPr/>
-            <p:nvPr/>
-          </p:nvPicPr>
-          <p:blipFill>
-            <a:blip r:embed="rId7" cstate="print"/>
-            <a:stretch>
-              <a:fillRect/>
-            </a:stretch>
-          </p:blipFill>
-          <p:spPr>
-            <a:xfrm>
               <a:off x="1478025" y="2133295"/>
               <a:ext cx="207263" cy="305104"/>
             </a:xfrm>
@@ -31296,7 +30867,7 @@
             <p:nvPr/>
           </p:nvPicPr>
           <p:blipFill>
-            <a:blip r:embed="rId8" cstate="print"/>
+            <a:blip r:embed="rId7" cstate="print"/>
             <a:stretch>
               <a:fillRect/>
             </a:stretch>
@@ -31356,9 +30927,7 @@
           <p:txBody>
             <a:bodyPr wrap="square" lIns="0" tIns="0" rIns="0" bIns="0" rtlCol="0"/>
             <a:lstStyle/>
-            <a:p>
-              <a:endParaRPr/>
-            </a:p>
+            <a:p/>
           </p:txBody>
         </p:sp>
         <p:sp>
@@ -31408,9 +30977,7 @@
           <p:txBody>
             <a:bodyPr wrap="square" lIns="0" tIns="0" rIns="0" bIns="0" rtlCol="0"/>
             <a:lstStyle/>
-            <a:p>
-              <a:endParaRPr/>
-            </a:p>
+            <a:p/>
           </p:txBody>
         </p:sp>
       </p:grpSp>
@@ -31590,9 +31157,7 @@
           <p:txBody>
             <a:bodyPr wrap="square" lIns="0" tIns="0" rIns="0" bIns="0" rtlCol="0"/>
             <a:lstStyle/>
-            <a:p>
-              <a:endParaRPr/>
-            </a:p>
+            <a:p/>
           </p:txBody>
         </p:sp>
         <p:sp>
@@ -31642,14 +31207,34 @@
           <p:txBody>
             <a:bodyPr wrap="square" lIns="0" tIns="0" rIns="0" bIns="0" rtlCol="0"/>
             <a:lstStyle/>
-            <a:p>
-              <a:endParaRPr/>
-            </a:p>
+            <a:p/>
           </p:txBody>
         </p:sp>
         <p:pic>
           <p:nvPicPr>
             <p:cNvPr id="21" name="object 21"/>
+            <p:cNvPicPr/>
+            <p:nvPr/>
+          </p:nvPicPr>
+          <p:blipFill>
+            <a:blip r:embed="rId5" cstate="print"/>
+            <a:stretch>
+              <a:fillRect/>
+            </a:stretch>
+          </p:blipFill>
+          <p:spPr>
+            <a:xfrm>
+              <a:off x="438607" y="2133295"/>
+              <a:ext cx="1162075" cy="305104"/>
+            </a:xfrm>
+            <a:prstGeom prst="rect">
+              <a:avLst/>
+            </a:prstGeom>
+          </p:spPr>
+        </p:pic>
+        <p:pic>
+          <p:nvPicPr>
+            <p:cNvPr id="22" name="object 22"/>
             <p:cNvPicPr/>
             <p:nvPr/>
           </p:nvPicPr>
@@ -31661,28 +31246,6 @@
           </p:blipFill>
           <p:spPr>
             <a:xfrm>
-              <a:off x="438607" y="2133295"/>
-              <a:ext cx="1162075" cy="305104"/>
-            </a:xfrm>
-            <a:prstGeom prst="rect">
-              <a:avLst/>
-            </a:prstGeom>
-          </p:spPr>
-        </p:pic>
-        <p:pic>
-          <p:nvPicPr>
-            <p:cNvPr id="22" name="object 22"/>
-            <p:cNvPicPr/>
-            <p:nvPr/>
-          </p:nvPicPr>
-          <p:blipFill>
-            <a:blip r:embed="rId7" cstate="print"/>
-            <a:stretch>
-              <a:fillRect/>
-            </a:stretch>
-          </p:blipFill>
-          <p:spPr>
-            <a:xfrm>
               <a:off x="1455420" y="2133295"/>
               <a:ext cx="207263" cy="305104"/>
             </a:xfrm>
@@ -31698,7 +31261,7 @@
             <p:nvPr/>
           </p:nvPicPr>
           <p:blipFill>
-            <a:blip r:embed="rId8" cstate="print"/>
+            <a:blip r:embed="rId7" cstate="print"/>
             <a:stretch>
               <a:fillRect/>
             </a:stretch>
@@ -31731,7 +31294,6 @@
           <a:p>
             <a:fld id="{B6F15528-21DE-4FAA-801E-634DDDAF4B2B}" type="slidenum">
               <a:rPr/>
-              <a:t>39</a:t>
             </a:fld>
             <a:endParaRPr/>
           </a:p>
@@ -31764,25 +31326,6 @@
       </p:grpSpPr>
       <p:sp>
         <p:nvSpPr>
-          <p:cNvPr id="6" name="Title 5"/>
-          <p:cNvSpPr>
-            <a:spLocks noGrp="1"/>
-          </p:cNvSpPr>
-          <p:nvPr>
-            <p:ph type="title"/>
-          </p:nvPr>
-        </p:nvSpPr>
-        <p:spPr/>
-        <p:txBody>
-          <a:bodyPr/>
-          <a:lstStyle/>
-          <a:p>
-            <a:endParaRPr lang="en-US"/>
-          </a:p>
-        </p:txBody>
-      </p:sp>
-      <p:sp>
-        <p:nvSpPr>
           <p:cNvPr id="4" name="Slide Number Placeholder 3"/>
           <p:cNvSpPr>
             <a:spLocks noGrp="1"/>
@@ -31798,7 +31341,6 @@
           <a:p>
             <a:fld id="{B6F15528-21DE-4FAA-801E-634DDDAF4B2B}" type="slidenum">
               <a:rPr/>
-              <a:t>4</a:t>
             </a:fld>
             <a:endParaRPr/>
           </a:p>
@@ -31815,7 +31357,7 @@
           </p:nvPr>
         </p:nvPicPr>
         <p:blipFill>
-          <a:blip r:embed="rId2"/>
+          <a:blip r:embed="rId1"/>
           <a:stretch>
             <a:fillRect/>
           </a:stretch>
@@ -31892,9 +31434,7 @@
         <p:txBody>
           <a:bodyPr wrap="square" lIns="0" tIns="0" rIns="0" bIns="0" rtlCol="0"/>
           <a:lstStyle/>
-          <a:p>
-            <a:endParaRPr/>
-          </a:p>
+          <a:p/>
         </p:txBody>
       </p:sp>
       <p:pic>
@@ -31904,7 +31444,7 @@
           <p:nvPr/>
         </p:nvPicPr>
         <p:blipFill>
-          <a:blip r:embed="rId2" cstate="print"/>
+          <a:blip r:embed="rId1" cstate="print"/>
           <a:stretch>
             <a:fillRect/>
           </a:stretch>
@@ -31926,7 +31466,7 @@
           <p:nvPr/>
         </p:nvPicPr>
         <p:blipFill>
-          <a:blip r:embed="rId3" cstate="print"/>
+          <a:blip r:embed="rId2" cstate="print"/>
           <a:stretch>
             <a:fillRect/>
           </a:stretch>
@@ -31962,7 +31502,7 @@
             <p:nvPr/>
           </p:nvPicPr>
           <p:blipFill>
-            <a:blip r:embed="rId4" cstate="print"/>
+            <a:blip r:embed="rId3" cstate="print"/>
             <a:stretch>
               <a:fillRect/>
             </a:stretch>
@@ -31984,7 +31524,7 @@
             <p:nvPr/>
           </p:nvPicPr>
           <p:blipFill>
-            <a:blip r:embed="rId5" cstate="print"/>
+            <a:blip r:embed="rId4" cstate="print"/>
             <a:stretch>
               <a:fillRect/>
             </a:stretch>
@@ -32021,7 +31561,7 @@
             <p:nvPr/>
           </p:nvPicPr>
           <p:blipFill>
-            <a:blip r:embed="rId6" cstate="print"/>
+            <a:blip r:embed="rId5" cstate="print"/>
             <a:stretch>
               <a:fillRect/>
             </a:stretch>
@@ -32043,7 +31583,7 @@
             <p:nvPr/>
           </p:nvPicPr>
           <p:blipFill>
-            <a:blip r:embed="rId7" cstate="print"/>
+            <a:blip r:embed="rId6" cstate="print"/>
             <a:stretch>
               <a:fillRect/>
             </a:stretch>
@@ -32118,9 +31658,7 @@
           <p:txBody>
             <a:bodyPr wrap="square" lIns="0" tIns="0" rIns="0" bIns="0" rtlCol="0"/>
             <a:lstStyle/>
-            <a:p>
-              <a:endParaRPr/>
-            </a:p>
+            <a:p/>
           </p:txBody>
         </p:sp>
         <p:sp>
@@ -32170,14 +31708,34 @@
           <p:txBody>
             <a:bodyPr wrap="square" lIns="0" tIns="0" rIns="0" bIns="0" rtlCol="0"/>
             <a:lstStyle/>
-            <a:p>
-              <a:endParaRPr/>
-            </a:p>
+            <a:p/>
           </p:txBody>
         </p:sp>
         <p:pic>
           <p:nvPicPr>
             <p:cNvPr id="14" name="object 14"/>
+            <p:cNvPicPr/>
+            <p:nvPr/>
+          </p:nvPicPr>
+          <p:blipFill>
+            <a:blip r:embed="rId7" cstate="print"/>
+            <a:stretch>
+              <a:fillRect/>
+            </a:stretch>
+          </p:blipFill>
+          <p:spPr>
+            <a:xfrm>
+              <a:off x="423976" y="1862327"/>
+              <a:ext cx="1161719" cy="304800"/>
+            </a:xfrm>
+            <a:prstGeom prst="rect">
+              <a:avLst/>
+            </a:prstGeom>
+          </p:spPr>
+        </p:pic>
+        <p:pic>
+          <p:nvPicPr>
+            <p:cNvPr id="15" name="object 15"/>
             <p:cNvPicPr/>
             <p:nvPr/>
           </p:nvPicPr>
@@ -32189,28 +31747,6 @@
           </p:blipFill>
           <p:spPr>
             <a:xfrm>
-              <a:off x="423976" y="1862327"/>
-              <a:ext cx="1161719" cy="304800"/>
-            </a:xfrm>
-            <a:prstGeom prst="rect">
-              <a:avLst/>
-            </a:prstGeom>
-          </p:spPr>
-        </p:pic>
-        <p:pic>
-          <p:nvPicPr>
-            <p:cNvPr id="15" name="object 15"/>
-            <p:cNvPicPr/>
-            <p:nvPr/>
-          </p:nvPicPr>
-          <p:blipFill>
-            <a:blip r:embed="rId9" cstate="print"/>
-            <a:stretch>
-              <a:fillRect/>
-            </a:stretch>
-          </p:blipFill>
-          <p:spPr>
-            <a:xfrm>
               <a:off x="1440433" y="1862327"/>
               <a:ext cx="207264" cy="304800"/>
             </a:xfrm>
@@ -32226,7 +31762,7 @@
             <p:nvPr/>
           </p:nvPicPr>
           <p:blipFill>
-            <a:blip r:embed="rId10" cstate="print"/>
+            <a:blip r:embed="rId9" cstate="print"/>
             <a:stretch>
               <a:fillRect/>
             </a:stretch>
@@ -32286,9 +31822,7 @@
           <p:txBody>
             <a:bodyPr wrap="square" lIns="0" tIns="0" rIns="0" bIns="0" rtlCol="0"/>
             <a:lstStyle/>
-            <a:p>
-              <a:endParaRPr/>
-            </a:p>
+            <a:p/>
           </p:txBody>
         </p:sp>
         <p:sp>
@@ -32338,9 +31872,7 @@
           <p:txBody>
             <a:bodyPr wrap="square" lIns="0" tIns="0" rIns="0" bIns="0" rtlCol="0"/>
             <a:lstStyle/>
-            <a:p>
-              <a:endParaRPr/>
-            </a:p>
+            <a:p/>
           </p:txBody>
         </p:sp>
       </p:grpSp>
@@ -32481,7 +32013,6 @@
           <a:p>
             <a:fld id="{B6F15528-21DE-4FAA-801E-634DDDAF4B2B}" type="slidenum">
               <a:rPr/>
-              <a:t>40</a:t>
             </a:fld>
             <a:endParaRPr/>
           </a:p>
@@ -32549,9 +32080,7 @@
         <p:txBody>
           <a:bodyPr wrap="square" lIns="0" tIns="0" rIns="0" bIns="0" rtlCol="0"/>
           <a:lstStyle/>
-          <a:p>
-            <a:endParaRPr/>
-          </a:p>
+          <a:p/>
         </p:txBody>
       </p:sp>
       <p:pic>
@@ -32561,7 +32090,7 @@
           <p:nvPr/>
         </p:nvPicPr>
         <p:blipFill>
-          <a:blip r:embed="rId2" cstate="print"/>
+          <a:blip r:embed="rId1" cstate="print"/>
           <a:stretch>
             <a:fillRect/>
           </a:stretch>
@@ -32583,7 +32112,7 @@
           <p:nvPr/>
         </p:nvPicPr>
         <p:blipFill>
-          <a:blip r:embed="rId3" cstate="print"/>
+          <a:blip r:embed="rId2" cstate="print"/>
           <a:stretch>
             <a:fillRect/>
           </a:stretch>
@@ -32619,7 +32148,7 @@
             <p:nvPr/>
           </p:nvPicPr>
           <p:blipFill>
-            <a:blip r:embed="rId4" cstate="print"/>
+            <a:blip r:embed="rId3" cstate="print"/>
             <a:stretch>
               <a:fillRect/>
             </a:stretch>
@@ -32641,7 +32170,7 @@
             <p:nvPr/>
           </p:nvPicPr>
           <p:blipFill>
-            <a:blip r:embed="rId5" cstate="print"/>
+            <a:blip r:embed="rId4" cstate="print"/>
             <a:stretch>
               <a:fillRect/>
             </a:stretch>
@@ -32678,7 +32207,7 @@
             <p:nvPr/>
           </p:nvPicPr>
           <p:blipFill>
-            <a:blip r:embed="rId6" cstate="print"/>
+            <a:blip r:embed="rId5" cstate="print"/>
             <a:stretch>
               <a:fillRect/>
             </a:stretch>
@@ -32700,7 +32229,7 @@
             <p:nvPr/>
           </p:nvPicPr>
           <p:blipFill>
-            <a:blip r:embed="rId7" cstate="print"/>
+            <a:blip r:embed="rId6" cstate="print"/>
             <a:stretch>
               <a:fillRect/>
             </a:stretch>
@@ -32737,7 +32266,7 @@
             <p:nvPr/>
           </p:nvPicPr>
           <p:blipFill>
-            <a:blip r:embed="rId8" cstate="print"/>
+            <a:blip r:embed="rId7" cstate="print"/>
             <a:stretch>
               <a:fillRect/>
             </a:stretch>
@@ -32759,7 +32288,7 @@
             <p:nvPr/>
           </p:nvPicPr>
           <p:blipFill>
-            <a:blip r:embed="rId9" cstate="print"/>
+            <a:blip r:embed="rId8" cstate="print"/>
             <a:stretch>
               <a:fillRect/>
             </a:stretch>
@@ -32834,9 +32363,7 @@
           <p:txBody>
             <a:bodyPr wrap="square" lIns="0" tIns="0" rIns="0" bIns="0" rtlCol="0"/>
             <a:lstStyle/>
-            <a:p>
-              <a:endParaRPr/>
-            </a:p>
+            <a:p/>
           </p:txBody>
         </p:sp>
         <p:sp>
@@ -32886,14 +32413,34 @@
           <p:txBody>
             <a:bodyPr wrap="square" lIns="0" tIns="0" rIns="0" bIns="0" rtlCol="0"/>
             <a:lstStyle/>
-            <a:p>
-              <a:endParaRPr/>
-            </a:p>
+            <a:p/>
           </p:txBody>
         </p:sp>
         <p:pic>
           <p:nvPicPr>
             <p:cNvPr id="17" name="object 17"/>
+            <p:cNvPicPr/>
+            <p:nvPr/>
+          </p:nvPicPr>
+          <p:blipFill>
+            <a:blip r:embed="rId9" cstate="print"/>
+            <a:stretch>
+              <a:fillRect/>
+            </a:stretch>
+          </p:blipFill>
+          <p:spPr>
+            <a:xfrm>
+              <a:off x="423976" y="1862327"/>
+              <a:ext cx="1161719" cy="304800"/>
+            </a:xfrm>
+            <a:prstGeom prst="rect">
+              <a:avLst/>
+            </a:prstGeom>
+          </p:spPr>
+        </p:pic>
+        <p:pic>
+          <p:nvPicPr>
+            <p:cNvPr id="18" name="object 18"/>
             <p:cNvPicPr/>
             <p:nvPr/>
           </p:nvPicPr>
@@ -32905,28 +32452,6 @@
           </p:blipFill>
           <p:spPr>
             <a:xfrm>
-              <a:off x="423976" y="1862327"/>
-              <a:ext cx="1161719" cy="304800"/>
-            </a:xfrm>
-            <a:prstGeom prst="rect">
-              <a:avLst/>
-            </a:prstGeom>
-          </p:spPr>
-        </p:pic>
-        <p:pic>
-          <p:nvPicPr>
-            <p:cNvPr id="18" name="object 18"/>
-            <p:cNvPicPr/>
-            <p:nvPr/>
-          </p:nvPicPr>
-          <p:blipFill>
-            <a:blip r:embed="rId11" cstate="print"/>
-            <a:stretch>
-              <a:fillRect/>
-            </a:stretch>
-          </p:blipFill>
-          <p:spPr>
-            <a:xfrm>
               <a:off x="1440433" y="1862327"/>
               <a:ext cx="207264" cy="304800"/>
             </a:xfrm>
@@ -32942,7 +32467,7 @@
             <p:nvPr/>
           </p:nvPicPr>
           <p:blipFill>
-            <a:blip r:embed="rId12" cstate="print"/>
+            <a:blip r:embed="rId11" cstate="print"/>
             <a:stretch>
               <a:fillRect/>
             </a:stretch>
@@ -33002,9 +32527,7 @@
           <p:txBody>
             <a:bodyPr wrap="square" lIns="0" tIns="0" rIns="0" bIns="0" rtlCol="0"/>
             <a:lstStyle/>
-            <a:p>
-              <a:endParaRPr/>
-            </a:p>
+            <a:p/>
           </p:txBody>
         </p:sp>
         <p:sp>
@@ -33054,9 +32577,7 @@
           <p:txBody>
             <a:bodyPr wrap="square" lIns="0" tIns="0" rIns="0" bIns="0" rtlCol="0"/>
             <a:lstStyle/>
-            <a:p>
-              <a:endParaRPr/>
-            </a:p>
+            <a:p/>
           </p:txBody>
         </p:sp>
       </p:grpSp>
@@ -33264,7 +32785,6 @@
           <a:p>
             <a:fld id="{B6F15528-21DE-4FAA-801E-634DDDAF4B2B}" type="slidenum">
               <a:rPr/>
-              <a:t>41</a:t>
             </a:fld>
             <a:endParaRPr/>
           </a:p>
@@ -33332,9 +32852,7 @@
         <p:txBody>
           <a:bodyPr wrap="square" lIns="0" tIns="0" rIns="0" bIns="0" rtlCol="0"/>
           <a:lstStyle/>
-          <a:p>
-            <a:endParaRPr/>
-          </a:p>
+          <a:p/>
         </p:txBody>
       </p:sp>
       <p:pic>
@@ -33344,7 +32862,7 @@
           <p:nvPr/>
         </p:nvPicPr>
         <p:blipFill>
-          <a:blip r:embed="rId2" cstate="print"/>
+          <a:blip r:embed="rId1" cstate="print"/>
           <a:stretch>
             <a:fillRect/>
           </a:stretch>
@@ -33366,7 +32884,7 @@
           <p:nvPr/>
         </p:nvPicPr>
         <p:blipFill>
-          <a:blip r:embed="rId3" cstate="print"/>
+          <a:blip r:embed="rId2" cstate="print"/>
           <a:stretch>
             <a:fillRect/>
           </a:stretch>
@@ -33402,7 +32920,7 @@
             <p:nvPr/>
           </p:nvPicPr>
           <p:blipFill>
-            <a:blip r:embed="rId4" cstate="print"/>
+            <a:blip r:embed="rId3" cstate="print"/>
             <a:stretch>
               <a:fillRect/>
             </a:stretch>
@@ -33424,7 +32942,7 @@
             <p:nvPr/>
           </p:nvPicPr>
           <p:blipFill>
-            <a:blip r:embed="rId5" cstate="print"/>
+            <a:blip r:embed="rId4" cstate="print"/>
             <a:stretch>
               <a:fillRect/>
             </a:stretch>
@@ -33461,7 +32979,7 @@
             <p:nvPr/>
           </p:nvPicPr>
           <p:blipFill>
-            <a:blip r:embed="rId6" cstate="print"/>
+            <a:blip r:embed="rId5" cstate="print"/>
             <a:stretch>
               <a:fillRect/>
             </a:stretch>
@@ -33483,7 +33001,7 @@
             <p:nvPr/>
           </p:nvPicPr>
           <p:blipFill>
-            <a:blip r:embed="rId7" cstate="print"/>
+            <a:blip r:embed="rId6" cstate="print"/>
             <a:stretch>
               <a:fillRect/>
             </a:stretch>
@@ -33520,7 +33038,7 @@
             <p:nvPr/>
           </p:nvPicPr>
           <p:blipFill>
-            <a:blip r:embed="rId8" cstate="print"/>
+            <a:blip r:embed="rId7" cstate="print"/>
             <a:stretch>
               <a:fillRect/>
             </a:stretch>
@@ -33542,7 +33060,7 @@
             <p:nvPr/>
           </p:nvPicPr>
           <p:blipFill>
-            <a:blip r:embed="rId9" cstate="print"/>
+            <a:blip r:embed="rId8" cstate="print"/>
             <a:stretch>
               <a:fillRect/>
             </a:stretch>
@@ -33579,7 +33097,7 @@
             <p:nvPr/>
           </p:nvPicPr>
           <p:blipFill>
-            <a:blip r:embed="rId10" cstate="print"/>
+            <a:blip r:embed="rId9" cstate="print"/>
             <a:stretch>
               <a:fillRect/>
             </a:stretch>
@@ -33601,7 +33119,7 @@
             <p:nvPr/>
           </p:nvPicPr>
           <p:blipFill>
-            <a:blip r:embed="rId11" cstate="print"/>
+            <a:blip r:embed="rId10" cstate="print"/>
             <a:stretch>
               <a:fillRect/>
             </a:stretch>
@@ -33676,9 +33194,7 @@
           <p:txBody>
             <a:bodyPr wrap="square" lIns="0" tIns="0" rIns="0" bIns="0" rtlCol="0"/>
             <a:lstStyle/>
-            <a:p>
-              <a:endParaRPr/>
-            </a:p>
+            <a:p/>
           </p:txBody>
         </p:sp>
         <p:sp>
@@ -33728,14 +33244,34 @@
           <p:txBody>
             <a:bodyPr wrap="square" lIns="0" tIns="0" rIns="0" bIns="0" rtlCol="0"/>
             <a:lstStyle/>
-            <a:p>
-              <a:endParaRPr/>
-            </a:p>
+            <a:p/>
           </p:txBody>
         </p:sp>
         <p:pic>
           <p:nvPicPr>
             <p:cNvPr id="20" name="object 20"/>
+            <p:cNvPicPr/>
+            <p:nvPr/>
+          </p:nvPicPr>
+          <p:blipFill>
+            <a:blip r:embed="rId11" cstate="print"/>
+            <a:stretch>
+              <a:fillRect/>
+            </a:stretch>
+          </p:blipFill>
+          <p:spPr>
+            <a:xfrm>
+              <a:off x="423976" y="1862327"/>
+              <a:ext cx="1161719" cy="304800"/>
+            </a:xfrm>
+            <a:prstGeom prst="rect">
+              <a:avLst/>
+            </a:prstGeom>
+          </p:spPr>
+        </p:pic>
+        <p:pic>
+          <p:nvPicPr>
+            <p:cNvPr id="21" name="object 21"/>
             <p:cNvPicPr/>
             <p:nvPr/>
           </p:nvPicPr>
@@ -33747,28 +33283,6 @@
           </p:blipFill>
           <p:spPr>
             <a:xfrm>
-              <a:off x="423976" y="1862327"/>
-              <a:ext cx="1161719" cy="304800"/>
-            </a:xfrm>
-            <a:prstGeom prst="rect">
-              <a:avLst/>
-            </a:prstGeom>
-          </p:spPr>
-        </p:pic>
-        <p:pic>
-          <p:nvPicPr>
-            <p:cNvPr id="21" name="object 21"/>
-            <p:cNvPicPr/>
-            <p:nvPr/>
-          </p:nvPicPr>
-          <p:blipFill>
-            <a:blip r:embed="rId13" cstate="print"/>
-            <a:stretch>
-              <a:fillRect/>
-            </a:stretch>
-          </p:blipFill>
-          <p:spPr>
-            <a:xfrm>
               <a:off x="1440433" y="1862327"/>
               <a:ext cx="207264" cy="304800"/>
             </a:xfrm>
@@ -33784,7 +33298,7 @@
             <p:nvPr/>
           </p:nvPicPr>
           <p:blipFill>
-            <a:blip r:embed="rId14" cstate="print"/>
+            <a:blip r:embed="rId13" cstate="print"/>
             <a:stretch>
               <a:fillRect/>
             </a:stretch>
@@ -33844,9 +33358,7 @@
           <p:txBody>
             <a:bodyPr wrap="square" lIns="0" tIns="0" rIns="0" bIns="0" rtlCol="0"/>
             <a:lstStyle/>
-            <a:p>
-              <a:endParaRPr/>
-            </a:p>
+            <a:p/>
           </p:txBody>
         </p:sp>
         <p:sp>
@@ -33896,9 +33408,7 @@
           <p:txBody>
             <a:bodyPr wrap="square" lIns="0" tIns="0" rIns="0" bIns="0" rtlCol="0"/>
             <a:lstStyle/>
-            <a:p>
-              <a:endParaRPr/>
-            </a:p>
+            <a:p/>
           </p:txBody>
         </p:sp>
       </p:grpSp>
@@ -34225,7 +33735,6 @@
           <a:p>
             <a:fld id="{B6F15528-21DE-4FAA-801E-634DDDAF4B2B}" type="slidenum">
               <a:rPr/>
-              <a:t>42</a:t>
             </a:fld>
             <a:endParaRPr/>
           </a:p>
@@ -34277,7 +33786,7 @@
             <p:nvPr/>
           </p:nvPicPr>
           <p:blipFill>
-            <a:blip r:embed="rId2" cstate="print"/>
+            <a:blip r:embed="rId1" cstate="print"/>
             <a:stretch>
               <a:fillRect/>
             </a:stretch>
@@ -34337,9 +33846,7 @@
           <p:txBody>
             <a:bodyPr wrap="square" lIns="0" tIns="0" rIns="0" bIns="0" rtlCol="0"/>
             <a:lstStyle/>
-            <a:p>
-              <a:endParaRPr/>
-            </a:p>
+            <a:p/>
           </p:txBody>
         </p:sp>
       </p:grpSp>
@@ -34350,7 +33857,7 @@
           <p:nvPr/>
         </p:nvPicPr>
         <p:blipFill>
-          <a:blip r:embed="rId3" cstate="print"/>
+          <a:blip r:embed="rId2" cstate="print"/>
           <a:stretch>
             <a:fillRect/>
           </a:stretch>
@@ -34372,7 +33879,7 @@
           <p:nvPr/>
         </p:nvPicPr>
         <p:blipFill>
-          <a:blip r:embed="rId4" cstate="print"/>
+          <a:blip r:embed="rId3" cstate="print"/>
           <a:stretch>
             <a:fillRect/>
           </a:stretch>
@@ -34394,7 +33901,7 @@
           <p:nvPr/>
         </p:nvPicPr>
         <p:blipFill>
-          <a:blip r:embed="rId5" cstate="print"/>
+          <a:blip r:embed="rId4" cstate="print"/>
           <a:stretch>
             <a:fillRect/>
           </a:stretch>
@@ -34416,7 +33923,7 @@
           <p:nvPr/>
         </p:nvPicPr>
         <p:blipFill>
-          <a:blip r:embed="rId6" cstate="print"/>
+          <a:blip r:embed="rId5" cstate="print"/>
           <a:stretch>
             <a:fillRect/>
           </a:stretch>
@@ -34438,7 +33945,7 @@
           <p:nvPr/>
         </p:nvPicPr>
         <p:blipFill>
-          <a:blip r:embed="rId7" cstate="print"/>
+          <a:blip r:embed="rId6" cstate="print"/>
           <a:stretch>
             <a:fillRect/>
           </a:stretch>
@@ -34460,7 +33967,7 @@
           <p:nvPr/>
         </p:nvPicPr>
         <p:blipFill>
-          <a:blip r:embed="rId8" cstate="print"/>
+          <a:blip r:embed="rId7" cstate="print"/>
           <a:stretch>
             <a:fillRect/>
           </a:stretch>
@@ -34492,7 +33999,6 @@
           <a:p>
             <a:fld id="{B6F15528-21DE-4FAA-801E-634DDDAF4B2B}" type="slidenum">
               <a:rPr/>
-              <a:t>43</a:t>
             </a:fld>
             <a:endParaRPr/>
           </a:p>
@@ -34540,7 +34046,6 @@
           <a:p>
             <a:fld id="{B6F15528-21DE-4FAA-801E-634DDDAF4B2B}" type="slidenum">
               <a:rPr/>
-              <a:t>5</a:t>
             </a:fld>
             <a:endParaRPr/>
           </a:p>
@@ -34564,12 +34069,12 @@
           <a:graphicData uri="http://schemas.openxmlformats.org/presentationml/2006/ole">
             <mc:AlternateContent xmlns:mc="http://schemas.openxmlformats.org/markup-compatibility/2006">
               <mc:Choice xmlns:v="urn:schemas-microsoft-com:vml" Requires="v">
-                <p:oleObj r:id="rId2" imgW="10439400" imgH="5429250" progId="Paint.Picture">
+                <p:oleObj spid="_x0000_s2" name="" r:id="rId1" imgW="10439400" imgH="5429250" progId="Paint.Picture">
                   <p:embed/>
                 </p:oleObj>
               </mc:Choice>
               <mc:Fallback>
-                <p:oleObj r:id="rId2" imgW="10439400" imgH="5429250" progId="Paint.Picture">
+                <p:oleObj name="" r:id="rId1" imgW="10439400" imgH="5429250" progId="Paint.Picture">
                   <p:embed/>
                   <p:pic>
                     <p:nvPicPr>
@@ -34578,7 +34083,7 @@
                       <p:nvPr/>
                     </p:nvPicPr>
                     <p:blipFill>
-                      <a:blip r:embed="rId3"/>
+                      <a:blip r:embed="rId2"/>
                       <a:stretch>
                         <a:fillRect/>
                       </a:stretch>
@@ -34645,7 +34150,7 @@
             <p:nvPr/>
           </p:nvPicPr>
           <p:blipFill>
-            <a:blip r:embed="rId2" cstate="print"/>
+            <a:blip r:embed="rId1" cstate="print"/>
             <a:stretch>
               <a:fillRect/>
             </a:stretch>
@@ -34705,9 +34210,7 @@
           <p:txBody>
             <a:bodyPr wrap="square" lIns="0" tIns="0" rIns="0" bIns="0" rtlCol="0"/>
             <a:lstStyle/>
-            <a:p>
-              <a:endParaRPr/>
-            </a:p>
+            <a:p/>
           </p:txBody>
         </p:sp>
       </p:grpSp>
@@ -34718,7 +34221,7 @@
           <p:nvPr/>
         </p:nvPicPr>
         <p:blipFill>
-          <a:blip r:embed="rId3" cstate="print"/>
+          <a:blip r:embed="rId2" cstate="print"/>
           <a:stretch>
             <a:fillRect/>
           </a:stretch>
@@ -34740,7 +34243,7 @@
           <p:nvPr/>
         </p:nvPicPr>
         <p:blipFill>
-          <a:blip r:embed="rId4" cstate="print"/>
+          <a:blip r:embed="rId3" cstate="print"/>
           <a:stretch>
             <a:fillRect/>
           </a:stretch>
@@ -34762,7 +34265,7 @@
           <p:nvPr/>
         </p:nvPicPr>
         <p:blipFill>
-          <a:blip r:embed="rId5" cstate="print"/>
+          <a:blip r:embed="rId4" cstate="print"/>
           <a:stretch>
             <a:fillRect/>
           </a:stretch>
@@ -34784,7 +34287,7 @@
           <p:nvPr/>
         </p:nvPicPr>
         <p:blipFill>
-          <a:blip r:embed="rId6" cstate="print"/>
+          <a:blip r:embed="rId5" cstate="print"/>
           <a:stretch>
             <a:fillRect/>
           </a:stretch>
@@ -34806,7 +34309,7 @@
           <p:nvPr/>
         </p:nvPicPr>
         <p:blipFill>
-          <a:blip r:embed="rId7" cstate="print"/>
+          <a:blip r:embed="rId6" cstate="print"/>
           <a:stretch>
             <a:fillRect/>
           </a:stretch>
@@ -34842,7 +34345,7 @@
             <p:nvPr/>
           </p:nvPicPr>
           <p:blipFill>
-            <a:blip r:embed="rId8" cstate="print"/>
+            <a:blip r:embed="rId7" cstate="print"/>
             <a:stretch>
               <a:fillRect/>
             </a:stretch>
@@ -34864,7 +34367,7 @@
             <p:nvPr/>
           </p:nvPicPr>
           <p:blipFill>
-            <a:blip r:embed="rId9" cstate="print"/>
+            <a:blip r:embed="rId8" cstate="print"/>
             <a:stretch>
               <a:fillRect/>
             </a:stretch>
@@ -34897,7 +34400,6 @@
           <a:p>
             <a:fld id="{B6F15528-21DE-4FAA-801E-634DDDAF4B2B}" type="slidenum">
               <a:rPr/>
-              <a:t>6</a:t>
             </a:fld>
             <a:endParaRPr/>
           </a:p>
@@ -34935,7 +34437,7 @@
           <p:nvPr/>
         </p:nvPicPr>
         <p:blipFill>
-          <a:blip r:embed="rId2" cstate="print"/>
+          <a:blip r:embed="rId1" cstate="print"/>
           <a:stretch>
             <a:fillRect/>
           </a:stretch>
@@ -35034,9 +34536,7 @@
         <p:txBody>
           <a:bodyPr wrap="square" lIns="0" tIns="0" rIns="0" bIns="0" rtlCol="0"/>
           <a:lstStyle/>
-          <a:p>
-            <a:endParaRPr/>
-          </a:p>
+          <a:p/>
         </p:txBody>
       </p:sp>
       <p:sp>
@@ -35183,9 +34683,7 @@
         <p:txBody>
           <a:bodyPr wrap="square" lIns="0" tIns="0" rIns="0" bIns="0" rtlCol="0"/>
           <a:lstStyle/>
-          <a:p>
-            <a:endParaRPr/>
-          </a:p>
+          <a:p/>
         </p:txBody>
       </p:sp>
       <p:sp>
@@ -35293,9 +34791,7 @@
         <p:txBody>
           <a:bodyPr wrap="square" lIns="0" tIns="0" rIns="0" bIns="0" rtlCol="0"/>
           <a:lstStyle/>
-          <a:p>
-            <a:endParaRPr/>
-          </a:p>
+          <a:p/>
         </p:txBody>
       </p:sp>
       <p:sp>
@@ -35514,9 +35010,7 @@
         <p:txBody>
           <a:bodyPr wrap="square" lIns="0" tIns="0" rIns="0" bIns="0" rtlCol="0"/>
           <a:lstStyle/>
-          <a:p>
-            <a:endParaRPr/>
-          </a:p>
+          <a:p/>
         </p:txBody>
       </p:sp>
       <p:sp>
@@ -35741,9 +35235,7 @@
         <p:txBody>
           <a:bodyPr wrap="square" lIns="0" tIns="0" rIns="0" bIns="0" rtlCol="0"/>
           <a:lstStyle/>
-          <a:p>
-            <a:endParaRPr/>
-          </a:p>
+          <a:p/>
         </p:txBody>
       </p:sp>
       <p:sp>
@@ -35851,9 +35343,7 @@
         <p:txBody>
           <a:bodyPr wrap="square" lIns="0" tIns="0" rIns="0" bIns="0" rtlCol="0"/>
           <a:lstStyle/>
-          <a:p>
-            <a:endParaRPr/>
-          </a:p>
+          <a:p/>
         </p:txBody>
       </p:sp>
       <p:grpSp>
@@ -35915,9 +35405,7 @@
           <p:txBody>
             <a:bodyPr wrap="square" lIns="0" tIns="0" rIns="0" bIns="0" rtlCol="0"/>
             <a:lstStyle/>
-            <a:p>
-              <a:endParaRPr/>
-            </a:p>
+            <a:p/>
           </p:txBody>
         </p:sp>
         <p:sp>
@@ -35967,9 +35455,7 @@
           <p:txBody>
             <a:bodyPr wrap="square" lIns="0" tIns="0" rIns="0" bIns="0" rtlCol="0"/>
             <a:lstStyle/>
-            <a:p>
-              <a:endParaRPr/>
-            </a:p>
+            <a:p/>
           </p:txBody>
         </p:sp>
         <p:pic>
@@ -35979,7 +35465,7 @@
             <p:nvPr/>
           </p:nvPicPr>
           <p:blipFill>
-            <a:blip r:embed="rId3" cstate="print"/>
+            <a:blip r:embed="rId2" cstate="print"/>
             <a:stretch>
               <a:fillRect/>
             </a:stretch>
@@ -36054,9 +35540,7 @@
           <p:txBody>
             <a:bodyPr wrap="square" lIns="0" tIns="0" rIns="0" bIns="0" rtlCol="0"/>
             <a:lstStyle/>
-            <a:p>
-              <a:endParaRPr/>
-            </a:p>
+            <a:p/>
           </p:txBody>
         </p:sp>
         <p:sp>
@@ -36106,9 +35590,7 @@
           <p:txBody>
             <a:bodyPr wrap="square" lIns="0" tIns="0" rIns="0" bIns="0" rtlCol="0"/>
             <a:lstStyle/>
-            <a:p>
-              <a:endParaRPr/>
-            </a:p>
+            <a:p/>
           </p:txBody>
         </p:sp>
         <p:pic>
@@ -36118,7 +35600,7 @@
             <p:nvPr/>
           </p:nvPicPr>
           <p:blipFill>
-            <a:blip r:embed="rId4" cstate="print"/>
+            <a:blip r:embed="rId3" cstate="print"/>
             <a:stretch>
               <a:fillRect/>
             </a:stretch>
@@ -36140,7 +35622,7 @@
             <p:nvPr/>
           </p:nvPicPr>
           <p:blipFill>
-            <a:blip r:embed="rId5" cstate="print"/>
+            <a:blip r:embed="rId4" cstate="print"/>
             <a:stretch>
               <a:fillRect/>
             </a:stretch>
@@ -36215,9 +35697,7 @@
           <p:txBody>
             <a:bodyPr wrap="square" lIns="0" tIns="0" rIns="0" bIns="0" rtlCol="0"/>
             <a:lstStyle/>
-            <a:p>
-              <a:endParaRPr/>
-            </a:p>
+            <a:p/>
           </p:txBody>
         </p:sp>
         <p:sp>
@@ -36267,9 +35747,7 @@
           <p:txBody>
             <a:bodyPr wrap="square" lIns="0" tIns="0" rIns="0" bIns="0" rtlCol="0"/>
             <a:lstStyle/>
-            <a:p>
-              <a:endParaRPr/>
-            </a:p>
+            <a:p/>
           </p:txBody>
         </p:sp>
         <p:pic>
@@ -36279,7 +35757,7 @@
             <p:nvPr/>
           </p:nvPicPr>
           <p:blipFill>
-            <a:blip r:embed="rId6" cstate="print"/>
+            <a:blip r:embed="rId5" cstate="print"/>
             <a:stretch>
               <a:fillRect/>
             </a:stretch>
@@ -36301,7 +35779,7 @@
             <p:nvPr/>
           </p:nvPicPr>
           <p:blipFill>
-            <a:blip r:embed="rId5" cstate="print"/>
+            <a:blip r:embed="rId4" cstate="print"/>
             <a:stretch>
               <a:fillRect/>
             </a:stretch>
@@ -36376,9 +35854,7 @@
           <p:txBody>
             <a:bodyPr wrap="square" lIns="0" tIns="0" rIns="0" bIns="0" rtlCol="0"/>
             <a:lstStyle/>
-            <a:p>
-              <a:endParaRPr/>
-            </a:p>
+            <a:p/>
           </p:txBody>
         </p:sp>
         <p:sp>
@@ -36428,9 +35904,7 @@
           <p:txBody>
             <a:bodyPr wrap="square" lIns="0" tIns="0" rIns="0" bIns="0" rtlCol="0"/>
             <a:lstStyle/>
-            <a:p>
-              <a:endParaRPr/>
-            </a:p>
+            <a:p/>
           </p:txBody>
         </p:sp>
         <p:pic>
@@ -36440,7 +35914,7 @@
             <p:nvPr/>
           </p:nvPicPr>
           <p:blipFill>
-            <a:blip r:embed="rId7" cstate="print"/>
+            <a:blip r:embed="rId6" cstate="print"/>
             <a:stretch>
               <a:fillRect/>
             </a:stretch>
@@ -36462,7 +35936,7 @@
             <p:nvPr/>
           </p:nvPicPr>
           <p:blipFill>
-            <a:blip r:embed="rId8" cstate="print"/>
+            <a:blip r:embed="rId7" cstate="print"/>
             <a:stretch>
               <a:fillRect/>
             </a:stretch>
@@ -36537,9 +36011,7 @@
           <p:txBody>
             <a:bodyPr wrap="square" lIns="0" tIns="0" rIns="0" bIns="0" rtlCol="0"/>
             <a:lstStyle/>
-            <a:p>
-              <a:endParaRPr/>
-            </a:p>
+            <a:p/>
           </p:txBody>
         </p:sp>
         <p:sp>
@@ -36589,9 +36061,7 @@
           <p:txBody>
             <a:bodyPr wrap="square" lIns="0" tIns="0" rIns="0" bIns="0" rtlCol="0"/>
             <a:lstStyle/>
-            <a:p>
-              <a:endParaRPr/>
-            </a:p>
+            <a:p/>
           </p:txBody>
         </p:sp>
         <p:pic>
@@ -36601,7 +36071,7 @@
             <p:nvPr/>
           </p:nvPicPr>
           <p:blipFill>
-            <a:blip r:embed="rId9" cstate="print"/>
+            <a:blip r:embed="rId8" cstate="print"/>
             <a:stretch>
               <a:fillRect/>
             </a:stretch>
@@ -36623,7 +36093,7 @@
             <p:nvPr/>
           </p:nvPicPr>
           <p:blipFill>
-            <a:blip r:embed="rId5" cstate="print"/>
+            <a:blip r:embed="rId4" cstate="print"/>
             <a:stretch>
               <a:fillRect/>
             </a:stretch>
@@ -36698,9 +36168,7 @@
           <p:txBody>
             <a:bodyPr wrap="square" lIns="0" tIns="0" rIns="0" bIns="0" rtlCol="0"/>
             <a:lstStyle/>
-            <a:p>
-              <a:endParaRPr/>
-            </a:p>
+            <a:p/>
           </p:txBody>
         </p:sp>
         <p:sp>
@@ -36750,9 +36218,7 @@
           <p:txBody>
             <a:bodyPr wrap="square" lIns="0" tIns="0" rIns="0" bIns="0" rtlCol="0"/>
             <a:lstStyle/>
-            <a:p>
-              <a:endParaRPr/>
-            </a:p>
+            <a:p/>
           </p:txBody>
         </p:sp>
         <p:pic>
@@ -36762,7 +36228,7 @@
             <p:nvPr/>
           </p:nvPicPr>
           <p:blipFill>
-            <a:blip r:embed="rId10" cstate="print"/>
+            <a:blip r:embed="rId9" cstate="print"/>
             <a:stretch>
               <a:fillRect/>
             </a:stretch>
@@ -36784,7 +36250,7 @@
             <p:nvPr/>
           </p:nvPicPr>
           <p:blipFill>
-            <a:blip r:embed="rId5" cstate="print"/>
+            <a:blip r:embed="rId4" cstate="print"/>
             <a:stretch>
               <a:fillRect/>
             </a:stretch>
@@ -36859,9 +36325,7 @@
           <p:txBody>
             <a:bodyPr wrap="square" lIns="0" tIns="0" rIns="0" bIns="0" rtlCol="0"/>
             <a:lstStyle/>
-            <a:p>
-              <a:endParaRPr/>
-            </a:p>
+            <a:p/>
           </p:txBody>
         </p:sp>
         <p:sp>
@@ -36911,9 +36375,7 @@
           <p:txBody>
             <a:bodyPr wrap="square" lIns="0" tIns="0" rIns="0" bIns="0" rtlCol="0"/>
             <a:lstStyle/>
-            <a:p>
-              <a:endParaRPr/>
-            </a:p>
+            <a:p/>
           </p:txBody>
         </p:sp>
         <p:pic>
@@ -36923,7 +36385,7 @@
             <p:nvPr/>
           </p:nvPicPr>
           <p:blipFill>
-            <a:blip r:embed="rId11" cstate="print"/>
+            <a:blip r:embed="rId10" cstate="print"/>
             <a:stretch>
               <a:fillRect/>
             </a:stretch>
@@ -36945,7 +36407,7 @@
             <p:nvPr/>
           </p:nvPicPr>
           <p:blipFill>
-            <a:blip r:embed="rId5" cstate="print"/>
+            <a:blip r:embed="rId4" cstate="print"/>
             <a:stretch>
               <a:fillRect/>
             </a:stretch>
@@ -37020,9 +36482,7 @@
           <p:txBody>
             <a:bodyPr wrap="square" lIns="0" tIns="0" rIns="0" bIns="0" rtlCol="0"/>
             <a:lstStyle/>
-            <a:p>
-              <a:endParaRPr/>
-            </a:p>
+            <a:p/>
           </p:txBody>
         </p:sp>
         <p:sp>
@@ -37072,9 +36532,7 @@
           <p:txBody>
             <a:bodyPr wrap="square" lIns="0" tIns="0" rIns="0" bIns="0" rtlCol="0"/>
             <a:lstStyle/>
-            <a:p>
-              <a:endParaRPr/>
-            </a:p>
+            <a:p/>
           </p:txBody>
         </p:sp>
         <p:pic>
@@ -37084,7 +36542,7 @@
             <p:nvPr/>
           </p:nvPicPr>
           <p:blipFill>
-            <a:blip r:embed="rId12" cstate="print"/>
+            <a:blip r:embed="rId11" cstate="print"/>
             <a:stretch>
               <a:fillRect/>
             </a:stretch>
@@ -37106,7 +36564,7 @@
             <p:nvPr/>
           </p:nvPicPr>
           <p:blipFill>
-            <a:blip r:embed="rId5" cstate="print"/>
+            <a:blip r:embed="rId4" cstate="print"/>
             <a:stretch>
               <a:fillRect/>
             </a:stretch>
@@ -37205,9 +36663,7 @@
           <p:txBody>
             <a:bodyPr wrap="square" lIns="0" tIns="0" rIns="0" bIns="0" rtlCol="0"/>
             <a:lstStyle/>
-            <a:p>
-              <a:endParaRPr/>
-            </a:p>
+            <a:p/>
           </p:txBody>
         </p:sp>
       </p:grpSp>
@@ -37228,7 +36684,6 @@
           <a:p>
             <a:fld id="{B6F15528-21DE-4FAA-801E-634DDDAF4B2B}" type="slidenum">
               <a:rPr/>
-              <a:t>7</a:t>
             </a:fld>
             <a:endParaRPr/>
           </a:p>
@@ -37236,13 +36691,7 @@
       </p:sp>
       <p:sp>
         <p:nvSpPr>
-          <p:cNvPr id="50" name="Rectangle 49">
-            <a:extLst>
-              <a:ext uri="{FF2B5EF4-FFF2-40B4-BE49-F238E27FC236}">
-                <a16:creationId xmlns:a16="http://schemas.microsoft.com/office/drawing/2014/main" id="{62C4268D-B3B8-E962-6635-B17E4CF4678F}"/>
-              </a:ext>
-            </a:extLst>
-          </p:cNvPr>
+          <p:cNvPr id="50" name="Rectangle 49"/>
           <p:cNvSpPr/>
           <p:nvPr/>
         </p:nvSpPr>
@@ -37325,7 +36774,7 @@
           <p:nvPr/>
         </p:nvPicPr>
         <p:blipFill>
-          <a:blip r:embed="rId2" cstate="print"/>
+          <a:blip r:embed="rId1" cstate="print"/>
           <a:stretch>
             <a:fillRect/>
           </a:stretch>
@@ -37653,9 +37102,7 @@
           <p:txBody>
             <a:bodyPr wrap="square" lIns="0" tIns="0" rIns="0" bIns="0" rtlCol="0"/>
             <a:lstStyle/>
-            <a:p>
-              <a:endParaRPr/>
-            </a:p>
+            <a:p/>
           </p:txBody>
         </p:sp>
         <p:sp>
@@ -37957,9 +37404,7 @@
           <p:txBody>
             <a:bodyPr wrap="square" lIns="0" tIns="0" rIns="0" bIns="0" rtlCol="0"/>
             <a:lstStyle/>
-            <a:p>
-              <a:endParaRPr/>
-            </a:p>
+            <a:p/>
           </p:txBody>
         </p:sp>
         <p:pic>
@@ -37969,7 +37414,7 @@
             <p:nvPr/>
           </p:nvPicPr>
           <p:blipFill>
-            <a:blip r:embed="rId3" cstate="print"/>
+            <a:blip r:embed="rId2" cstate="print"/>
             <a:stretch>
               <a:fillRect/>
             </a:stretch>
@@ -38283,9 +37728,7 @@
           <p:txBody>
             <a:bodyPr wrap="square" lIns="0" tIns="0" rIns="0" bIns="0" rtlCol="0"/>
             <a:lstStyle/>
-            <a:p>
-              <a:endParaRPr/>
-            </a:p>
+            <a:p/>
           </p:txBody>
         </p:sp>
         <p:sp>
@@ -38587,9 +38030,7 @@
           <p:txBody>
             <a:bodyPr wrap="square" lIns="0" tIns="0" rIns="0" bIns="0" rtlCol="0"/>
             <a:lstStyle/>
-            <a:p>
-              <a:endParaRPr/>
-            </a:p>
+            <a:p/>
           </p:txBody>
         </p:sp>
         <p:pic>
@@ -38599,7 +38040,7 @@
             <p:nvPr/>
           </p:nvPicPr>
           <p:blipFill>
-            <a:blip r:embed="rId4" cstate="print"/>
+            <a:blip r:embed="rId3" cstate="print"/>
             <a:stretch>
               <a:fillRect/>
             </a:stretch>
@@ -38913,9 +38354,7 @@
           <p:txBody>
             <a:bodyPr wrap="square" lIns="0" tIns="0" rIns="0" bIns="0" rtlCol="0"/>
             <a:lstStyle/>
-            <a:p>
-              <a:endParaRPr/>
-            </a:p>
+            <a:p/>
           </p:txBody>
         </p:sp>
         <p:sp>
@@ -39217,9 +38656,7 @@
           <p:txBody>
             <a:bodyPr wrap="square" lIns="0" tIns="0" rIns="0" bIns="0" rtlCol="0"/>
             <a:lstStyle/>
-            <a:p>
-              <a:endParaRPr/>
-            </a:p>
+            <a:p/>
           </p:txBody>
         </p:sp>
         <p:pic>
@@ -39229,7 +38666,7 @@
             <p:nvPr/>
           </p:nvPicPr>
           <p:blipFill>
-            <a:blip r:embed="rId5" cstate="print"/>
+            <a:blip r:embed="rId4" cstate="print"/>
             <a:stretch>
               <a:fillRect/>
             </a:stretch>
@@ -39262,7 +38699,6 @@
           <a:p>
             <a:fld id="{B6F15528-21DE-4FAA-801E-634DDDAF4B2B}" type="slidenum">
               <a:rPr/>
-              <a:t>8</a:t>
             </a:fld>
             <a:endParaRPr/>
           </a:p>
@@ -39300,7 +38736,7 @@
           <p:nvPr/>
         </p:nvPicPr>
         <p:blipFill>
-          <a:blip r:embed="rId2" cstate="print"/>
+          <a:blip r:embed="rId1" cstate="print"/>
           <a:stretch>
             <a:fillRect/>
           </a:stretch>
@@ -39374,9 +38810,7 @@
           <p:txBody>
             <a:bodyPr wrap="square" lIns="0" tIns="0" rIns="0" bIns="0" rtlCol="0"/>
             <a:lstStyle/>
-            <a:p>
-              <a:endParaRPr/>
-            </a:p>
+            <a:p/>
           </p:txBody>
         </p:sp>
         <p:sp>
@@ -39426,9 +38860,7 @@
           <p:txBody>
             <a:bodyPr wrap="square" lIns="0" tIns="0" rIns="0" bIns="0" rtlCol="0"/>
             <a:lstStyle/>
-            <a:p>
-              <a:endParaRPr/>
-            </a:p>
+            <a:p/>
           </p:txBody>
         </p:sp>
         <p:pic>
@@ -39438,7 +38870,7 @@
             <p:nvPr/>
           </p:nvPicPr>
           <p:blipFill>
-            <a:blip r:embed="rId3" cstate="print"/>
+            <a:blip r:embed="rId2" cstate="print"/>
             <a:stretch>
               <a:fillRect/>
             </a:stretch>
@@ -39460,7 +38892,7 @@
             <p:nvPr/>
           </p:nvPicPr>
           <p:blipFill>
-            <a:blip r:embed="rId4" cstate="print"/>
+            <a:blip r:embed="rId3" cstate="print"/>
             <a:stretch>
               <a:fillRect/>
             </a:stretch>
@@ -39497,6 +38929,28 @@
             <p:nvPr/>
           </p:nvPicPr>
           <p:blipFill>
+            <a:blip r:embed="rId4" cstate="print"/>
+            <a:stretch>
+              <a:fillRect/>
+            </a:stretch>
+          </p:blipFill>
+          <p:spPr>
+            <a:xfrm>
+              <a:off x="9169880" y="1203948"/>
+              <a:ext cx="1504242" cy="4684799"/>
+            </a:xfrm>
+            <a:prstGeom prst="rect">
+              <a:avLst/>
+            </a:prstGeom>
+          </p:spPr>
+        </p:pic>
+        <p:pic>
+          <p:nvPicPr>
+            <p:cNvPr id="10" name="object 10"/>
+            <p:cNvPicPr/>
+            <p:nvPr/>
+          </p:nvPicPr>
+          <p:blipFill>
             <a:blip r:embed="rId5" cstate="print"/>
             <a:stretch>
               <a:fillRect/>
@@ -39504,28 +38958,6 @@
           </p:blipFill>
           <p:spPr>
             <a:xfrm>
-              <a:off x="9169880" y="1203948"/>
-              <a:ext cx="1504242" cy="4684799"/>
-            </a:xfrm>
-            <a:prstGeom prst="rect">
-              <a:avLst/>
-            </a:prstGeom>
-          </p:spPr>
-        </p:pic>
-        <p:pic>
-          <p:nvPicPr>
-            <p:cNvPr id="10" name="object 10"/>
-            <p:cNvPicPr/>
-            <p:nvPr/>
-          </p:nvPicPr>
-          <p:blipFill>
-            <a:blip r:embed="rId6" cstate="print"/>
-            <a:stretch>
-              <a:fillRect/>
-            </a:stretch>
-          </p:blipFill>
-          <p:spPr>
-            <a:xfrm>
               <a:off x="9203435" y="3049536"/>
               <a:ext cx="1435607" cy="1086599"/>
             </a:xfrm>
@@ -39541,7 +38973,7 @@
             <p:nvPr/>
           </p:nvPicPr>
           <p:blipFill>
-            <a:blip r:embed="rId7" cstate="print"/>
+            <a:blip r:embed="rId6" cstate="print"/>
             <a:stretch>
               <a:fillRect/>
             </a:stretch>
@@ -39699,9 +39131,7 @@
           <p:txBody>
             <a:bodyPr wrap="square" lIns="0" tIns="0" rIns="0" bIns="0" rtlCol="0"/>
             <a:lstStyle/>
-            <a:p>
-              <a:endParaRPr/>
-            </a:p>
+            <a:p/>
           </p:txBody>
         </p:sp>
         <p:pic>
@@ -39711,7 +39141,7 @@
             <p:nvPr/>
           </p:nvPicPr>
           <p:blipFill>
-            <a:blip r:embed="rId8" cstate="print"/>
+            <a:blip r:embed="rId7" cstate="print"/>
             <a:stretch>
               <a:fillRect/>
             </a:stretch>
@@ -39733,7 +39163,7 @@
             <p:nvPr/>
           </p:nvPicPr>
           <p:blipFill>
-            <a:blip r:embed="rId9" cstate="print"/>
+            <a:blip r:embed="rId8" cstate="print"/>
             <a:stretch>
               <a:fillRect/>
             </a:stretch>
@@ -39808,9 +39238,7 @@
           <p:txBody>
             <a:bodyPr wrap="square" lIns="0" tIns="0" rIns="0" bIns="0" rtlCol="0"/>
             <a:lstStyle/>
-            <a:p>
-              <a:endParaRPr/>
-            </a:p>
+            <a:p/>
           </p:txBody>
         </p:sp>
         <p:sp>
@@ -39860,9 +39288,7 @@
           <p:txBody>
             <a:bodyPr wrap="square" lIns="0" tIns="0" rIns="0" bIns="0" rtlCol="0"/>
             <a:lstStyle/>
-            <a:p>
-              <a:endParaRPr/>
-            </a:p>
+            <a:p/>
           </p:txBody>
         </p:sp>
         <p:pic>
@@ -39872,7 +39298,7 @@
             <p:nvPr/>
           </p:nvPicPr>
           <p:blipFill>
-            <a:blip r:embed="rId10" cstate="print"/>
+            <a:blip r:embed="rId9" cstate="print"/>
             <a:stretch>
               <a:fillRect/>
             </a:stretch>
@@ -40217,9 +39643,7 @@
           <p:txBody>
             <a:bodyPr wrap="square" lIns="0" tIns="0" rIns="0" bIns="0" rtlCol="0"/>
             <a:lstStyle/>
-            <a:p>
-              <a:endParaRPr/>
-            </a:p>
+            <a:p/>
           </p:txBody>
         </p:sp>
         <p:pic>
@@ -40229,7 +39653,7 @@
             <p:nvPr/>
           </p:nvPicPr>
           <p:blipFill>
-            <a:blip r:embed="rId11" cstate="print"/>
+            <a:blip r:embed="rId10" cstate="print"/>
             <a:stretch>
               <a:fillRect/>
             </a:stretch>
@@ -40251,7 +39675,7 @@
             <p:nvPr/>
           </p:nvPicPr>
           <p:blipFill>
-            <a:blip r:embed="rId12" cstate="print"/>
+            <a:blip r:embed="rId11" cstate="print"/>
             <a:stretch>
               <a:fillRect/>
             </a:stretch>
@@ -40596,9 +40020,7 @@
           <p:txBody>
             <a:bodyPr wrap="square" lIns="0" tIns="0" rIns="0" bIns="0" rtlCol="0"/>
             <a:lstStyle/>
-            <a:p>
-              <a:endParaRPr/>
-            </a:p>
+            <a:p/>
           </p:txBody>
         </p:sp>
         <p:pic>
@@ -40608,7 +40030,7 @@
             <p:nvPr/>
           </p:nvPicPr>
           <p:blipFill>
-            <a:blip r:embed="rId13" cstate="print"/>
+            <a:blip r:embed="rId12" cstate="print"/>
             <a:stretch>
               <a:fillRect/>
             </a:stretch>
@@ -40630,7 +40052,7 @@
             <p:nvPr/>
           </p:nvPicPr>
           <p:blipFill>
-            <a:blip r:embed="rId14" cstate="print"/>
+            <a:blip r:embed="rId13" cstate="print"/>
             <a:stretch>
               <a:fillRect/>
             </a:stretch>
@@ -41005,9 +40427,7 @@
           <p:txBody>
             <a:bodyPr wrap="square" lIns="0" tIns="0" rIns="0" bIns="0" rtlCol="0"/>
             <a:lstStyle/>
-            <a:p>
-              <a:endParaRPr/>
-            </a:p>
+            <a:p/>
           </p:txBody>
         </p:sp>
         <p:pic>
@@ -41017,7 +40437,7 @@
             <p:nvPr/>
           </p:nvPicPr>
           <p:blipFill>
-            <a:blip r:embed="rId15" cstate="print"/>
+            <a:blip r:embed="rId14" cstate="print"/>
             <a:stretch>
               <a:fillRect/>
             </a:stretch>
@@ -41392,9 +40812,7 @@
           <p:txBody>
             <a:bodyPr wrap="square" lIns="0" tIns="0" rIns="0" bIns="0" rtlCol="0"/>
             <a:lstStyle/>
-            <a:p>
-              <a:endParaRPr/>
-            </a:p>
+            <a:p/>
           </p:txBody>
         </p:sp>
         <p:pic>
@@ -41404,7 +40822,7 @@
             <p:nvPr/>
           </p:nvPicPr>
           <p:blipFill>
-            <a:blip r:embed="rId15" cstate="print"/>
+            <a:blip r:embed="rId14" cstate="print"/>
             <a:stretch>
               <a:fillRect/>
             </a:stretch>
@@ -41437,7 +40855,6 @@
           <a:p>
             <a:fld id="{B6F15528-21DE-4FAA-801E-634DDDAF4B2B}" type="slidenum">
               <a:rPr/>
-              <a:t>9</a:t>
             </a:fld>
             <a:endParaRPr/>
           </a:p>
@@ -41729,8 +41146,6 @@
       </a:bgFillStyleLst>
     </a:fmtScheme>
   </a:themeElements>
-  <a:objectDefaults/>
-  <a:extraClrSchemeLst/>
   <a:extLst>
     <a:ext uri="{05A4C25C-085E-4340-85A3-A5531E510DB2}">
       <thm15:themeFamily xmlns:thm15="http://schemas.microsoft.com/office/thememl/2012/main" name="Office Theme" id="{62F939B6-93AF-4DB8-9C6B-D6C7DFDC589F}" vid="{4A3C46E8-61CC-4603-A589-7422A47A8E4A}"/>
@@ -41990,8 +41405,6 @@
       </a:bgFillStyleLst>
     </a:fmtScheme>
   </a:themeElements>
-  <a:objectDefaults/>
-  <a:extraClrSchemeLst/>
   <a:extLst>
     <a:ext uri="{05A4C25C-085E-4340-85A3-A5531E510DB2}">
       <thm15:themeFamily xmlns:thm15="http://schemas.microsoft.com/office/thememl/2012/main" name="Office Theme" id="{62F939B6-93AF-4DB8-9C6B-D6C7DFDC589F}" vid="{4A3C46E8-61CC-4603-A589-7422A47A8E4A}"/>
